--- a/deliverables/Presentation/Final_Presentation_V2_Hack_The_Workplace_HackSavvy_Taskini.pptx
+++ b/deliverables/Presentation/Final_Presentation_V2_Hack_The_Workplace_HackSavvy_Taskini.pptx
@@ -1,67 +1,50 @@
 
 <file path=ppt/presentation.xml><?xml version="1.0" encoding="utf-8"?>
-<p:presentation xmlns:a="http://schemas.openxmlformats.org/drawingml/2006/main" xmlns:r="http://schemas.openxmlformats.org/officeDocument/2006/relationships" xmlns:p="http://schemas.openxmlformats.org/presentationml/2006/main" saveSubsetFonts="1" embedTrueTypeFonts="true">
+<p:presentation xmlns:a="http://schemas.openxmlformats.org/drawingml/2006/main" xmlns:r="http://schemas.openxmlformats.org/officeDocument/2006/relationships" xmlns:p="http://schemas.openxmlformats.org/presentationml/2006/main" embedTrueTypeFonts="1" saveSubsetFonts="1">
   <p:sldMasterIdLst>
     <p:sldMasterId id="2147483648" r:id="rId1"/>
   </p:sldMasterIdLst>
   <p:sldIdLst>
-    <p:sldId id="256" r:id="rId16"/>
-    <p:sldId id="257" r:id="rId17"/>
-    <p:sldId id="258" r:id="rId18"/>
-    <p:sldId id="259" r:id="rId19"/>
-    <p:sldId id="260" r:id="rId20"/>
-    <p:sldId id="261" r:id="rId21"/>
-    <p:sldId id="262" r:id="rId22"/>
-    <p:sldId id="263" r:id="rId23"/>
-    <p:sldId id="264" r:id="rId24"/>
-    <p:sldId id="265" r:id="rId25"/>
-    <p:sldId id="266" r:id="rId26"/>
-    <p:sldId id="267" r:id="rId27"/>
-    <p:sldId id="268" r:id="rId28"/>
-    <p:sldId id="269" r:id="rId29"/>
+    <p:sldId id="256" r:id="rId2"/>
+    <p:sldId id="257" r:id="rId3"/>
+    <p:sldId id="258" r:id="rId4"/>
+    <p:sldId id="259" r:id="rId5"/>
+    <p:sldId id="260" r:id="rId6"/>
+    <p:sldId id="261" r:id="rId7"/>
+    <p:sldId id="262" r:id="rId8"/>
+    <p:sldId id="263" r:id="rId9"/>
+    <p:sldId id="264" r:id="rId10"/>
+    <p:sldId id="265" r:id="rId11"/>
+    <p:sldId id="266" r:id="rId12"/>
+    <p:sldId id="267" r:id="rId13"/>
+    <p:sldId id="268" r:id="rId14"/>
+    <p:sldId id="269" r:id="rId15"/>
   </p:sldIdLst>
   <p:sldSz cx="18288000" cy="10287000"/>
   <p:notesSz cx="6858000" cy="9144000"/>
   <p:embeddedFontLst>
     <p:embeddedFont>
-      <p:font typeface="Raleway" charset="1" panose="020B0503030101060003"/>
-      <p:regular r:id="rId6"/>
+      <p:font typeface="Calibri" panose="020F0502020204030204" pitchFamily="34" charset="0"/>
+      <p:regular r:id="rId16"/>
+      <p:bold r:id="rId17"/>
+      <p:italic r:id="rId18"/>
+      <p:boldItalic r:id="rId19"/>
     </p:embeddedFont>
     <p:embeddedFont>
-      <p:font typeface="Raleway Bold" charset="1" panose="020B0803030101060003"/>
-      <p:regular r:id="rId7"/>
+      <p:font typeface="DM Sans" pitchFamily="2" charset="0"/>
+      <p:regular r:id="rId20"/>
     </p:embeddedFont>
     <p:embeddedFont>
-      <p:font typeface="Arimo" charset="1" panose="020B0604020202020204"/>
-      <p:regular r:id="rId8"/>
+      <p:font typeface="DM Sans Bold" charset="0"/>
+      <p:regular r:id="rId21"/>
     </p:embeddedFont>
     <p:embeddedFont>
-      <p:font typeface="Arimo Bold" charset="1" panose="020B0704020202020204"/>
-      <p:regular r:id="rId9"/>
+      <p:font typeface="DM Sans Bold Italics" panose="020B0604020202020204" charset="0"/>
+      <p:regular r:id="rId22"/>
     </p:embeddedFont>
     <p:embeddedFont>
-      <p:font typeface="Arimo Italics" charset="1" panose="020B0604020202090204"/>
-      <p:regular r:id="rId10"/>
-    </p:embeddedFont>
-    <p:embeddedFont>
-      <p:font typeface="Arimo Bold Italics" charset="1" panose="020B0704020202090204"/>
-      <p:regular r:id="rId11"/>
-    </p:embeddedFont>
-    <p:embeddedFont>
-      <p:font typeface="DM Sans" charset="1" panose="00000000000000000000"/>
-      <p:regular r:id="rId12"/>
-    </p:embeddedFont>
-    <p:embeddedFont>
-      <p:font typeface="DM Sans Bold" charset="1" panose="00000000000000000000"/>
-      <p:regular r:id="rId13"/>
-    </p:embeddedFont>
-    <p:embeddedFont>
-      <p:font typeface="DM Sans Italics" charset="1" panose="00000000000000000000"/>
-      <p:regular r:id="rId14"/>
-    </p:embeddedFont>
-    <p:embeddedFont>
-      <p:font typeface="DM Sans Bold Italics" charset="1" panose="00000000000000000000"/>
-      <p:regular r:id="rId15"/>
+      <p:font typeface="Raleway Bold" panose="020B0604020202020204" charset="0"/>
+      <p:regular r:id="rId23"/>
     </p:embeddedFont>
   </p:embeddedFontLst>
   <p:defaultTextStyle>
@@ -159,6 +142,22 @@
       </a:defRPr>
     </a:lvl9pPr>
   </p:defaultTextStyle>
+  <p:extLst>
+    <p:ext uri="{EFAFB233-063F-42B5-8137-9DF3F51BA10A}">
+      <p15:sldGuideLst xmlns:p15="http://schemas.microsoft.com/office/powerpoint/2012/main">
+        <p15:guide id="1" orient="horz" pos="2160">
+          <p15:clr>
+            <a:srgbClr val="A4A3A4"/>
+          </p15:clr>
+        </p15:guide>
+        <p15:guide id="2" pos="2880">
+          <p15:clr>
+            <a:srgbClr val="A4A3A4"/>
+          </p15:clr>
+        </p15:guide>
+      </p15:sldGuideLst>
+    </p:ext>
+  </p:extLst>
 </p:presentation>
 </file>
 
@@ -200,10 +199,9 @@
           <a:lstStyle/>
           <a:p>
             <a:r>
-              <a:rPr lang="en-US" smtClean="0"/>
+              <a:rPr lang="en-US"/>
               <a:t>Click to edit Master title style</a:t>
             </a:r>
-            <a:endParaRPr lang="en-US"/>
           </a:p>
         </p:txBody>
       </p:sp>
@@ -319,10 +317,9 @@
           </a:lstStyle>
           <a:p>
             <a:r>
-              <a:rPr lang="en-US" smtClean="0"/>
+              <a:rPr lang="en-US"/>
               <a:t>Click to edit Master subtitle style</a:t>
             </a:r>
-            <a:endParaRPr lang="en-US"/>
           </a:p>
         </p:txBody>
       </p:sp>
@@ -344,7 +341,7 @@
             <a:fld id="{1D8BD707-D9CF-40AE-B4C6-C98DA3205C09}" type="datetimeFigureOut">
               <a:rPr lang="en-US" smtClean="0"/>
               <a:pPr/>
-              <a:t>8/1/2011</a:t>
+              <a:t>14-Dec-23</a:t>
             </a:fld>
             <a:endParaRPr lang="en-US"/>
           </a:p>
@@ -434,10 +431,9 @@
           <a:lstStyle/>
           <a:p>
             <a:r>
-              <a:rPr lang="en-US" smtClean="0"/>
+              <a:rPr lang="en-US"/>
               <a:t>Click to edit Master title style</a:t>
             </a:r>
-            <a:endParaRPr lang="en-US"/>
           </a:p>
         </p:txBody>
       </p:sp>
@@ -458,38 +454,37 @@
           <a:p>
             <a:pPr lvl="0"/>
             <a:r>
-              <a:rPr lang="en-US" smtClean="0"/>
+              <a:rPr lang="en-US"/>
               <a:t>Click to edit Master text styles</a:t>
             </a:r>
           </a:p>
           <a:p>
             <a:pPr lvl="1"/>
             <a:r>
-              <a:rPr lang="en-US" smtClean="0"/>
+              <a:rPr lang="en-US"/>
               <a:t>Second level</a:t>
             </a:r>
           </a:p>
           <a:p>
             <a:pPr lvl="2"/>
             <a:r>
-              <a:rPr lang="en-US" smtClean="0"/>
+              <a:rPr lang="en-US"/>
               <a:t>Third level</a:t>
             </a:r>
           </a:p>
           <a:p>
             <a:pPr lvl="3"/>
             <a:r>
-              <a:rPr lang="en-US" smtClean="0"/>
+              <a:rPr lang="en-US"/>
               <a:t>Fourth level</a:t>
             </a:r>
           </a:p>
           <a:p>
             <a:pPr lvl="4"/>
             <a:r>
-              <a:rPr lang="en-US" smtClean="0"/>
+              <a:rPr lang="en-US"/>
               <a:t>Fifth level</a:t>
             </a:r>
-            <a:endParaRPr lang="en-US"/>
           </a:p>
         </p:txBody>
       </p:sp>
@@ -511,7 +506,7 @@
             <a:fld id="{1D8BD707-D9CF-40AE-B4C6-C98DA3205C09}" type="datetimeFigureOut">
               <a:rPr lang="en-US" smtClean="0"/>
               <a:pPr/>
-              <a:t>8/1/2011</a:t>
+              <a:t>14-Dec-23</a:t>
             </a:fld>
             <a:endParaRPr lang="en-US"/>
           </a:p>
@@ -606,10 +601,9 @@
           <a:lstStyle/>
           <a:p>
             <a:r>
-              <a:rPr lang="en-US" smtClean="0"/>
+              <a:rPr lang="en-US"/>
               <a:t>Click to edit Master title style</a:t>
             </a:r>
-            <a:endParaRPr lang="en-US"/>
           </a:p>
         </p:txBody>
       </p:sp>
@@ -635,38 +629,37 @@
           <a:p>
             <a:pPr lvl="0"/>
             <a:r>
-              <a:rPr lang="en-US" smtClean="0"/>
+              <a:rPr lang="en-US"/>
               <a:t>Click to edit Master text styles</a:t>
             </a:r>
           </a:p>
           <a:p>
             <a:pPr lvl="1"/>
             <a:r>
-              <a:rPr lang="en-US" smtClean="0"/>
+              <a:rPr lang="en-US"/>
               <a:t>Second level</a:t>
             </a:r>
           </a:p>
           <a:p>
             <a:pPr lvl="2"/>
             <a:r>
-              <a:rPr lang="en-US" smtClean="0"/>
+              <a:rPr lang="en-US"/>
               <a:t>Third level</a:t>
             </a:r>
           </a:p>
           <a:p>
             <a:pPr lvl="3"/>
             <a:r>
-              <a:rPr lang="en-US" smtClean="0"/>
+              <a:rPr lang="en-US"/>
               <a:t>Fourth level</a:t>
             </a:r>
           </a:p>
           <a:p>
             <a:pPr lvl="4"/>
             <a:r>
-              <a:rPr lang="en-US" smtClean="0"/>
+              <a:rPr lang="en-US"/>
               <a:t>Fifth level</a:t>
             </a:r>
-            <a:endParaRPr lang="en-US"/>
           </a:p>
         </p:txBody>
       </p:sp>
@@ -688,7 +681,7 @@
             <a:fld id="{1D8BD707-D9CF-40AE-B4C6-C98DA3205C09}" type="datetimeFigureOut">
               <a:rPr lang="en-US" smtClean="0"/>
               <a:pPr/>
-              <a:t>8/1/2011</a:t>
+              <a:t>14-Dec-23</a:t>
             </a:fld>
             <a:endParaRPr lang="en-US"/>
           </a:p>
@@ -778,10 +771,9 @@
           <a:lstStyle/>
           <a:p>
             <a:r>
-              <a:rPr lang="en-US" smtClean="0"/>
+              <a:rPr lang="en-US"/>
               <a:t>Click to edit Master title style</a:t>
             </a:r>
-            <a:endParaRPr lang="en-US"/>
           </a:p>
         </p:txBody>
       </p:sp>
@@ -802,38 +794,37 @@
           <a:p>
             <a:pPr lvl="0"/>
             <a:r>
-              <a:rPr lang="en-US" smtClean="0"/>
+              <a:rPr lang="en-US"/>
               <a:t>Click to edit Master text styles</a:t>
             </a:r>
           </a:p>
           <a:p>
             <a:pPr lvl="1"/>
             <a:r>
-              <a:rPr lang="en-US" smtClean="0"/>
+              <a:rPr lang="en-US"/>
               <a:t>Second level</a:t>
             </a:r>
           </a:p>
           <a:p>
             <a:pPr lvl="2"/>
             <a:r>
-              <a:rPr lang="en-US" smtClean="0"/>
+              <a:rPr lang="en-US"/>
               <a:t>Third level</a:t>
             </a:r>
           </a:p>
           <a:p>
             <a:pPr lvl="3"/>
             <a:r>
-              <a:rPr lang="en-US" smtClean="0"/>
+              <a:rPr lang="en-US"/>
               <a:t>Fourth level</a:t>
             </a:r>
           </a:p>
           <a:p>
             <a:pPr lvl="4"/>
             <a:r>
-              <a:rPr lang="en-US" smtClean="0"/>
+              <a:rPr lang="en-US"/>
               <a:t>Fifth level</a:t>
             </a:r>
-            <a:endParaRPr lang="en-US"/>
           </a:p>
         </p:txBody>
       </p:sp>
@@ -855,7 +846,7 @@
             <a:fld id="{1D8BD707-D9CF-40AE-B4C6-C98DA3205C09}" type="datetimeFigureOut">
               <a:rPr lang="en-US" smtClean="0"/>
               <a:pPr/>
-              <a:t>8/1/2011</a:t>
+              <a:t>14-Dec-23</a:t>
             </a:fld>
             <a:endParaRPr lang="en-US"/>
           </a:p>
@@ -954,10 +945,9 @@
           </a:lstStyle>
           <a:p>
             <a:r>
-              <a:rPr lang="en-US" smtClean="0"/>
+              <a:rPr lang="en-US"/>
               <a:t>Click to edit Master title style</a:t>
             </a:r>
-            <a:endParaRPr lang="en-US"/>
           </a:p>
         </p:txBody>
       </p:sp>
@@ -1074,7 +1064,7 @@
           <a:p>
             <a:pPr lvl="0"/>
             <a:r>
-              <a:rPr lang="en-US" smtClean="0"/>
+              <a:rPr lang="en-US"/>
               <a:t>Click to edit Master text styles</a:t>
             </a:r>
           </a:p>
@@ -1098,7 +1088,7 @@
             <a:fld id="{1D8BD707-D9CF-40AE-B4C6-C98DA3205C09}" type="datetimeFigureOut">
               <a:rPr lang="en-US" smtClean="0"/>
               <a:pPr/>
-              <a:t>8/1/2011</a:t>
+              <a:t>14-Dec-23</a:t>
             </a:fld>
             <a:endParaRPr lang="en-US"/>
           </a:p>
@@ -1188,10 +1178,9 @@
           <a:lstStyle/>
           <a:p>
             <a:r>
-              <a:rPr lang="en-US" smtClean="0"/>
+              <a:rPr lang="en-US"/>
               <a:t>Click to edit Master title style</a:t>
             </a:r>
-            <a:endParaRPr lang="en-US"/>
           </a:p>
         </p:txBody>
       </p:sp>
@@ -1245,38 +1234,37 @@
           <a:p>
             <a:pPr lvl="0"/>
             <a:r>
-              <a:rPr lang="en-US" smtClean="0"/>
+              <a:rPr lang="en-US"/>
               <a:t>Click to edit Master text styles</a:t>
             </a:r>
           </a:p>
           <a:p>
             <a:pPr lvl="1"/>
             <a:r>
-              <a:rPr lang="en-US" smtClean="0"/>
+              <a:rPr lang="en-US"/>
               <a:t>Second level</a:t>
             </a:r>
           </a:p>
           <a:p>
             <a:pPr lvl="2"/>
             <a:r>
-              <a:rPr lang="en-US" smtClean="0"/>
+              <a:rPr lang="en-US"/>
               <a:t>Third level</a:t>
             </a:r>
           </a:p>
           <a:p>
             <a:pPr lvl="3"/>
             <a:r>
-              <a:rPr lang="en-US" smtClean="0"/>
+              <a:rPr lang="en-US"/>
               <a:t>Fourth level</a:t>
             </a:r>
           </a:p>
           <a:p>
             <a:pPr lvl="4"/>
             <a:r>
-              <a:rPr lang="en-US" smtClean="0"/>
+              <a:rPr lang="en-US"/>
               <a:t>Fifth level</a:t>
             </a:r>
-            <a:endParaRPr lang="en-US"/>
           </a:p>
         </p:txBody>
       </p:sp>
@@ -1330,38 +1318,37 @@
           <a:p>
             <a:pPr lvl="0"/>
             <a:r>
-              <a:rPr lang="en-US" smtClean="0"/>
+              <a:rPr lang="en-US"/>
               <a:t>Click to edit Master text styles</a:t>
             </a:r>
           </a:p>
           <a:p>
             <a:pPr lvl="1"/>
             <a:r>
-              <a:rPr lang="en-US" smtClean="0"/>
+              <a:rPr lang="en-US"/>
               <a:t>Second level</a:t>
             </a:r>
           </a:p>
           <a:p>
             <a:pPr lvl="2"/>
             <a:r>
-              <a:rPr lang="en-US" smtClean="0"/>
+              <a:rPr lang="en-US"/>
               <a:t>Third level</a:t>
             </a:r>
           </a:p>
           <a:p>
             <a:pPr lvl="3"/>
             <a:r>
-              <a:rPr lang="en-US" smtClean="0"/>
+              <a:rPr lang="en-US"/>
               <a:t>Fourth level</a:t>
             </a:r>
           </a:p>
           <a:p>
             <a:pPr lvl="4"/>
             <a:r>
-              <a:rPr lang="en-US" smtClean="0"/>
+              <a:rPr lang="en-US"/>
               <a:t>Fifth level</a:t>
             </a:r>
-            <a:endParaRPr lang="en-US"/>
           </a:p>
         </p:txBody>
       </p:sp>
@@ -1383,7 +1370,7 @@
             <a:fld id="{1D8BD707-D9CF-40AE-B4C6-C98DA3205C09}" type="datetimeFigureOut">
               <a:rPr lang="en-US" smtClean="0"/>
               <a:pPr/>
-              <a:t>8/1/2011</a:t>
+              <a:t>14-Dec-23</a:t>
             </a:fld>
             <a:endParaRPr lang="en-US"/>
           </a:p>
@@ -1477,10 +1464,9 @@
           </a:lstStyle>
           <a:p>
             <a:r>
-              <a:rPr lang="en-US" smtClean="0"/>
+              <a:rPr lang="en-US"/>
               <a:t>Click to edit Master title style</a:t>
             </a:r>
-            <a:endParaRPr lang="en-US"/>
           </a:p>
         </p:txBody>
       </p:sp>
@@ -1543,7 +1529,7 @@
           <a:p>
             <a:pPr lvl="0"/>
             <a:r>
-              <a:rPr lang="en-US" smtClean="0"/>
+              <a:rPr lang="en-US"/>
               <a:t>Click to edit Master text styles</a:t>
             </a:r>
           </a:p>
@@ -1599,38 +1585,37 @@
           <a:p>
             <a:pPr lvl="0"/>
             <a:r>
-              <a:rPr lang="en-US" smtClean="0"/>
+              <a:rPr lang="en-US"/>
               <a:t>Click to edit Master text styles</a:t>
             </a:r>
           </a:p>
           <a:p>
             <a:pPr lvl="1"/>
             <a:r>
-              <a:rPr lang="en-US" smtClean="0"/>
+              <a:rPr lang="en-US"/>
               <a:t>Second level</a:t>
             </a:r>
           </a:p>
           <a:p>
             <a:pPr lvl="2"/>
             <a:r>
-              <a:rPr lang="en-US" smtClean="0"/>
+              <a:rPr lang="en-US"/>
               <a:t>Third level</a:t>
             </a:r>
           </a:p>
           <a:p>
             <a:pPr lvl="3"/>
             <a:r>
-              <a:rPr lang="en-US" smtClean="0"/>
+              <a:rPr lang="en-US"/>
               <a:t>Fourth level</a:t>
             </a:r>
           </a:p>
           <a:p>
             <a:pPr lvl="4"/>
             <a:r>
-              <a:rPr lang="en-US" smtClean="0"/>
+              <a:rPr lang="en-US"/>
               <a:t>Fifth level</a:t>
             </a:r>
-            <a:endParaRPr lang="en-US"/>
           </a:p>
         </p:txBody>
       </p:sp>
@@ -1693,7 +1678,7 @@
           <a:p>
             <a:pPr lvl="0"/>
             <a:r>
-              <a:rPr lang="en-US" smtClean="0"/>
+              <a:rPr lang="en-US"/>
               <a:t>Click to edit Master text styles</a:t>
             </a:r>
           </a:p>
@@ -1749,38 +1734,37 @@
           <a:p>
             <a:pPr lvl="0"/>
             <a:r>
-              <a:rPr lang="en-US" smtClean="0"/>
+              <a:rPr lang="en-US"/>
               <a:t>Click to edit Master text styles</a:t>
             </a:r>
           </a:p>
           <a:p>
             <a:pPr lvl="1"/>
             <a:r>
-              <a:rPr lang="en-US" smtClean="0"/>
+              <a:rPr lang="en-US"/>
               <a:t>Second level</a:t>
             </a:r>
           </a:p>
           <a:p>
             <a:pPr lvl="2"/>
             <a:r>
-              <a:rPr lang="en-US" smtClean="0"/>
+              <a:rPr lang="en-US"/>
               <a:t>Third level</a:t>
             </a:r>
           </a:p>
           <a:p>
             <a:pPr lvl="3"/>
             <a:r>
-              <a:rPr lang="en-US" smtClean="0"/>
+              <a:rPr lang="en-US"/>
               <a:t>Fourth level</a:t>
             </a:r>
           </a:p>
           <a:p>
             <a:pPr lvl="4"/>
             <a:r>
-              <a:rPr lang="en-US" smtClean="0"/>
+              <a:rPr lang="en-US"/>
               <a:t>Fifth level</a:t>
             </a:r>
-            <a:endParaRPr lang="en-US"/>
           </a:p>
         </p:txBody>
       </p:sp>
@@ -1802,7 +1786,7 @@
             <a:fld id="{1D8BD707-D9CF-40AE-B4C6-C98DA3205C09}" type="datetimeFigureOut">
               <a:rPr lang="en-US" smtClean="0"/>
               <a:pPr/>
-              <a:t>8/1/2011</a:t>
+              <a:t>14-Dec-23</a:t>
             </a:fld>
             <a:endParaRPr lang="en-US"/>
           </a:p>
@@ -1892,10 +1876,9 @@
           <a:lstStyle/>
           <a:p>
             <a:r>
-              <a:rPr lang="en-US" smtClean="0"/>
+              <a:rPr lang="en-US"/>
               <a:t>Click to edit Master title style</a:t>
             </a:r>
-            <a:endParaRPr lang="en-US"/>
           </a:p>
         </p:txBody>
       </p:sp>
@@ -1917,7 +1900,7 @@
             <a:fld id="{1D8BD707-D9CF-40AE-B4C6-C98DA3205C09}" type="datetimeFigureOut">
               <a:rPr lang="en-US" smtClean="0"/>
               <a:pPr/>
-              <a:t>8/1/2011</a:t>
+              <a:t>14-Dec-23</a:t>
             </a:fld>
             <a:endParaRPr lang="en-US"/>
           </a:p>
@@ -2009,7 +1992,7 @@
             <a:fld id="{1D8BD707-D9CF-40AE-B4C6-C98DA3205C09}" type="datetimeFigureOut">
               <a:rPr lang="en-US" smtClean="0"/>
               <a:pPr/>
-              <a:t>8/1/2011</a:t>
+              <a:t>14-Dec-23</a:t>
             </a:fld>
             <a:endParaRPr lang="en-US"/>
           </a:p>
@@ -2108,10 +2091,9 @@
           </a:lstStyle>
           <a:p>
             <a:r>
-              <a:rPr lang="en-US" smtClean="0"/>
+              <a:rPr lang="en-US"/>
               <a:t>Click to edit Master title style</a:t>
             </a:r>
-            <a:endParaRPr lang="en-US"/>
           </a:p>
         </p:txBody>
       </p:sp>
@@ -2165,38 +2147,37 @@
           <a:p>
             <a:pPr lvl="0"/>
             <a:r>
-              <a:rPr lang="en-US" smtClean="0"/>
+              <a:rPr lang="en-US"/>
               <a:t>Click to edit Master text styles</a:t>
             </a:r>
           </a:p>
           <a:p>
             <a:pPr lvl="1"/>
             <a:r>
-              <a:rPr lang="en-US" smtClean="0"/>
+              <a:rPr lang="en-US"/>
               <a:t>Second level</a:t>
             </a:r>
           </a:p>
           <a:p>
             <a:pPr lvl="2"/>
             <a:r>
-              <a:rPr lang="en-US" smtClean="0"/>
+              <a:rPr lang="en-US"/>
               <a:t>Third level</a:t>
             </a:r>
           </a:p>
           <a:p>
             <a:pPr lvl="3"/>
             <a:r>
-              <a:rPr lang="en-US" smtClean="0"/>
+              <a:rPr lang="en-US"/>
               <a:t>Fourth level</a:t>
             </a:r>
           </a:p>
           <a:p>
             <a:pPr lvl="4"/>
             <a:r>
-              <a:rPr lang="en-US" smtClean="0"/>
+              <a:rPr lang="en-US"/>
               <a:t>Fifth level</a:t>
             </a:r>
-            <a:endParaRPr lang="en-US"/>
           </a:p>
         </p:txBody>
       </p:sp>
@@ -2259,7 +2240,7 @@
           <a:p>
             <a:pPr lvl="0"/>
             <a:r>
-              <a:rPr lang="en-US" smtClean="0"/>
+              <a:rPr lang="en-US"/>
               <a:t>Click to edit Master text styles</a:t>
             </a:r>
           </a:p>
@@ -2283,7 +2264,7 @@
             <a:fld id="{1D8BD707-D9CF-40AE-B4C6-C98DA3205C09}" type="datetimeFigureOut">
               <a:rPr lang="en-US" smtClean="0"/>
               <a:pPr/>
-              <a:t>8/1/2011</a:t>
+              <a:t>14-Dec-23</a:t>
             </a:fld>
             <a:endParaRPr lang="en-US"/>
           </a:p>
@@ -2382,10 +2363,9 @@
           </a:lstStyle>
           <a:p>
             <a:r>
-              <a:rPr lang="en-US" smtClean="0"/>
+              <a:rPr lang="en-US"/>
               <a:t>Click to edit Master title style</a:t>
             </a:r>
-            <a:endParaRPr lang="en-US"/>
           </a:p>
         </p:txBody>
       </p:sp>
@@ -2509,7 +2489,7 @@
           <a:p>
             <a:pPr lvl="0"/>
             <a:r>
-              <a:rPr lang="en-US" smtClean="0"/>
+              <a:rPr lang="en-US"/>
               <a:t>Click to edit Master text styles</a:t>
             </a:r>
           </a:p>
@@ -2533,7 +2513,7 @@
             <a:fld id="{1D8BD707-D9CF-40AE-B4C6-C98DA3205C09}" type="datetimeFigureOut">
               <a:rPr lang="en-US" smtClean="0"/>
               <a:pPr/>
-              <a:t>8/1/2011</a:t>
+              <a:t>14-Dec-23</a:t>
             </a:fld>
             <a:endParaRPr lang="en-US"/>
           </a:p>
@@ -2638,10 +2618,9 @@
           <a:lstStyle/>
           <a:p>
             <a:r>
-              <a:rPr lang="en-US" smtClean="0"/>
+              <a:rPr lang="en-US"/>
               <a:t>Click to edit Master title style</a:t>
             </a:r>
-            <a:endParaRPr lang="en-US"/>
           </a:p>
         </p:txBody>
       </p:sp>
@@ -2672,38 +2651,37 @@
           <a:p>
             <a:pPr lvl="0"/>
             <a:r>
-              <a:rPr lang="en-US" smtClean="0"/>
+              <a:rPr lang="en-US"/>
               <a:t>Click to edit Master text styles</a:t>
             </a:r>
           </a:p>
           <a:p>
             <a:pPr lvl="1"/>
             <a:r>
-              <a:rPr lang="en-US" smtClean="0"/>
+              <a:rPr lang="en-US"/>
               <a:t>Second level</a:t>
             </a:r>
           </a:p>
           <a:p>
             <a:pPr lvl="2"/>
             <a:r>
-              <a:rPr lang="en-US" smtClean="0"/>
+              <a:rPr lang="en-US"/>
               <a:t>Third level</a:t>
             </a:r>
           </a:p>
           <a:p>
             <a:pPr lvl="3"/>
             <a:r>
-              <a:rPr lang="en-US" smtClean="0"/>
+              <a:rPr lang="en-US"/>
               <a:t>Fourth level</a:t>
             </a:r>
           </a:p>
           <a:p>
             <a:pPr lvl="4"/>
             <a:r>
-              <a:rPr lang="en-US" smtClean="0"/>
+              <a:rPr lang="en-US"/>
               <a:t>Fifth level</a:t>
             </a:r>
-            <a:endParaRPr lang="en-US"/>
           </a:p>
         </p:txBody>
       </p:sp>
@@ -2743,7 +2721,7 @@
             <a:fld id="{1D8BD707-D9CF-40AE-B4C6-C98DA3205C09}" type="datetimeFigureOut">
               <a:rPr lang="en-US" smtClean="0"/>
               <a:pPr/>
-              <a:t>8/1/2011</a:t>
+              <a:t>14-Dec-23</a:t>
             </a:fld>
             <a:endParaRPr lang="en-US"/>
           </a:p>
@@ -3098,13 +3076,14 @@
 </file>
 
 <file path=ppt/slides/slide1.xml><?xml version="1.0" encoding="utf-8"?>
-<p:sld xmlns:p="http://schemas.openxmlformats.org/presentationml/2006/main" xmlns:a="http://schemas.openxmlformats.org/drawingml/2006/main" xmlns:r="http://schemas.openxmlformats.org/officeDocument/2006/relationships">
+<p:sld xmlns:a="http://schemas.openxmlformats.org/drawingml/2006/main" xmlns:r="http://schemas.openxmlformats.org/officeDocument/2006/relationships" xmlns:p="http://schemas.openxmlformats.org/presentationml/2006/main">
   <p:cSld>
     <p:bg>
       <p:bgPr>
         <a:solidFill>
           <a:srgbClr val="000914"/>
         </a:solidFill>
+        <a:effectLst/>
       </p:bgPr>
     </p:bg>
     <p:spTree>
@@ -3123,12 +3102,12 @@
       </p:grpSpPr>
       <p:sp>
         <p:nvSpPr>
-          <p:cNvPr name="Freeform 2" id="2"/>
+          <p:cNvPr id="2" name="Freeform 2"/>
           <p:cNvSpPr/>
           <p:nvPr/>
         </p:nvSpPr>
         <p:spPr>
-          <a:xfrm flipH="false" flipV="false" rot="0">
+          <a:xfrm>
             <a:off x="44528" y="3019224"/>
             <a:ext cx="18243472" cy="10033909"/>
           </a:xfrm>
@@ -3137,9 +3116,9 @@
             <a:gdLst/>
             <a:ahLst/>
             <a:cxnLst/>
-            <a:rect r="r" b="b" t="t" l="l"/>
+            <a:rect l="l" t="t" r="r" b="b"/>
             <a:pathLst>
-              <a:path h="10033909" w="18243472">
+              <a:path w="18243472" h="10033909">
                 <a:moveTo>
                   <a:pt x="0" y="0"/>
                 </a:moveTo>
@@ -3168,19 +3147,26 @@
               </a:extLst>
             </a:blip>
             <a:stretch>
-              <a:fillRect l="0" t="0" r="0" b="0"/>
+              <a:fillRect/>
             </a:stretch>
           </a:blipFill>
         </p:spPr>
-      </p:sp>
-      <p:sp>
-        <p:nvSpPr>
-          <p:cNvPr name="Freeform 3" id="3"/>
+        <p:txBody>
+          <a:bodyPr/>
+          <a:lstStyle/>
+          <a:p>
+            <a:endParaRPr lang="en-US" dirty="0"/>
+          </a:p>
+        </p:txBody>
+      </p:sp>
+      <p:sp>
+        <p:nvSpPr>
+          <p:cNvPr id="3" name="Freeform 3"/>
           <p:cNvSpPr/>
           <p:nvPr/>
         </p:nvSpPr>
         <p:spPr>
-          <a:xfrm flipH="false" flipV="false" rot="5400000">
+          <a:xfrm rot="5400000">
             <a:off x="12426325" y="4425325"/>
             <a:ext cx="7909400" cy="7909400"/>
           </a:xfrm>
@@ -3189,9 +3175,9 @@
             <a:gdLst/>
             <a:ahLst/>
             <a:cxnLst/>
-            <a:rect r="r" b="b" t="t" l="l"/>
+            <a:rect l="l" t="t" r="r" b="b"/>
             <a:pathLst>
-              <a:path h="7909400" w="7909400">
+              <a:path w="7909400" h="7909400">
                 <a:moveTo>
                   <a:pt x="0" y="0"/>
                 </a:moveTo>
@@ -3220,19 +3206,26 @@
               </a:extLst>
             </a:blip>
             <a:stretch>
-              <a:fillRect l="0" t="0" r="0" b="0"/>
+              <a:fillRect/>
             </a:stretch>
           </a:blipFill>
         </p:spPr>
-      </p:sp>
-      <p:sp>
-        <p:nvSpPr>
-          <p:cNvPr name="Freeform 4" id="4"/>
+        <p:txBody>
+          <a:bodyPr/>
+          <a:lstStyle/>
+          <a:p>
+            <a:endParaRPr lang="en-US"/>
+          </a:p>
+        </p:txBody>
+      </p:sp>
+      <p:sp>
+        <p:nvSpPr>
+          <p:cNvPr id="4" name="Freeform 4"/>
           <p:cNvSpPr/>
           <p:nvPr/>
         </p:nvSpPr>
         <p:spPr>
-          <a:xfrm flipH="false" flipV="true" rot="0">
+          <a:xfrm flipV="1">
             <a:off x="12036025" y="1833515"/>
             <a:ext cx="2649366" cy="2649366"/>
           </a:xfrm>
@@ -3241,9 +3234,9 @@
             <a:gdLst/>
             <a:ahLst/>
             <a:cxnLst/>
-            <a:rect r="r" b="b" t="t" l="l"/>
+            <a:rect l="l" t="t" r="r" b="b"/>
             <a:pathLst>
-              <a:path h="2649366" w="2649366">
+              <a:path w="2649366" h="2649366">
                 <a:moveTo>
                   <a:pt x="0" y="2649366"/>
                 </a:moveTo>
@@ -3273,20 +3266,27 @@
               </a:extLst>
             </a:blip>
             <a:stretch>
-              <a:fillRect l="0" t="0" r="0" b="0"/>
+              <a:fillRect/>
             </a:stretch>
           </a:blipFill>
         </p:spPr>
-      </p:sp>
-      <p:sp>
-        <p:nvSpPr>
-          <p:cNvPr name="Freeform 5" id="5"/>
+        <p:txBody>
+          <a:bodyPr/>
+          <a:lstStyle/>
+          <a:p>
+            <a:endParaRPr lang="en-US"/>
+          </a:p>
+        </p:txBody>
+      </p:sp>
+      <p:sp>
+        <p:nvSpPr>
+          <p:cNvPr id="5" name="Freeform 5"/>
           <p:cNvSpPr/>
           <p:nvPr/>
         </p:nvSpPr>
         <p:spPr>
-          <a:xfrm flipH="true" flipV="true" rot="0">
-            <a:off x="15156950" y="421891"/>
+          <a:xfrm flipH="1" flipV="1">
+            <a:off x="15171829" y="427129"/>
             <a:ext cx="1626418" cy="1626418"/>
           </a:xfrm>
           <a:custGeom>
@@ -3294,9 +3294,9 @@
             <a:gdLst/>
             <a:ahLst/>
             <a:cxnLst/>
-            <a:rect r="r" b="b" t="t" l="l"/>
+            <a:rect l="l" t="t" r="r" b="b"/>
             <a:pathLst>
-              <a:path h="1626418" w="1626418">
+              <a:path w="1626418" h="1626418">
                 <a:moveTo>
                   <a:pt x="1626418" y="1626418"/>
                 </a:moveTo>
@@ -3326,21 +3326,28 @@
               </a:extLst>
             </a:blip>
             <a:stretch>
-              <a:fillRect l="0" t="0" r="0" b="0"/>
+              <a:fillRect/>
             </a:stretch>
           </a:blipFill>
         </p:spPr>
+        <p:txBody>
+          <a:bodyPr/>
+          <a:lstStyle/>
+          <a:p>
+            <a:endParaRPr lang="en-US"/>
+          </a:p>
+        </p:txBody>
       </p:sp>
       <p:grpSp>
         <p:nvGrpSpPr>
-          <p:cNvPr name="Group 6" id="6"/>
+          <p:cNvPr id="6" name="Group 6"/>
           <p:cNvGrpSpPr>
-            <a:grpSpLocks noChangeAspect="true"/>
+            <a:grpSpLocks noChangeAspect="1"/>
           </p:cNvGrpSpPr>
           <p:nvPr/>
         </p:nvGrpSpPr>
         <p:grpSpPr>
-          <a:xfrm rot="0">
+          <a:xfrm>
             <a:off x="14948768" y="7004924"/>
             <a:ext cx="2864515" cy="2864503"/>
             <a:chOff x="0" y="0"/>
@@ -3349,12 +3356,12 @@
         </p:grpSpPr>
         <p:sp>
           <p:nvSpPr>
-            <p:cNvPr name="Freeform 7" id="7"/>
+            <p:cNvPr id="7" name="Freeform 7"/>
             <p:cNvSpPr/>
             <p:nvPr/>
           </p:nvSpPr>
           <p:spPr>
-            <a:xfrm flipH="false" flipV="false" rot="0">
+            <a:xfrm>
               <a:off x="0" y="0"/>
               <a:ext cx="6350000" cy="6349974"/>
             </a:xfrm>
@@ -3363,9 +3370,9 @@
               <a:gdLst/>
               <a:ahLst/>
               <a:cxnLst/>
-              <a:rect r="r" b="b" t="t" l="l"/>
+              <a:rect l="l" t="t" r="r" b="b"/>
               <a:pathLst>
-                <a:path h="6349974" w="6350000">
+                <a:path w="6350000" h="6349974">
                   <a:moveTo>
                     <a:pt x="6350000" y="3175025"/>
                   </a:moveTo>
@@ -3396,43 +3403,50 @@
             <a:blipFill>
               <a:blip r:embed="rId6"/>
               <a:stretch>
-                <a:fillRect l="-12075" t="0" r="-12075" b="0"/>
+                <a:fillRect l="-12075" r="-12075"/>
               </a:stretch>
             </a:blipFill>
           </p:spPr>
+          <p:txBody>
+            <a:bodyPr/>
+            <a:lstStyle/>
+            <a:p>
+              <a:endParaRPr lang="en-US"/>
+            </a:p>
+          </p:txBody>
         </p:sp>
       </p:grpSp>
       <p:grpSp>
         <p:nvGrpSpPr>
-          <p:cNvPr name="Group 8" id="8"/>
+          <p:cNvPr id="8" name="Group 8"/>
           <p:cNvGrpSpPr/>
           <p:nvPr/>
         </p:nvGrpSpPr>
         <p:grpSpPr>
-          <a:xfrm rot="0">
-            <a:off x="1633828" y="4244350"/>
-            <a:ext cx="8704043" cy="2500593"/>
-            <a:chOff x="0" y="0"/>
-            <a:chExt cx="11605390" cy="3334124"/>
+          <a:xfrm>
+            <a:off x="1633828" y="4151481"/>
+            <a:ext cx="8704043" cy="2593462"/>
+            <a:chOff x="0" y="-123825"/>
+            <a:chExt cx="11605390" cy="3457949"/>
           </a:xfrm>
         </p:grpSpPr>
         <p:sp>
           <p:nvSpPr>
-            <p:cNvPr name="TextBox 9" id="9"/>
-            <p:cNvSpPr txBox="true"/>
+            <p:cNvPr id="9" name="TextBox 9"/>
+            <p:cNvSpPr txBox="1"/>
             <p:nvPr/>
           </p:nvSpPr>
           <p:spPr>
-            <a:xfrm rot="0">
+            <a:xfrm>
               <a:off x="0" y="-123825"/>
-              <a:ext cx="11605390" cy="1418378"/>
+              <a:ext cx="11605390" cy="1466727"/>
             </a:xfrm>
             <a:prstGeom prst="rect">
               <a:avLst/>
             </a:prstGeom>
           </p:spPr>
           <p:txBody>
-            <a:bodyPr anchor="t" rtlCol="false" tIns="0" lIns="0" bIns="0" rIns="0">
+            <a:bodyPr lIns="0" tIns="0" rIns="0" bIns="0" rtlCol="0" anchor="t">
               <a:spAutoFit/>
             </a:bodyPr>
             <a:lstStyle/>
@@ -3446,25 +3460,31 @@
                 </a:spcBef>
               </a:pPr>
               <a:r>
-                <a:rPr lang="en-US" sz="6399">
+                <a:rPr lang="en-US" sz="6399" dirty="0" err="1">
                   <a:solidFill>
                     <a:srgbClr val="FFFFFF"/>
                   </a:solidFill>
                   <a:latin typeface="DM Sans"/>
                 </a:rPr>
-                <a:t>Work Bruh: Taskini App</a:t>
+                <a:t>Taskini</a:t>
               </a:r>
+              <a:endParaRPr lang="en-US" sz="6399" dirty="0">
+                <a:solidFill>
+                  <a:srgbClr val="FFFFFF"/>
+                </a:solidFill>
+                <a:latin typeface="DM Sans"/>
+              </a:endParaRPr>
             </a:p>
           </p:txBody>
         </p:sp>
         <p:sp>
           <p:nvSpPr>
-            <p:cNvPr name="TextBox 10" id="10"/>
-            <p:cNvSpPr txBox="true"/>
+            <p:cNvPr id="10" name="TextBox 10"/>
+            <p:cNvSpPr txBox="1"/>
             <p:nvPr/>
           </p:nvSpPr>
           <p:spPr>
-            <a:xfrm rot="0">
+            <a:xfrm>
               <a:off x="0" y="1173430"/>
               <a:ext cx="8572151" cy="2160694"/>
             </a:xfrm>
@@ -3473,7 +3493,7 @@
             </a:prstGeom>
           </p:spPr>
           <p:txBody>
-            <a:bodyPr anchor="t" rtlCol="false" tIns="0" lIns="0" bIns="0" rIns="0">
+            <a:bodyPr lIns="0" tIns="0" rIns="0" bIns="0" rtlCol="0" anchor="t">
               <a:spAutoFit/>
             </a:bodyPr>
             <a:lstStyle/>
@@ -3487,7 +3507,7 @@
                 </a:spcBef>
               </a:pPr>
               <a:r>
-                <a:rPr lang="en-US" sz="9699">
+                <a:rPr lang="en-US" sz="9699" dirty="0">
                   <a:solidFill>
                     <a:srgbClr val="5CE1E6"/>
                   </a:solidFill>
@@ -3501,12 +3521,12 @@
       </p:grpSp>
       <p:sp>
         <p:nvSpPr>
-          <p:cNvPr name="TextBox 11" id="11"/>
-          <p:cNvSpPr txBox="true"/>
+          <p:cNvPr id="11" name="TextBox 11"/>
+          <p:cNvSpPr txBox="1"/>
           <p:nvPr/>
         </p:nvSpPr>
         <p:spPr>
-          <a:xfrm rot="0">
+          <a:xfrm>
             <a:off x="1633828" y="7324647"/>
             <a:ext cx="4417236" cy="1406525"/>
           </a:xfrm>
@@ -3515,7 +3535,7 @@
           </a:prstGeom>
         </p:spPr>
         <p:txBody>
-          <a:bodyPr anchor="t" rtlCol="false" tIns="0" lIns="0" bIns="0" rIns="0">
+          <a:bodyPr lIns="0" tIns="0" rIns="0" bIns="0" rtlCol="0" anchor="t">
             <a:spAutoFit/>
           </a:bodyPr>
           <a:lstStyle/>
@@ -3526,13 +3546,13 @@
               </a:lnSpc>
             </a:pPr>
             <a:r>
-              <a:rPr lang="en-US" sz="2000">
+              <a:rPr lang="en-US" sz="2000" dirty="0">
                 <a:solidFill>
                   <a:srgbClr val="FFFFFF"/>
                 </a:solidFill>
                 <a:latin typeface="DM Sans Bold"/>
               </a:rPr>
-              <a:t>Created By : Hack Savvy Team:</a:t>
+              <a:t>Presented by : Hack Savvy Team:</a:t>
             </a:r>
           </a:p>
           <a:p>
@@ -3542,14 +3562,47 @@
               </a:lnSpc>
             </a:pPr>
             <a:r>
-              <a:rPr lang="en-US" sz="2000">
+              <a:rPr lang="en-US" sz="2000" dirty="0">
                 <a:solidFill>
                   <a:srgbClr val="FFFFFF"/>
                 </a:solidFill>
                 <a:latin typeface="DM Sans Bold"/>
               </a:rPr>
-              <a:t>Ahmed Dhia Labidi</a:t>
-            </a:r>
+              <a:t>Ahmed </a:t>
+            </a:r>
+            <a:r>
+              <a:rPr lang="en-US" sz="2000" dirty="0" err="1">
+                <a:solidFill>
+                  <a:srgbClr val="FFFFFF"/>
+                </a:solidFill>
+                <a:latin typeface="DM Sans Bold"/>
+              </a:rPr>
+              <a:t>Dhia</a:t>
+            </a:r>
+            <a:r>
+              <a:rPr lang="en-US" sz="2000" dirty="0">
+                <a:solidFill>
+                  <a:srgbClr val="FFFFFF"/>
+                </a:solidFill>
+                <a:latin typeface="DM Sans Bold"/>
+              </a:rPr>
+              <a:t> </a:t>
+            </a:r>
+            <a:r>
+              <a:rPr lang="en-US" sz="2000" dirty="0" err="1">
+                <a:solidFill>
+                  <a:srgbClr val="FFFFFF"/>
+                </a:solidFill>
+                <a:latin typeface="DM Sans Bold"/>
+              </a:rPr>
+              <a:t>Labidi</a:t>
+            </a:r>
+            <a:endParaRPr lang="en-US" sz="2000" dirty="0">
+              <a:solidFill>
+                <a:srgbClr val="FFFFFF"/>
+              </a:solidFill>
+              <a:latin typeface="DM Sans Bold"/>
+            </a:endParaRPr>
           </a:p>
           <a:p>
             <a:pPr>
@@ -3558,7 +3611,7 @@
               </a:lnSpc>
             </a:pPr>
             <a:r>
-              <a:rPr lang="en-US" sz="2000">
+              <a:rPr lang="en-US" sz="2000" dirty="0">
                 <a:solidFill>
                   <a:srgbClr val="FFFFFF"/>
                 </a:solidFill>
@@ -3574,14 +3627,123 @@
               </a:lnSpc>
             </a:pPr>
             <a:r>
-              <a:rPr lang="en-US" sz="2000">
+              <a:rPr lang="en-US" sz="2000" dirty="0">
                 <a:solidFill>
                   <a:srgbClr val="FFFFFF"/>
                 </a:solidFill>
                 <a:latin typeface="DM Sans Bold"/>
               </a:rPr>
-              <a:t>Omar Letaief</a:t>
-            </a:r>
+              <a:t>Omar </a:t>
+            </a:r>
+            <a:r>
+              <a:rPr lang="en-US" sz="2000" dirty="0" err="1">
+                <a:solidFill>
+                  <a:srgbClr val="FFFFFF"/>
+                </a:solidFill>
+                <a:latin typeface="DM Sans Bold"/>
+              </a:rPr>
+              <a:t>Letaief</a:t>
+            </a:r>
+            <a:endParaRPr lang="en-US" sz="2000" dirty="0">
+              <a:solidFill>
+                <a:srgbClr val="FFFFFF"/>
+              </a:solidFill>
+              <a:latin typeface="DM Sans Bold"/>
+            </a:endParaRPr>
+          </a:p>
+        </p:txBody>
+      </p:sp>
+      <p:pic>
+        <p:nvPicPr>
+          <p:cNvPr id="13" name="Picture 12" descr="A black cat silhouette in a circle&#10;&#10;Description automatically generated">
+            <a:hlinkClick r:id="rId7"/>
+            <a:extLst>
+              <a:ext uri="{FF2B5EF4-FFF2-40B4-BE49-F238E27FC236}">
+                <a16:creationId xmlns:a16="http://schemas.microsoft.com/office/drawing/2014/main" id="{217DF663-55A9-A746-B697-1E7366F6099E}"/>
+              </a:ext>
+            </a:extLst>
+          </p:cNvPr>
+          <p:cNvPicPr>
+            <a:picLocks noChangeAspect="1"/>
+          </p:cNvPicPr>
+          <p:nvPr/>
+        </p:nvPicPr>
+        <p:blipFill>
+          <a:blip r:embed="rId8" cstate="print">
+            <a:extLst>
+              <a:ext uri="{28A0092B-C50C-407E-A947-70E740481C1C}">
+                <a14:useLocalDpi xmlns:a14="http://schemas.microsoft.com/office/drawing/2010/main" val="0"/>
+              </a:ext>
+            </a:extLst>
+          </a:blip>
+          <a:stretch>
+            <a:fillRect/>
+          </a:stretch>
+        </p:blipFill>
+        <p:spPr>
+          <a:xfrm>
+            <a:off x="7882523" y="9486900"/>
+            <a:ext cx="575677" cy="575677"/>
+          </a:xfrm>
+          <a:prstGeom prst="rect">
+            <a:avLst/>
+          </a:prstGeom>
+        </p:spPr>
+      </p:pic>
+      <p:sp>
+        <p:nvSpPr>
+          <p:cNvPr id="14" name="TextBox 9">
+            <a:extLst>
+              <a:ext uri="{FF2B5EF4-FFF2-40B4-BE49-F238E27FC236}">
+                <a16:creationId xmlns:a16="http://schemas.microsoft.com/office/drawing/2014/main" id="{F7F4E78C-35C4-6F31-BB6B-2FDD544E4E70}"/>
+              </a:ext>
+            </a:extLst>
+          </p:cNvPr>
+          <p:cNvSpPr txBox="1"/>
+          <p:nvPr/>
+        </p:nvSpPr>
+        <p:spPr>
+          <a:xfrm>
+            <a:off x="8572500" y="9605774"/>
+            <a:ext cx="1143000" cy="369332"/>
+          </a:xfrm>
+          <a:prstGeom prst="rect">
+            <a:avLst/>
+          </a:prstGeom>
+        </p:spPr>
+        <p:txBody>
+          <a:bodyPr wrap="square" lIns="0" tIns="0" rIns="0" bIns="0" rtlCol="0" anchor="t">
+            <a:spAutoFit/>
+          </a:bodyPr>
+          <a:lstStyle/>
+          <a:p>
+            <a:pPr>
+              <a:spcBef>
+                <a:spcPct val="0"/>
+              </a:spcBef>
+            </a:pPr>
+            <a:r>
+              <a:rPr lang="en-US" sz="2400" dirty="0">
+                <a:solidFill>
+                  <a:schemeClr val="bg1"/>
+                </a:solidFill>
+                <a:latin typeface="DM Sans"/>
+                <a:hlinkClick r:id="rId7">
+                  <a:extLst>
+                    <a:ext uri="{A12FA001-AC4F-418D-AE19-62706E023703}">
+                      <ahyp:hlinkClr xmlns:ahyp="http://schemas.microsoft.com/office/drawing/2018/hyperlinkcolor" val="tx"/>
+                    </a:ext>
+                  </a:extLst>
+                </a:hlinkClick>
+              </a:rPr>
+              <a:t>GitHub</a:t>
+            </a:r>
+            <a:endParaRPr lang="en-US" sz="4000" dirty="0">
+              <a:solidFill>
+                <a:schemeClr val="bg1"/>
+              </a:solidFill>
+              <a:latin typeface="DM Sans"/>
+            </a:endParaRPr>
           </a:p>
         </p:txBody>
       </p:sp>
@@ -3594,13 +3756,14 @@
 </file>
 
 <file path=ppt/slides/slide10.xml><?xml version="1.0" encoding="utf-8"?>
-<p:sld xmlns:p="http://schemas.openxmlformats.org/presentationml/2006/main" xmlns:a="http://schemas.openxmlformats.org/drawingml/2006/main" xmlns:r="http://schemas.openxmlformats.org/officeDocument/2006/relationships">
+<p:sld xmlns:a="http://schemas.openxmlformats.org/drawingml/2006/main" xmlns:r="http://schemas.openxmlformats.org/officeDocument/2006/relationships" xmlns:p="http://schemas.openxmlformats.org/presentationml/2006/main">
   <p:cSld>
     <p:bg>
       <p:bgPr>
         <a:solidFill>
           <a:srgbClr val="000914"/>
         </a:solidFill>
+        <a:effectLst/>
       </p:bgPr>
     </p:bg>
     <p:spTree>
@@ -3619,12 +3782,12 @@
       </p:grpSpPr>
       <p:sp>
         <p:nvSpPr>
-          <p:cNvPr name="Freeform 2" id="2"/>
+          <p:cNvPr id="2" name="Freeform 2"/>
           <p:cNvSpPr/>
           <p:nvPr/>
         </p:nvSpPr>
         <p:spPr>
-          <a:xfrm flipH="false" flipV="false" rot="5400000">
+          <a:xfrm rot="5400000">
             <a:off x="-3305596" y="2314575"/>
             <a:ext cx="10287000" cy="5657850"/>
           </a:xfrm>
@@ -3633,9 +3796,9 @@
             <a:gdLst/>
             <a:ahLst/>
             <a:cxnLst/>
-            <a:rect r="r" b="b" t="t" l="l"/>
+            <a:rect l="l" t="t" r="r" b="b"/>
             <a:pathLst>
-              <a:path h="5657850" w="10287000">
+              <a:path w="10287000" h="5657850">
                 <a:moveTo>
                   <a:pt x="0" y="0"/>
                 </a:moveTo>
@@ -3664,19 +3827,26 @@
               </a:extLst>
             </a:blip>
             <a:stretch>
-              <a:fillRect l="0" t="0" r="0" b="0"/>
+              <a:fillRect/>
             </a:stretch>
           </a:blipFill>
         </p:spPr>
+        <p:txBody>
+          <a:bodyPr/>
+          <a:lstStyle/>
+          <a:p>
+            <a:endParaRPr lang="en-US"/>
+          </a:p>
+        </p:txBody>
       </p:sp>
       <p:grpSp>
         <p:nvGrpSpPr>
-          <p:cNvPr name="Group 3" id="3"/>
+          <p:cNvPr id="3" name="Group 3"/>
           <p:cNvGrpSpPr/>
           <p:nvPr/>
         </p:nvGrpSpPr>
         <p:grpSpPr>
-          <a:xfrm rot="0">
+          <a:xfrm>
             <a:off x="1504632" y="3737758"/>
             <a:ext cx="666545" cy="666545"/>
             <a:chOff x="0" y="0"/>
@@ -3685,12 +3855,12 @@
         </p:grpSpPr>
         <p:sp>
           <p:nvSpPr>
-            <p:cNvPr name="Freeform 4" id="4"/>
+            <p:cNvPr id="4" name="Freeform 4"/>
             <p:cNvSpPr/>
             <p:nvPr/>
           </p:nvSpPr>
           <p:spPr>
-            <a:xfrm flipH="false" flipV="false" rot="0">
+            <a:xfrm>
               <a:off x="1813" y="0"/>
               <a:ext cx="809173" cy="812800"/>
             </a:xfrm>
@@ -3699,9 +3869,9 @@
               <a:gdLst/>
               <a:ahLst/>
               <a:cxnLst/>
-              <a:rect r="r" b="b" t="t" l="l"/>
+              <a:rect l="l" t="t" r="r" b="b"/>
               <a:pathLst>
-                <a:path h="812800" w="809173">
+                <a:path w="809173" h="812800">
                   <a:moveTo>
                     <a:pt x="404587" y="0"/>
                   </a:moveTo>
@@ -3733,11 +3903,18 @@
               <a:srgbClr val="00FFF2"/>
             </a:solidFill>
           </p:spPr>
+          <p:txBody>
+            <a:bodyPr/>
+            <a:lstStyle/>
+            <a:p>
+              <a:endParaRPr lang="en-US"/>
+            </a:p>
+          </p:txBody>
         </p:sp>
         <p:sp>
           <p:nvSpPr>
-            <p:cNvPr name="TextBox 5" id="5"/>
-            <p:cNvSpPr txBox="true"/>
+            <p:cNvPr id="5" name="TextBox 5"/>
+            <p:cNvSpPr txBox="1"/>
             <p:nvPr/>
           </p:nvSpPr>
           <p:spPr>
@@ -3750,7 +3927,7 @@
             </a:prstGeom>
           </p:spPr>
           <p:txBody>
-            <a:bodyPr anchor="ctr" rtlCol="false" tIns="50800" lIns="50800" bIns="50800" rIns="50800"/>
+            <a:bodyPr lIns="50800" tIns="50800" rIns="50800" bIns="50800" rtlCol="0" anchor="ctr"/>
             <a:lstStyle/>
             <a:p>
               <a:pPr algn="ctr">
@@ -3758,18 +3935,19 @@
                   <a:spcPts val="2800"/>
                 </a:lnSpc>
               </a:pPr>
+              <a:endParaRPr/>
             </a:p>
           </p:txBody>
         </p:sp>
       </p:grpSp>
       <p:grpSp>
         <p:nvGrpSpPr>
-          <p:cNvPr name="Group 6" id="6"/>
+          <p:cNvPr id="6" name="Group 6"/>
           <p:cNvGrpSpPr/>
           <p:nvPr/>
         </p:nvGrpSpPr>
         <p:grpSpPr>
-          <a:xfrm rot="0">
+          <a:xfrm>
             <a:off x="9392406" y="1556390"/>
             <a:ext cx="465586" cy="465586"/>
             <a:chOff x="0" y="0"/>
@@ -3778,12 +3956,12 @@
         </p:grpSpPr>
         <p:sp>
           <p:nvSpPr>
-            <p:cNvPr name="Freeform 7" id="7"/>
+            <p:cNvPr id="7" name="Freeform 7"/>
             <p:cNvSpPr/>
             <p:nvPr/>
           </p:nvSpPr>
           <p:spPr>
-            <a:xfrm flipH="false" flipV="false" rot="0">
+            <a:xfrm>
               <a:off x="1813" y="0"/>
               <a:ext cx="809173" cy="812800"/>
             </a:xfrm>
@@ -3792,9 +3970,9 @@
               <a:gdLst/>
               <a:ahLst/>
               <a:cxnLst/>
-              <a:rect r="r" b="b" t="t" l="l"/>
+              <a:rect l="l" t="t" r="r" b="b"/>
               <a:pathLst>
-                <a:path h="812800" w="809173">
+                <a:path w="809173" h="812800">
                   <a:moveTo>
                     <a:pt x="404587" y="0"/>
                   </a:moveTo>
@@ -3826,11 +4004,18 @@
               <a:srgbClr val="00FFF2"/>
             </a:solidFill>
           </p:spPr>
+          <p:txBody>
+            <a:bodyPr/>
+            <a:lstStyle/>
+            <a:p>
+              <a:endParaRPr lang="en-US"/>
+            </a:p>
+          </p:txBody>
         </p:sp>
         <p:sp>
           <p:nvSpPr>
-            <p:cNvPr name="TextBox 8" id="8"/>
-            <p:cNvSpPr txBox="true"/>
+            <p:cNvPr id="8" name="TextBox 8"/>
+            <p:cNvSpPr txBox="1"/>
             <p:nvPr/>
           </p:nvSpPr>
           <p:spPr>
@@ -3843,7 +4028,7 @@
             </a:prstGeom>
           </p:spPr>
           <p:txBody>
-            <a:bodyPr anchor="ctr" rtlCol="false" tIns="50800" lIns="50800" bIns="50800" rIns="50800"/>
+            <a:bodyPr lIns="50800" tIns="50800" rIns="50800" bIns="50800" rtlCol="0" anchor="ctr"/>
             <a:lstStyle/>
             <a:p>
               <a:pPr algn="ctr">
@@ -3851,18 +4036,19 @@
                   <a:spcPts val="2800"/>
                 </a:lnSpc>
               </a:pPr>
+              <a:endParaRPr/>
             </a:p>
           </p:txBody>
         </p:sp>
       </p:grpSp>
       <p:grpSp>
         <p:nvGrpSpPr>
-          <p:cNvPr name="Group 9" id="9"/>
+          <p:cNvPr id="9" name="Group 9"/>
           <p:cNvGrpSpPr/>
           <p:nvPr/>
         </p:nvGrpSpPr>
         <p:grpSpPr>
-          <a:xfrm rot="0">
+          <a:xfrm>
             <a:off x="9392406" y="4383401"/>
             <a:ext cx="465586" cy="465586"/>
             <a:chOff x="0" y="0"/>
@@ -3871,12 +4057,12 @@
         </p:grpSpPr>
         <p:sp>
           <p:nvSpPr>
-            <p:cNvPr name="Freeform 10" id="10"/>
+            <p:cNvPr id="10" name="Freeform 10"/>
             <p:cNvSpPr/>
             <p:nvPr/>
           </p:nvSpPr>
           <p:spPr>
-            <a:xfrm flipH="false" flipV="false" rot="0">
+            <a:xfrm>
               <a:off x="1813" y="0"/>
               <a:ext cx="809173" cy="812800"/>
             </a:xfrm>
@@ -3885,9 +4071,9 @@
               <a:gdLst/>
               <a:ahLst/>
               <a:cxnLst/>
-              <a:rect r="r" b="b" t="t" l="l"/>
+              <a:rect l="l" t="t" r="r" b="b"/>
               <a:pathLst>
-                <a:path h="812800" w="809173">
+                <a:path w="809173" h="812800">
                   <a:moveTo>
                     <a:pt x="404587" y="0"/>
                   </a:moveTo>
@@ -3919,11 +4105,18 @@
               <a:srgbClr val="00FFF2"/>
             </a:solidFill>
           </p:spPr>
+          <p:txBody>
+            <a:bodyPr/>
+            <a:lstStyle/>
+            <a:p>
+              <a:endParaRPr lang="en-US"/>
+            </a:p>
+          </p:txBody>
         </p:sp>
         <p:sp>
           <p:nvSpPr>
-            <p:cNvPr name="TextBox 11" id="11"/>
-            <p:cNvSpPr txBox="true"/>
+            <p:cNvPr id="11" name="TextBox 11"/>
+            <p:cNvSpPr txBox="1"/>
             <p:nvPr/>
           </p:nvSpPr>
           <p:spPr>
@@ -3936,7 +4129,7 @@
             </a:prstGeom>
           </p:spPr>
           <p:txBody>
-            <a:bodyPr anchor="ctr" rtlCol="false" tIns="50800" lIns="50800" bIns="50800" rIns="50800"/>
+            <a:bodyPr lIns="50800" tIns="50800" rIns="50800" bIns="50800" rtlCol="0" anchor="ctr"/>
             <a:lstStyle/>
             <a:p>
               <a:pPr algn="ctr">
@@ -3944,18 +4137,19 @@
                   <a:spcPts val="2800"/>
                 </a:lnSpc>
               </a:pPr>
+              <a:endParaRPr/>
             </a:p>
           </p:txBody>
         </p:sp>
       </p:grpSp>
       <p:sp>
         <p:nvSpPr>
-          <p:cNvPr name="TextBox 12" id="12"/>
-          <p:cNvSpPr txBox="true"/>
+          <p:cNvPr id="12" name="TextBox 12"/>
+          <p:cNvSpPr txBox="1"/>
           <p:nvPr/>
         </p:nvSpPr>
         <p:spPr>
-          <a:xfrm rot="0">
+          <a:xfrm>
             <a:off x="2505845" y="2752770"/>
             <a:ext cx="5532581" cy="2503170"/>
           </a:xfrm>
@@ -3964,7 +4158,7 @@
           </a:prstGeom>
         </p:spPr>
         <p:txBody>
-          <a:bodyPr anchor="t" rtlCol="false" tIns="0" lIns="0" bIns="0" rIns="0">
+          <a:bodyPr lIns="0" tIns="0" rIns="0" bIns="0" rtlCol="0" anchor="t">
             <a:spAutoFit/>
           </a:bodyPr>
           <a:lstStyle/>
@@ -3991,12 +4185,12 @@
       </p:sp>
       <p:sp>
         <p:nvSpPr>
-          <p:cNvPr name="TextBox 13" id="13"/>
-          <p:cNvSpPr txBox="true"/>
+          <p:cNvPr id="13" name="TextBox 13"/>
+          <p:cNvSpPr txBox="1"/>
           <p:nvPr/>
         </p:nvSpPr>
         <p:spPr>
-          <a:xfrm rot="0">
+          <a:xfrm>
             <a:off x="2505845" y="5737815"/>
             <a:ext cx="6424671" cy="1243767"/>
           </a:xfrm>
@@ -4005,7 +4199,7 @@
           </a:prstGeom>
         </p:spPr>
         <p:txBody>
-          <a:bodyPr anchor="t" rtlCol="false" tIns="0" lIns="0" bIns="0" rIns="0">
+          <a:bodyPr lIns="0" tIns="0" rIns="0" bIns="0" rtlCol="0" anchor="t">
             <a:spAutoFit/>
           </a:bodyPr>
           <a:lstStyle/>
@@ -4032,12 +4226,12 @@
       </p:sp>
       <p:sp>
         <p:nvSpPr>
-          <p:cNvPr name="TextBox 14" id="14"/>
-          <p:cNvSpPr txBox="true"/>
+          <p:cNvPr id="14" name="TextBox 14"/>
+          <p:cNvSpPr txBox="1"/>
           <p:nvPr/>
         </p:nvSpPr>
         <p:spPr>
-          <a:xfrm rot="0">
+          <a:xfrm>
             <a:off x="10191367" y="1465717"/>
             <a:ext cx="6210240" cy="580258"/>
           </a:xfrm>
@@ -4046,7 +4240,7 @@
           </a:prstGeom>
         </p:spPr>
         <p:txBody>
-          <a:bodyPr anchor="t" rtlCol="false" tIns="0" lIns="0" bIns="0" rIns="0">
+          <a:bodyPr lIns="0" tIns="0" rIns="0" bIns="0" rtlCol="0" anchor="t">
             <a:spAutoFit/>
           </a:bodyPr>
           <a:lstStyle/>
@@ -4073,12 +4267,12 @@
       </p:sp>
       <p:sp>
         <p:nvSpPr>
-          <p:cNvPr name="TextBox 15" id="15"/>
-          <p:cNvSpPr txBox="true"/>
+          <p:cNvPr id="15" name="TextBox 15"/>
+          <p:cNvSpPr txBox="1"/>
           <p:nvPr/>
         </p:nvSpPr>
         <p:spPr>
-          <a:xfrm rot="0">
+          <a:xfrm>
             <a:off x="10191367" y="4292728"/>
             <a:ext cx="7067933" cy="580258"/>
           </a:xfrm>
@@ -4087,7 +4281,7 @@
           </a:prstGeom>
         </p:spPr>
         <p:txBody>
-          <a:bodyPr anchor="t" rtlCol="false" tIns="0" lIns="0" bIns="0" rIns="0">
+          <a:bodyPr lIns="0" tIns="0" rIns="0" bIns="0" rtlCol="0" anchor="t">
             <a:spAutoFit/>
           </a:bodyPr>
           <a:lstStyle/>
@@ -4114,12 +4308,12 @@
       </p:sp>
       <p:grpSp>
         <p:nvGrpSpPr>
-          <p:cNvPr name="Group 16" id="16"/>
+          <p:cNvPr id="16" name="Group 16"/>
           <p:cNvGrpSpPr/>
           <p:nvPr/>
         </p:nvGrpSpPr>
         <p:grpSpPr>
-          <a:xfrm rot="0">
+          <a:xfrm>
             <a:off x="9392406" y="7226032"/>
             <a:ext cx="465586" cy="465586"/>
             <a:chOff x="0" y="0"/>
@@ -4128,12 +4322,12 @@
         </p:grpSpPr>
         <p:sp>
           <p:nvSpPr>
-            <p:cNvPr name="Freeform 17" id="17"/>
+            <p:cNvPr id="17" name="Freeform 17"/>
             <p:cNvSpPr/>
             <p:nvPr/>
           </p:nvSpPr>
           <p:spPr>
-            <a:xfrm flipH="false" flipV="false" rot="0">
+            <a:xfrm>
               <a:off x="1813" y="0"/>
               <a:ext cx="809173" cy="812800"/>
             </a:xfrm>
@@ -4142,9 +4336,9 @@
               <a:gdLst/>
               <a:ahLst/>
               <a:cxnLst/>
-              <a:rect r="r" b="b" t="t" l="l"/>
+              <a:rect l="l" t="t" r="r" b="b"/>
               <a:pathLst>
-                <a:path h="812800" w="809173">
+                <a:path w="809173" h="812800">
                   <a:moveTo>
                     <a:pt x="404587" y="0"/>
                   </a:moveTo>
@@ -4176,11 +4370,18 @@
               <a:srgbClr val="00FFF2"/>
             </a:solidFill>
           </p:spPr>
+          <p:txBody>
+            <a:bodyPr/>
+            <a:lstStyle/>
+            <a:p>
+              <a:endParaRPr lang="en-US"/>
+            </a:p>
+          </p:txBody>
         </p:sp>
         <p:sp>
           <p:nvSpPr>
-            <p:cNvPr name="TextBox 18" id="18"/>
-            <p:cNvSpPr txBox="true"/>
+            <p:cNvPr id="18" name="TextBox 18"/>
+            <p:cNvSpPr txBox="1"/>
             <p:nvPr/>
           </p:nvSpPr>
           <p:spPr>
@@ -4193,7 +4394,7 @@
             </a:prstGeom>
           </p:spPr>
           <p:txBody>
-            <a:bodyPr anchor="ctr" rtlCol="false" tIns="50800" lIns="50800" bIns="50800" rIns="50800"/>
+            <a:bodyPr lIns="50800" tIns="50800" rIns="50800" bIns="50800" rtlCol="0" anchor="ctr"/>
             <a:lstStyle/>
             <a:p>
               <a:pPr algn="ctr">
@@ -4201,18 +4402,19 @@
                   <a:spcPts val="2800"/>
                 </a:lnSpc>
               </a:pPr>
+              <a:endParaRPr/>
             </a:p>
           </p:txBody>
         </p:sp>
       </p:grpSp>
       <p:sp>
         <p:nvSpPr>
-          <p:cNvPr name="TextBox 19" id="19"/>
-          <p:cNvSpPr txBox="true"/>
+          <p:cNvPr id="19" name="TextBox 19"/>
+          <p:cNvSpPr txBox="1"/>
           <p:nvPr/>
         </p:nvSpPr>
         <p:spPr>
-          <a:xfrm rot="0">
+          <a:xfrm>
             <a:off x="10191367" y="7120886"/>
             <a:ext cx="7067933" cy="580258"/>
           </a:xfrm>
@@ -4221,7 +4423,7 @@
           </a:prstGeom>
         </p:spPr>
         <p:txBody>
-          <a:bodyPr anchor="t" rtlCol="false" tIns="0" lIns="0" bIns="0" rIns="0">
+          <a:bodyPr lIns="0" tIns="0" rIns="0" bIns="0" rtlCol="0" anchor="t">
             <a:spAutoFit/>
           </a:bodyPr>
           <a:lstStyle/>
@@ -4248,12 +4450,12 @@
       </p:sp>
       <p:sp>
         <p:nvSpPr>
-          <p:cNvPr name="TextBox 20" id="20"/>
-          <p:cNvSpPr txBox="true"/>
+          <p:cNvPr id="20" name="TextBox 20"/>
+          <p:cNvSpPr txBox="1"/>
           <p:nvPr/>
         </p:nvSpPr>
         <p:spPr>
-          <a:xfrm rot="0">
+          <a:xfrm>
             <a:off x="10191367" y="2244054"/>
             <a:ext cx="6424671" cy="1243767"/>
           </a:xfrm>
@@ -4262,7 +4464,7 @@
           </a:prstGeom>
         </p:spPr>
         <p:txBody>
-          <a:bodyPr anchor="t" rtlCol="false" tIns="0" lIns="0" bIns="0" rIns="0">
+          <a:bodyPr lIns="0" tIns="0" rIns="0" bIns="0" rtlCol="0" anchor="t">
             <a:spAutoFit/>
           </a:bodyPr>
           <a:lstStyle/>
@@ -4289,12 +4491,12 @@
       </p:sp>
       <p:sp>
         <p:nvSpPr>
-          <p:cNvPr name="TextBox 21" id="21"/>
-          <p:cNvSpPr txBox="true"/>
+          <p:cNvPr id="21" name="TextBox 21"/>
+          <p:cNvSpPr txBox="1"/>
           <p:nvPr/>
         </p:nvSpPr>
         <p:spPr>
-          <a:xfrm rot="0">
+          <a:xfrm>
             <a:off x="10191367" y="5099504"/>
             <a:ext cx="6424671" cy="1243965"/>
           </a:xfrm>
@@ -4303,7 +4505,7 @@
           </a:prstGeom>
         </p:spPr>
         <p:txBody>
-          <a:bodyPr anchor="t" rtlCol="false" tIns="0" lIns="0" bIns="0" rIns="0">
+          <a:bodyPr lIns="0" tIns="0" rIns="0" bIns="0" rtlCol="0" anchor="t">
             <a:spAutoFit/>
           </a:bodyPr>
           <a:lstStyle/>
@@ -4346,14 +4548,14 @@
       </p:sp>
       <p:grpSp>
         <p:nvGrpSpPr>
-          <p:cNvPr name="Group 22" id="22"/>
+          <p:cNvPr id="22" name="Group 22"/>
           <p:cNvGrpSpPr>
-            <a:grpSpLocks noChangeAspect="true"/>
+            <a:grpSpLocks noChangeAspect="1"/>
           </p:cNvGrpSpPr>
           <p:nvPr/>
         </p:nvGrpSpPr>
         <p:grpSpPr>
-          <a:xfrm rot="0">
+          <a:xfrm>
             <a:off x="16773112" y="-114300"/>
             <a:ext cx="1591088" cy="1591082"/>
             <a:chOff x="0" y="0"/>
@@ -4362,12 +4564,12 @@
         </p:grpSpPr>
         <p:sp>
           <p:nvSpPr>
-            <p:cNvPr name="Freeform 23" id="23"/>
+            <p:cNvPr id="23" name="Freeform 23"/>
             <p:cNvSpPr/>
             <p:nvPr/>
           </p:nvSpPr>
           <p:spPr>
-            <a:xfrm flipH="false" flipV="false" rot="0">
+            <a:xfrm>
               <a:off x="0" y="0"/>
               <a:ext cx="6350000" cy="6349974"/>
             </a:xfrm>
@@ -4376,9 +4578,9 @@
               <a:gdLst/>
               <a:ahLst/>
               <a:cxnLst/>
-              <a:rect r="r" b="b" t="t" l="l"/>
+              <a:rect l="l" t="t" r="r" b="b"/>
               <a:pathLst>
-                <a:path h="6349974" w="6350000">
+                <a:path w="6350000" h="6349974">
                   <a:moveTo>
                     <a:pt x="6350000" y="3175025"/>
                   </a:moveTo>
@@ -4413,16 +4615,23 @@
               </a:stretch>
             </a:blipFill>
           </p:spPr>
+          <p:txBody>
+            <a:bodyPr/>
+            <a:lstStyle/>
+            <a:p>
+              <a:endParaRPr lang="en-US"/>
+            </a:p>
+          </p:txBody>
         </p:sp>
       </p:grpSp>
       <p:sp>
         <p:nvSpPr>
-          <p:cNvPr name="TextBox 24" id="24"/>
-          <p:cNvSpPr txBox="true"/>
+          <p:cNvPr id="24" name="TextBox 24"/>
+          <p:cNvSpPr txBox="1"/>
           <p:nvPr/>
         </p:nvSpPr>
         <p:spPr>
-          <a:xfrm rot="0">
+          <a:xfrm>
             <a:off x="10191367" y="7929743"/>
             <a:ext cx="6424671" cy="824865"/>
           </a:xfrm>
@@ -4431,7 +4640,7 @@
           </a:prstGeom>
         </p:spPr>
         <p:txBody>
-          <a:bodyPr anchor="t" rtlCol="false" tIns="0" lIns="0" bIns="0" rIns="0">
+          <a:bodyPr lIns="0" tIns="0" rIns="0" bIns="0" rtlCol="0" anchor="t">
             <a:spAutoFit/>
           </a:bodyPr>
           <a:lstStyle/>
@@ -4465,13 +4674,14 @@
 </file>
 
 <file path=ppt/slides/slide11.xml><?xml version="1.0" encoding="utf-8"?>
-<p:sld xmlns:p="http://schemas.openxmlformats.org/presentationml/2006/main" xmlns:a="http://schemas.openxmlformats.org/drawingml/2006/main" xmlns:r="http://schemas.openxmlformats.org/officeDocument/2006/relationships">
+<p:sld xmlns:a="http://schemas.openxmlformats.org/drawingml/2006/main" xmlns:r="http://schemas.openxmlformats.org/officeDocument/2006/relationships" xmlns:p="http://schemas.openxmlformats.org/presentationml/2006/main">
   <p:cSld>
     <p:bg>
       <p:bgPr>
         <a:solidFill>
           <a:srgbClr val="000914"/>
         </a:solidFill>
+        <a:effectLst/>
       </p:bgPr>
     </p:bg>
     <p:spTree>
@@ -4490,12 +4700,12 @@
       </p:grpSpPr>
       <p:sp>
         <p:nvSpPr>
-          <p:cNvPr name="Freeform 2" id="2"/>
+          <p:cNvPr id="2" name="Freeform 2"/>
           <p:cNvSpPr/>
           <p:nvPr/>
         </p:nvSpPr>
         <p:spPr>
-          <a:xfrm flipH="false" flipV="false" rot="5400000">
+          <a:xfrm rot="5400000">
             <a:off x="-3305596" y="2314575"/>
             <a:ext cx="10287000" cy="5657850"/>
           </a:xfrm>
@@ -4504,9 +4714,9 @@
             <a:gdLst/>
             <a:ahLst/>
             <a:cxnLst/>
-            <a:rect r="r" b="b" t="t" l="l"/>
+            <a:rect l="l" t="t" r="r" b="b"/>
             <a:pathLst>
-              <a:path h="5657850" w="10287000">
+              <a:path w="10287000" h="5657850">
                 <a:moveTo>
                   <a:pt x="0" y="0"/>
                 </a:moveTo>
@@ -4535,19 +4745,26 @@
               </a:extLst>
             </a:blip>
             <a:stretch>
-              <a:fillRect l="0" t="0" r="0" b="0"/>
+              <a:fillRect/>
             </a:stretch>
           </a:blipFill>
         </p:spPr>
+        <p:txBody>
+          <a:bodyPr/>
+          <a:lstStyle/>
+          <a:p>
+            <a:endParaRPr lang="en-US"/>
+          </a:p>
+        </p:txBody>
       </p:sp>
       <p:grpSp>
         <p:nvGrpSpPr>
-          <p:cNvPr name="Group 3" id="3"/>
+          <p:cNvPr id="3" name="Group 3"/>
           <p:cNvGrpSpPr/>
           <p:nvPr/>
         </p:nvGrpSpPr>
         <p:grpSpPr>
-          <a:xfrm rot="0">
+          <a:xfrm>
             <a:off x="1058066" y="1346840"/>
             <a:ext cx="465586" cy="465586"/>
             <a:chOff x="0" y="0"/>
@@ -4556,12 +4773,12 @@
         </p:grpSpPr>
         <p:sp>
           <p:nvSpPr>
-            <p:cNvPr name="Freeform 4" id="4"/>
+            <p:cNvPr id="4" name="Freeform 4"/>
             <p:cNvSpPr/>
             <p:nvPr/>
           </p:nvSpPr>
           <p:spPr>
-            <a:xfrm flipH="false" flipV="false" rot="0">
+            <a:xfrm>
               <a:off x="1813" y="0"/>
               <a:ext cx="809173" cy="812800"/>
             </a:xfrm>
@@ -4570,9 +4787,9 @@
               <a:gdLst/>
               <a:ahLst/>
               <a:cxnLst/>
-              <a:rect r="r" b="b" t="t" l="l"/>
+              <a:rect l="l" t="t" r="r" b="b"/>
               <a:pathLst>
-                <a:path h="812800" w="809173">
+                <a:path w="809173" h="812800">
                   <a:moveTo>
                     <a:pt x="404587" y="0"/>
                   </a:moveTo>
@@ -4604,11 +4821,18 @@
               <a:srgbClr val="00FFF2"/>
             </a:solidFill>
           </p:spPr>
+          <p:txBody>
+            <a:bodyPr/>
+            <a:lstStyle/>
+            <a:p>
+              <a:endParaRPr lang="en-US"/>
+            </a:p>
+          </p:txBody>
         </p:sp>
         <p:sp>
           <p:nvSpPr>
-            <p:cNvPr name="TextBox 5" id="5"/>
-            <p:cNvSpPr txBox="true"/>
+            <p:cNvPr id="5" name="TextBox 5"/>
+            <p:cNvSpPr txBox="1"/>
             <p:nvPr/>
           </p:nvSpPr>
           <p:spPr>
@@ -4621,7 +4845,7 @@
             </a:prstGeom>
           </p:spPr>
           <p:txBody>
-            <a:bodyPr anchor="ctr" rtlCol="false" tIns="50800" lIns="50800" bIns="50800" rIns="50800"/>
+            <a:bodyPr lIns="50800" tIns="50800" rIns="50800" bIns="50800" rtlCol="0" anchor="ctr"/>
             <a:lstStyle/>
             <a:p>
               <a:pPr algn="ctr">
@@ -4629,18 +4853,19 @@
                   <a:spcPts val="2800"/>
                 </a:lnSpc>
               </a:pPr>
+              <a:endParaRPr/>
             </a:p>
           </p:txBody>
         </p:sp>
       </p:grpSp>
       <p:grpSp>
         <p:nvGrpSpPr>
-          <p:cNvPr name="Group 6" id="6"/>
+          <p:cNvPr id="6" name="Group 6"/>
           <p:cNvGrpSpPr/>
           <p:nvPr/>
         </p:nvGrpSpPr>
         <p:grpSpPr>
-          <a:xfrm rot="0">
+          <a:xfrm>
             <a:off x="1028700" y="4579305"/>
             <a:ext cx="465586" cy="465586"/>
             <a:chOff x="0" y="0"/>
@@ -4649,12 +4874,12 @@
         </p:grpSpPr>
         <p:sp>
           <p:nvSpPr>
-            <p:cNvPr name="Freeform 7" id="7"/>
+            <p:cNvPr id="7" name="Freeform 7"/>
             <p:cNvSpPr/>
             <p:nvPr/>
           </p:nvSpPr>
           <p:spPr>
-            <a:xfrm flipH="false" flipV="false" rot="0">
+            <a:xfrm>
               <a:off x="1813" y="0"/>
               <a:ext cx="809173" cy="812800"/>
             </a:xfrm>
@@ -4663,9 +4888,9 @@
               <a:gdLst/>
               <a:ahLst/>
               <a:cxnLst/>
-              <a:rect r="r" b="b" t="t" l="l"/>
+              <a:rect l="l" t="t" r="r" b="b"/>
               <a:pathLst>
-                <a:path h="812800" w="809173">
+                <a:path w="809173" h="812800">
                   <a:moveTo>
                     <a:pt x="404587" y="0"/>
                   </a:moveTo>
@@ -4697,11 +4922,18 @@
               <a:srgbClr val="00FFF2"/>
             </a:solidFill>
           </p:spPr>
+          <p:txBody>
+            <a:bodyPr/>
+            <a:lstStyle/>
+            <a:p>
+              <a:endParaRPr lang="en-US"/>
+            </a:p>
+          </p:txBody>
         </p:sp>
         <p:sp>
           <p:nvSpPr>
-            <p:cNvPr name="TextBox 8" id="8"/>
-            <p:cNvSpPr txBox="true"/>
+            <p:cNvPr id="8" name="TextBox 8"/>
+            <p:cNvSpPr txBox="1"/>
             <p:nvPr/>
           </p:nvSpPr>
           <p:spPr>
@@ -4714,7 +4946,7 @@
             </a:prstGeom>
           </p:spPr>
           <p:txBody>
-            <a:bodyPr anchor="ctr" rtlCol="false" tIns="50800" lIns="50800" bIns="50800" rIns="50800"/>
+            <a:bodyPr lIns="50800" tIns="50800" rIns="50800" bIns="50800" rtlCol="0" anchor="ctr"/>
             <a:lstStyle/>
             <a:p>
               <a:pPr algn="ctr">
@@ -4722,18 +4954,19 @@
                   <a:spcPts val="2800"/>
                 </a:lnSpc>
               </a:pPr>
+              <a:endParaRPr/>
             </a:p>
           </p:txBody>
         </p:sp>
       </p:grpSp>
       <p:sp>
         <p:nvSpPr>
-          <p:cNvPr name="TextBox 9" id="9"/>
-          <p:cNvSpPr txBox="true"/>
+          <p:cNvPr id="9" name="TextBox 9"/>
+          <p:cNvSpPr txBox="1"/>
           <p:nvPr/>
         </p:nvSpPr>
         <p:spPr>
-          <a:xfrm rot="0">
+          <a:xfrm>
             <a:off x="1857027" y="1256167"/>
             <a:ext cx="6210240" cy="580390"/>
           </a:xfrm>
@@ -4742,7 +4975,7 @@
           </a:prstGeom>
         </p:spPr>
         <p:txBody>
-          <a:bodyPr anchor="t" rtlCol="false" tIns="0" lIns="0" bIns="0" rIns="0">
+          <a:bodyPr lIns="0" tIns="0" rIns="0" bIns="0" rtlCol="0" anchor="t">
             <a:spAutoFit/>
           </a:bodyPr>
           <a:lstStyle/>
@@ -4769,12 +5002,12 @@
       </p:sp>
       <p:sp>
         <p:nvSpPr>
-          <p:cNvPr name="TextBox 10" id="10"/>
-          <p:cNvSpPr txBox="true"/>
+          <p:cNvPr id="10" name="TextBox 10"/>
+          <p:cNvSpPr txBox="1"/>
           <p:nvPr/>
         </p:nvSpPr>
         <p:spPr>
-          <a:xfrm rot="0">
+          <a:xfrm>
             <a:off x="1827661" y="4488631"/>
             <a:ext cx="7067933" cy="580390"/>
           </a:xfrm>
@@ -4783,7 +5016,7 @@
           </a:prstGeom>
         </p:spPr>
         <p:txBody>
-          <a:bodyPr anchor="t" rtlCol="false" tIns="0" lIns="0" bIns="0" rIns="0">
+          <a:bodyPr lIns="0" tIns="0" rIns="0" bIns="0" rtlCol="0" anchor="t">
             <a:spAutoFit/>
           </a:bodyPr>
           <a:lstStyle/>
@@ -4810,12 +5043,12 @@
       </p:sp>
       <p:grpSp>
         <p:nvGrpSpPr>
-          <p:cNvPr name="Group 11" id="11"/>
+          <p:cNvPr id="11" name="Group 11"/>
           <p:cNvGrpSpPr/>
           <p:nvPr/>
         </p:nvGrpSpPr>
         <p:grpSpPr>
-          <a:xfrm rot="0">
+          <a:xfrm>
             <a:off x="1058066" y="7016482"/>
             <a:ext cx="465586" cy="465586"/>
             <a:chOff x="0" y="0"/>
@@ -4824,12 +5057,12 @@
         </p:grpSpPr>
         <p:sp>
           <p:nvSpPr>
-            <p:cNvPr name="Freeform 12" id="12"/>
+            <p:cNvPr id="12" name="Freeform 12"/>
             <p:cNvSpPr/>
             <p:nvPr/>
           </p:nvSpPr>
           <p:spPr>
-            <a:xfrm flipH="false" flipV="false" rot="0">
+            <a:xfrm>
               <a:off x="1813" y="0"/>
               <a:ext cx="809173" cy="812800"/>
             </a:xfrm>
@@ -4838,9 +5071,9 @@
               <a:gdLst/>
               <a:ahLst/>
               <a:cxnLst/>
-              <a:rect r="r" b="b" t="t" l="l"/>
+              <a:rect l="l" t="t" r="r" b="b"/>
               <a:pathLst>
-                <a:path h="812800" w="809173">
+                <a:path w="809173" h="812800">
                   <a:moveTo>
                     <a:pt x="404587" y="0"/>
                   </a:moveTo>
@@ -4872,11 +5105,18 @@
               <a:srgbClr val="00FFF2"/>
             </a:solidFill>
           </p:spPr>
+          <p:txBody>
+            <a:bodyPr/>
+            <a:lstStyle/>
+            <a:p>
+              <a:endParaRPr lang="en-US"/>
+            </a:p>
+          </p:txBody>
         </p:sp>
         <p:sp>
           <p:nvSpPr>
-            <p:cNvPr name="TextBox 13" id="13"/>
-            <p:cNvSpPr txBox="true"/>
+            <p:cNvPr id="13" name="TextBox 13"/>
+            <p:cNvSpPr txBox="1"/>
             <p:nvPr/>
           </p:nvSpPr>
           <p:spPr>
@@ -4889,7 +5129,7 @@
             </a:prstGeom>
           </p:spPr>
           <p:txBody>
-            <a:bodyPr anchor="ctr" rtlCol="false" tIns="50800" lIns="50800" bIns="50800" rIns="50800"/>
+            <a:bodyPr lIns="50800" tIns="50800" rIns="50800" bIns="50800" rtlCol="0" anchor="ctr"/>
             <a:lstStyle/>
             <a:p>
               <a:pPr algn="ctr">
@@ -4897,18 +5137,19 @@
                   <a:spcPts val="2800"/>
                 </a:lnSpc>
               </a:pPr>
+              <a:endParaRPr/>
             </a:p>
           </p:txBody>
         </p:sp>
       </p:grpSp>
       <p:sp>
         <p:nvSpPr>
-          <p:cNvPr name="TextBox 14" id="14"/>
-          <p:cNvSpPr txBox="true"/>
+          <p:cNvPr id="14" name="TextBox 14"/>
+          <p:cNvSpPr txBox="1"/>
           <p:nvPr/>
         </p:nvSpPr>
         <p:spPr>
-          <a:xfrm rot="0">
+          <a:xfrm>
             <a:off x="1857027" y="6911336"/>
             <a:ext cx="7067933" cy="580390"/>
           </a:xfrm>
@@ -4917,7 +5158,7 @@
           </a:prstGeom>
         </p:spPr>
         <p:txBody>
-          <a:bodyPr anchor="t" rtlCol="false" tIns="0" lIns="0" bIns="0" rIns="0">
+          <a:bodyPr lIns="0" tIns="0" rIns="0" bIns="0" rtlCol="0" anchor="t">
             <a:spAutoFit/>
           </a:bodyPr>
           <a:lstStyle/>
@@ -4944,12 +5185,12 @@
       </p:sp>
       <p:sp>
         <p:nvSpPr>
-          <p:cNvPr name="TextBox 15" id="15"/>
-          <p:cNvSpPr txBox="true"/>
+          <p:cNvPr id="15" name="TextBox 15"/>
+          <p:cNvSpPr txBox="1"/>
           <p:nvPr/>
         </p:nvSpPr>
         <p:spPr>
-          <a:xfrm rot="0">
+          <a:xfrm>
             <a:off x="1857027" y="2034504"/>
             <a:ext cx="6424671" cy="2082165"/>
           </a:xfrm>
@@ -4958,7 +5199,7 @@
           </a:prstGeom>
         </p:spPr>
         <p:txBody>
-          <a:bodyPr anchor="t" rtlCol="false" tIns="0" lIns="0" bIns="0" rIns="0">
+          <a:bodyPr lIns="0" tIns="0" rIns="0" bIns="0" rtlCol="0" anchor="t">
             <a:spAutoFit/>
           </a:bodyPr>
           <a:lstStyle/>
@@ -5001,12 +5242,12 @@
       </p:sp>
       <p:sp>
         <p:nvSpPr>
-          <p:cNvPr name="TextBox 16" id="16"/>
-          <p:cNvSpPr txBox="true"/>
+          <p:cNvPr id="16" name="TextBox 16"/>
+          <p:cNvSpPr txBox="1"/>
           <p:nvPr/>
         </p:nvSpPr>
         <p:spPr>
-          <a:xfrm rot="0">
+          <a:xfrm>
             <a:off x="1827661" y="5295408"/>
             <a:ext cx="6424671" cy="1243965"/>
           </a:xfrm>
@@ -5015,7 +5256,7 @@
           </a:prstGeom>
         </p:spPr>
         <p:txBody>
-          <a:bodyPr anchor="t" rtlCol="false" tIns="0" lIns="0" bIns="0" rIns="0">
+          <a:bodyPr lIns="0" tIns="0" rIns="0" bIns="0" rtlCol="0" anchor="t">
             <a:spAutoFit/>
           </a:bodyPr>
           <a:lstStyle/>
@@ -5058,14 +5299,14 @@
       </p:sp>
       <p:grpSp>
         <p:nvGrpSpPr>
-          <p:cNvPr name="Group 17" id="17"/>
+          <p:cNvPr id="17" name="Group 17"/>
           <p:cNvGrpSpPr>
-            <a:grpSpLocks noChangeAspect="true"/>
+            <a:grpSpLocks noChangeAspect="1"/>
           </p:cNvGrpSpPr>
           <p:nvPr/>
         </p:nvGrpSpPr>
         <p:grpSpPr>
-          <a:xfrm rot="0">
+          <a:xfrm>
             <a:off x="16773112" y="-114300"/>
             <a:ext cx="1591088" cy="1591082"/>
             <a:chOff x="0" y="0"/>
@@ -5074,12 +5315,12 @@
         </p:grpSpPr>
         <p:sp>
           <p:nvSpPr>
-            <p:cNvPr name="Freeform 18" id="18"/>
+            <p:cNvPr id="18" name="Freeform 18"/>
             <p:cNvSpPr/>
             <p:nvPr/>
           </p:nvSpPr>
           <p:spPr>
-            <a:xfrm flipH="false" flipV="false" rot="0">
+            <a:xfrm>
               <a:off x="0" y="0"/>
               <a:ext cx="6350000" cy="6349974"/>
             </a:xfrm>
@@ -5088,9 +5329,9 @@
               <a:gdLst/>
               <a:ahLst/>
               <a:cxnLst/>
-              <a:rect r="r" b="b" t="t" l="l"/>
+              <a:rect l="l" t="t" r="r" b="b"/>
               <a:pathLst>
-                <a:path h="6349974" w="6350000">
+                <a:path w="6350000" h="6349974">
                   <a:moveTo>
                     <a:pt x="6350000" y="3175025"/>
                   </a:moveTo>
@@ -5125,16 +5366,23 @@
               </a:stretch>
             </a:blipFill>
           </p:spPr>
+          <p:txBody>
+            <a:bodyPr/>
+            <a:lstStyle/>
+            <a:p>
+              <a:endParaRPr lang="en-US"/>
+            </a:p>
+          </p:txBody>
         </p:sp>
       </p:grpSp>
       <p:sp>
         <p:nvSpPr>
-          <p:cNvPr name="TextBox 19" id="19"/>
-          <p:cNvSpPr txBox="true"/>
+          <p:cNvPr id="19" name="TextBox 19"/>
+          <p:cNvSpPr txBox="1"/>
           <p:nvPr/>
         </p:nvSpPr>
         <p:spPr>
-          <a:xfrm rot="0">
+          <a:xfrm>
             <a:off x="1857027" y="7720193"/>
             <a:ext cx="6424671" cy="1243965"/>
           </a:xfrm>
@@ -5143,7 +5391,7 @@
           </a:prstGeom>
         </p:spPr>
         <p:txBody>
-          <a:bodyPr anchor="t" rtlCol="false" tIns="0" lIns="0" bIns="0" rIns="0">
+          <a:bodyPr lIns="0" tIns="0" rIns="0" bIns="0" rtlCol="0" anchor="t">
             <a:spAutoFit/>
           </a:bodyPr>
           <a:lstStyle/>
@@ -5186,12 +5434,12 @@
       </p:sp>
       <p:grpSp>
         <p:nvGrpSpPr>
-          <p:cNvPr name="Group 20" id="20"/>
+          <p:cNvPr id="20" name="Group 20"/>
           <p:cNvGrpSpPr/>
           <p:nvPr/>
         </p:nvGrpSpPr>
         <p:grpSpPr>
-          <a:xfrm rot="0">
+          <a:xfrm>
             <a:off x="10239317" y="4810227"/>
             <a:ext cx="666545" cy="666545"/>
             <a:chOff x="0" y="0"/>
@@ -5200,12 +5448,12 @@
         </p:grpSpPr>
         <p:sp>
           <p:nvSpPr>
-            <p:cNvPr name="Freeform 21" id="21"/>
+            <p:cNvPr id="21" name="Freeform 21"/>
             <p:cNvSpPr/>
             <p:nvPr/>
           </p:nvSpPr>
           <p:spPr>
-            <a:xfrm flipH="false" flipV="false" rot="0">
+            <a:xfrm>
               <a:off x="1813" y="0"/>
               <a:ext cx="809173" cy="812800"/>
             </a:xfrm>
@@ -5214,9 +5462,9 @@
               <a:gdLst/>
               <a:ahLst/>
               <a:cxnLst/>
-              <a:rect r="r" b="b" t="t" l="l"/>
+              <a:rect l="l" t="t" r="r" b="b"/>
               <a:pathLst>
-                <a:path h="812800" w="809173">
+                <a:path w="809173" h="812800">
                   <a:moveTo>
                     <a:pt x="404587" y="0"/>
                   </a:moveTo>
@@ -5248,11 +5496,18 @@
               <a:srgbClr val="00FFF2"/>
             </a:solidFill>
           </p:spPr>
+          <p:txBody>
+            <a:bodyPr/>
+            <a:lstStyle/>
+            <a:p>
+              <a:endParaRPr lang="en-US"/>
+            </a:p>
+          </p:txBody>
         </p:sp>
         <p:sp>
           <p:nvSpPr>
-            <p:cNvPr name="TextBox 22" id="22"/>
-            <p:cNvSpPr txBox="true"/>
+            <p:cNvPr id="22" name="TextBox 22"/>
+            <p:cNvSpPr txBox="1"/>
             <p:nvPr/>
           </p:nvSpPr>
           <p:spPr>
@@ -5265,7 +5520,7 @@
             </a:prstGeom>
           </p:spPr>
           <p:txBody>
-            <a:bodyPr anchor="ctr" rtlCol="false" tIns="50800" lIns="50800" bIns="50800" rIns="50800"/>
+            <a:bodyPr lIns="50800" tIns="50800" rIns="50800" bIns="50800" rtlCol="0" anchor="ctr"/>
             <a:lstStyle/>
             <a:p>
               <a:pPr algn="ctr">
@@ -5273,18 +5528,19 @@
                   <a:spcPts val="2800"/>
                 </a:lnSpc>
               </a:pPr>
+              <a:endParaRPr/>
             </a:p>
           </p:txBody>
         </p:sp>
       </p:grpSp>
       <p:sp>
         <p:nvSpPr>
-          <p:cNvPr name="TextBox 23" id="23"/>
-          <p:cNvSpPr txBox="true"/>
+          <p:cNvPr id="23" name="TextBox 23"/>
+          <p:cNvSpPr txBox="1"/>
           <p:nvPr/>
         </p:nvSpPr>
         <p:spPr>
-          <a:xfrm rot="0">
+          <a:xfrm>
             <a:off x="10730481" y="3825240"/>
             <a:ext cx="5532581" cy="2503170"/>
           </a:xfrm>
@@ -5293,7 +5549,7 @@
           </a:prstGeom>
         </p:spPr>
         <p:txBody>
-          <a:bodyPr anchor="t" rtlCol="false" tIns="0" lIns="0" bIns="0" rIns="0">
+          <a:bodyPr lIns="0" tIns="0" rIns="0" bIns="0" rtlCol="0" anchor="t">
             <a:spAutoFit/>
           </a:bodyPr>
           <a:lstStyle/>
@@ -5320,12 +5576,12 @@
       </p:sp>
       <p:grpSp>
         <p:nvGrpSpPr>
-          <p:cNvPr name="Group 24" id="24"/>
+          <p:cNvPr id="24" name="Group 24"/>
           <p:cNvGrpSpPr/>
           <p:nvPr/>
         </p:nvGrpSpPr>
         <p:grpSpPr>
-          <a:xfrm rot="0">
+          <a:xfrm>
             <a:off x="16106567" y="4812164"/>
             <a:ext cx="666545" cy="666545"/>
             <a:chOff x="0" y="0"/>
@@ -5334,12 +5590,12 @@
         </p:grpSpPr>
         <p:sp>
           <p:nvSpPr>
-            <p:cNvPr name="Freeform 25" id="25"/>
+            <p:cNvPr id="25" name="Freeform 25"/>
             <p:cNvSpPr/>
             <p:nvPr/>
           </p:nvSpPr>
           <p:spPr>
-            <a:xfrm flipH="false" flipV="false" rot="0">
+            <a:xfrm>
               <a:off x="1813" y="0"/>
               <a:ext cx="809173" cy="812800"/>
             </a:xfrm>
@@ -5348,9 +5604,9 @@
               <a:gdLst/>
               <a:ahLst/>
               <a:cxnLst/>
-              <a:rect r="r" b="b" t="t" l="l"/>
+              <a:rect l="l" t="t" r="r" b="b"/>
               <a:pathLst>
-                <a:path h="812800" w="809173">
+                <a:path w="809173" h="812800">
                   <a:moveTo>
                     <a:pt x="404587" y="0"/>
                   </a:moveTo>
@@ -5382,11 +5638,18 @@
               <a:srgbClr val="00FFF2"/>
             </a:solidFill>
           </p:spPr>
+          <p:txBody>
+            <a:bodyPr/>
+            <a:lstStyle/>
+            <a:p>
+              <a:endParaRPr lang="en-US"/>
+            </a:p>
+          </p:txBody>
         </p:sp>
         <p:sp>
           <p:nvSpPr>
-            <p:cNvPr name="TextBox 26" id="26"/>
-            <p:cNvSpPr txBox="true"/>
+            <p:cNvPr id="26" name="TextBox 26"/>
+            <p:cNvSpPr txBox="1"/>
             <p:nvPr/>
           </p:nvSpPr>
           <p:spPr>
@@ -5399,7 +5662,7 @@
             </a:prstGeom>
           </p:spPr>
           <p:txBody>
-            <a:bodyPr anchor="ctr" rtlCol="false" tIns="50800" lIns="50800" bIns="50800" rIns="50800"/>
+            <a:bodyPr lIns="50800" tIns="50800" rIns="50800" bIns="50800" rtlCol="0" anchor="ctr"/>
             <a:lstStyle/>
             <a:p>
               <a:pPr algn="ctr">
@@ -5407,6 +5670,7 @@
                   <a:spcPts val="2800"/>
                 </a:lnSpc>
               </a:pPr>
+              <a:endParaRPr/>
             </a:p>
           </p:txBody>
         </p:sp>
@@ -5420,13 +5684,14 @@
 </file>
 
 <file path=ppt/slides/slide12.xml><?xml version="1.0" encoding="utf-8"?>
-<p:sld xmlns:p="http://schemas.openxmlformats.org/presentationml/2006/main" xmlns:a="http://schemas.openxmlformats.org/drawingml/2006/main" xmlns:r="http://schemas.openxmlformats.org/officeDocument/2006/relationships">
+<p:sld xmlns:a="http://schemas.openxmlformats.org/drawingml/2006/main" xmlns:r="http://schemas.openxmlformats.org/officeDocument/2006/relationships" xmlns:p="http://schemas.openxmlformats.org/presentationml/2006/main">
   <p:cSld>
     <p:bg>
       <p:bgPr>
         <a:solidFill>
           <a:srgbClr val="E9ECEA"/>
         </a:solidFill>
+        <a:effectLst/>
       </p:bgPr>
     </p:bg>
     <p:spTree>
@@ -5445,12 +5710,12 @@
       </p:grpSpPr>
       <p:sp>
         <p:nvSpPr>
-          <p:cNvPr name="Freeform 2" id="2"/>
+          <p:cNvPr id="2" name="Freeform 2"/>
           <p:cNvSpPr/>
           <p:nvPr/>
         </p:nvSpPr>
         <p:spPr>
-          <a:xfrm flipH="false" flipV="false" rot="0">
+          <a:xfrm>
             <a:off x="13580558" y="7492093"/>
             <a:ext cx="5038442" cy="4288974"/>
           </a:xfrm>
@@ -5459,9 +5724,9 @@
             <a:gdLst/>
             <a:ahLst/>
             <a:cxnLst/>
-            <a:rect r="r" b="b" t="t" l="l"/>
+            <a:rect l="l" t="t" r="r" b="b"/>
             <a:pathLst>
-              <a:path h="4288974" w="5038442">
+              <a:path w="5038442" h="4288974">
                 <a:moveTo>
                   <a:pt x="0" y="0"/>
                 </a:moveTo>
@@ -5491,19 +5756,26 @@
               </a:extLst>
             </a:blip>
             <a:stretch>
-              <a:fillRect l="0" t="0" r="0" b="0"/>
+              <a:fillRect/>
             </a:stretch>
           </a:blipFill>
         </p:spPr>
-      </p:sp>
-      <p:sp>
-        <p:nvSpPr>
-          <p:cNvPr name="TextBox 3" id="3"/>
-          <p:cNvSpPr txBox="true"/>
+        <p:txBody>
+          <a:bodyPr/>
+          <a:lstStyle/>
+          <a:p>
+            <a:endParaRPr lang="en-US"/>
+          </a:p>
+        </p:txBody>
+      </p:sp>
+      <p:sp>
+        <p:nvSpPr>
+          <p:cNvPr id="3" name="TextBox 3"/>
+          <p:cNvSpPr txBox="1"/>
           <p:nvPr/>
         </p:nvSpPr>
         <p:spPr>
-          <a:xfrm rot="0">
+          <a:xfrm>
             <a:off x="1028700" y="895350"/>
             <a:ext cx="6424671" cy="1226754"/>
           </a:xfrm>
@@ -5512,7 +5784,7 @@
           </a:prstGeom>
         </p:spPr>
         <p:txBody>
-          <a:bodyPr anchor="t" rtlCol="false" tIns="0" lIns="0" bIns="0" rIns="0">
+          <a:bodyPr lIns="0" tIns="0" rIns="0" bIns="0" rtlCol="0" anchor="t">
             <a:spAutoFit/>
           </a:bodyPr>
           <a:lstStyle/>
@@ -5539,12 +5811,12 @@
       </p:sp>
       <p:grpSp>
         <p:nvGrpSpPr>
-          <p:cNvPr name="Group 4" id="4"/>
+          <p:cNvPr id="4" name="Group 4"/>
           <p:cNvGrpSpPr/>
           <p:nvPr/>
         </p:nvGrpSpPr>
         <p:grpSpPr>
-          <a:xfrm rot="0">
+          <a:xfrm>
             <a:off x="900393" y="2363740"/>
             <a:ext cx="16487214" cy="5948820"/>
             <a:chOff x="0" y="0"/>
@@ -5553,12 +5825,12 @@
         </p:grpSpPr>
         <p:sp>
           <p:nvSpPr>
-            <p:cNvPr name="Freeform 5" id="5"/>
+            <p:cNvPr id="5" name="Freeform 5"/>
             <p:cNvSpPr/>
             <p:nvPr/>
           </p:nvSpPr>
           <p:spPr>
-            <a:xfrm flipH="false" flipV="false" rot="0">
+            <a:xfrm>
               <a:off x="673863" y="0"/>
               <a:ext cx="19823410" cy="4509826"/>
             </a:xfrm>
@@ -5567,9 +5839,9 @@
               <a:gdLst/>
               <a:ahLst/>
               <a:cxnLst/>
-              <a:rect r="r" b="b" t="t" l="l"/>
+              <a:rect l="l" t="t" r="r" b="b"/>
               <a:pathLst>
-                <a:path h="4509826" w="19823410">
+                <a:path w="19823410" h="4509826">
                   <a:moveTo>
                     <a:pt x="0" y="0"/>
                   </a:moveTo>
@@ -5598,19 +5870,26 @@
                 </a:extLst>
               </a:blip>
               <a:stretch>
-                <a:fillRect l="0" t="0" r="0" b="0"/>
+                <a:fillRect/>
               </a:stretch>
             </a:blipFill>
           </p:spPr>
+          <p:txBody>
+            <a:bodyPr/>
+            <a:lstStyle/>
+            <a:p>
+              <a:endParaRPr lang="en-US"/>
+            </a:p>
+          </p:txBody>
         </p:sp>
         <p:sp>
           <p:nvSpPr>
-            <p:cNvPr name="TextBox 6" id="6"/>
-            <p:cNvSpPr txBox="true"/>
+            <p:cNvPr id="6" name="TextBox 6"/>
+            <p:cNvSpPr txBox="1"/>
             <p:nvPr/>
           </p:nvSpPr>
           <p:spPr>
-            <a:xfrm rot="0">
+            <a:xfrm>
               <a:off x="0" y="3576295"/>
               <a:ext cx="2576588" cy="1083945"/>
             </a:xfrm>
@@ -5619,7 +5898,7 @@
             </a:prstGeom>
           </p:spPr>
           <p:txBody>
-            <a:bodyPr anchor="t" rtlCol="false" tIns="0" lIns="0" bIns="0" rIns="0">
+            <a:bodyPr lIns="0" tIns="0" rIns="0" bIns="0" rtlCol="0" anchor="t">
               <a:spAutoFit/>
             </a:bodyPr>
             <a:lstStyle/>
@@ -5662,12 +5941,12 @@
         </p:sp>
         <p:sp>
           <p:nvSpPr>
-            <p:cNvPr name="TextBox 7" id="7"/>
-            <p:cNvSpPr txBox="true"/>
+            <p:cNvPr id="7" name="TextBox 7"/>
+            <p:cNvSpPr txBox="1"/>
             <p:nvPr/>
           </p:nvSpPr>
           <p:spPr>
-            <a:xfrm rot="0">
+            <a:xfrm>
               <a:off x="7926554" y="2738095"/>
               <a:ext cx="2988719" cy="2760345"/>
             </a:xfrm>
@@ -5676,7 +5955,7 @@
             </a:prstGeom>
           </p:spPr>
           <p:txBody>
-            <a:bodyPr anchor="t" rtlCol="false" tIns="0" lIns="0" bIns="0" rIns="0">
+            <a:bodyPr lIns="0" tIns="0" rIns="0" bIns="0" rtlCol="0" anchor="t">
               <a:spAutoFit/>
             </a:bodyPr>
             <a:lstStyle/>
@@ -5703,12 +5982,12 @@
         </p:sp>
         <p:sp>
           <p:nvSpPr>
-            <p:cNvPr name="TextBox 8" id="8"/>
-            <p:cNvSpPr txBox="true"/>
+            <p:cNvPr id="8" name="TextBox 8"/>
+            <p:cNvSpPr txBox="1"/>
             <p:nvPr/>
           </p:nvSpPr>
           <p:spPr>
-            <a:xfrm rot="0">
+            <a:xfrm>
               <a:off x="12592870" y="4612615"/>
               <a:ext cx="4609769" cy="3319145"/>
             </a:xfrm>
@@ -5717,7 +5996,7 @@
             </a:prstGeom>
           </p:spPr>
           <p:txBody>
-            <a:bodyPr anchor="t" rtlCol="false" tIns="0" lIns="0" bIns="0" rIns="0">
+            <a:bodyPr lIns="0" tIns="0" rIns="0" bIns="0" rtlCol="0" anchor="t">
               <a:spAutoFit/>
             </a:bodyPr>
             <a:lstStyle/>
@@ -5744,12 +6023,12 @@
         </p:sp>
         <p:sp>
           <p:nvSpPr>
-            <p:cNvPr name="TextBox 9" id="9"/>
-            <p:cNvSpPr txBox="true"/>
+            <p:cNvPr id="9" name="TextBox 9"/>
+            <p:cNvSpPr txBox="1"/>
             <p:nvPr/>
           </p:nvSpPr>
           <p:spPr>
-            <a:xfrm rot="0">
+            <a:xfrm>
               <a:off x="18224921" y="3576295"/>
               <a:ext cx="3758031" cy="2760345"/>
             </a:xfrm>
@@ -5758,7 +6037,7 @@
             </a:prstGeom>
           </p:spPr>
           <p:txBody>
-            <a:bodyPr anchor="t" rtlCol="false" tIns="0" lIns="0" bIns="0" rIns="0">
+            <a:bodyPr lIns="0" tIns="0" rIns="0" bIns="0" rtlCol="0" anchor="t">
               <a:spAutoFit/>
             </a:bodyPr>
             <a:lstStyle/>
@@ -5786,12 +6065,12 @@
       </p:grpSp>
       <p:grpSp>
         <p:nvGrpSpPr>
-          <p:cNvPr name="Group 10" id="10"/>
+          <p:cNvPr id="10" name="Group 10"/>
           <p:cNvGrpSpPr/>
           <p:nvPr/>
         </p:nvGrpSpPr>
         <p:grpSpPr>
-          <a:xfrm rot="0">
+          <a:xfrm>
             <a:off x="16379931" y="-1368006"/>
             <a:ext cx="3086100" cy="3086100"/>
             <a:chOff x="0" y="0"/>
@@ -5800,12 +6079,12 @@
         </p:grpSpPr>
         <p:sp>
           <p:nvSpPr>
-            <p:cNvPr name="Freeform 11" id="11"/>
+            <p:cNvPr id="11" name="Freeform 11"/>
             <p:cNvSpPr/>
             <p:nvPr/>
           </p:nvSpPr>
           <p:spPr>
-            <a:xfrm flipH="false" flipV="false" rot="0">
+            <a:xfrm>
               <a:off x="1813" y="0"/>
               <a:ext cx="809173" cy="812800"/>
             </a:xfrm>
@@ -5814,9 +6093,9 @@
               <a:gdLst/>
               <a:ahLst/>
               <a:cxnLst/>
-              <a:rect r="r" b="b" t="t" l="l"/>
+              <a:rect l="l" t="t" r="r" b="b"/>
               <a:pathLst>
-                <a:path h="812800" w="809173">
+                <a:path w="809173" h="812800">
                   <a:moveTo>
                     <a:pt x="404587" y="0"/>
                   </a:moveTo>
@@ -5848,11 +6127,18 @@
               <a:srgbClr val="000914"/>
             </a:solidFill>
           </p:spPr>
+          <p:txBody>
+            <a:bodyPr/>
+            <a:lstStyle/>
+            <a:p>
+              <a:endParaRPr lang="en-US"/>
+            </a:p>
+          </p:txBody>
         </p:sp>
         <p:sp>
           <p:nvSpPr>
-            <p:cNvPr name="TextBox 12" id="12"/>
-            <p:cNvSpPr txBox="true"/>
+            <p:cNvPr id="12" name="TextBox 12"/>
+            <p:cNvSpPr txBox="1"/>
             <p:nvPr/>
           </p:nvSpPr>
           <p:spPr>
@@ -5865,7 +6151,7 @@
             </a:prstGeom>
           </p:spPr>
           <p:txBody>
-            <a:bodyPr anchor="ctr" rtlCol="false" tIns="50800" lIns="50800" bIns="50800" rIns="50800"/>
+            <a:bodyPr lIns="50800" tIns="50800" rIns="50800" bIns="50800" rtlCol="0" anchor="ctr"/>
             <a:lstStyle/>
             <a:p>
               <a:pPr algn="ctr">
@@ -5873,20 +6159,21 @@
                   <a:spcPts val="2800"/>
                 </a:lnSpc>
               </a:pPr>
+              <a:endParaRPr/>
             </a:p>
           </p:txBody>
         </p:sp>
       </p:grpSp>
       <p:grpSp>
         <p:nvGrpSpPr>
-          <p:cNvPr name="Group 13" id="13"/>
+          <p:cNvPr id="13" name="Group 13"/>
           <p:cNvGrpSpPr>
-            <a:grpSpLocks noChangeAspect="true"/>
+            <a:grpSpLocks noChangeAspect="1"/>
           </p:cNvGrpSpPr>
           <p:nvPr/>
         </p:nvGrpSpPr>
         <p:grpSpPr>
-          <a:xfrm rot="0">
+          <a:xfrm>
             <a:off x="16773112" y="-114300"/>
             <a:ext cx="1591088" cy="1591082"/>
             <a:chOff x="0" y="0"/>
@@ -5895,12 +6182,12 @@
         </p:grpSpPr>
         <p:sp>
           <p:nvSpPr>
-            <p:cNvPr name="Freeform 14" id="14"/>
+            <p:cNvPr id="14" name="Freeform 14"/>
             <p:cNvSpPr/>
             <p:nvPr/>
           </p:nvSpPr>
           <p:spPr>
-            <a:xfrm flipH="false" flipV="false" rot="0">
+            <a:xfrm>
               <a:off x="0" y="0"/>
               <a:ext cx="6350000" cy="6349974"/>
             </a:xfrm>
@@ -5909,9 +6196,9 @@
               <a:gdLst/>
               <a:ahLst/>
               <a:cxnLst/>
-              <a:rect r="r" b="b" t="t" l="l"/>
+              <a:rect l="l" t="t" r="r" b="b"/>
               <a:pathLst>
-                <a:path h="6349974" w="6350000">
+                <a:path w="6350000" h="6349974">
                   <a:moveTo>
                     <a:pt x="6350000" y="3175025"/>
                   </a:moveTo>
@@ -5946,6 +6233,13 @@
               </a:stretch>
             </a:blipFill>
           </p:spPr>
+          <p:txBody>
+            <a:bodyPr/>
+            <a:lstStyle/>
+            <a:p>
+              <a:endParaRPr lang="en-US"/>
+            </a:p>
+          </p:txBody>
         </p:sp>
       </p:grpSp>
     </p:spTree>
@@ -5957,13 +6251,14 @@
 </file>
 
 <file path=ppt/slides/slide13.xml><?xml version="1.0" encoding="utf-8"?>
-<p:sld xmlns:p="http://schemas.openxmlformats.org/presentationml/2006/main" xmlns:a="http://schemas.openxmlformats.org/drawingml/2006/main" xmlns:r="http://schemas.openxmlformats.org/officeDocument/2006/relationships">
+<p:sld xmlns:a="http://schemas.openxmlformats.org/drawingml/2006/main" xmlns:r="http://schemas.openxmlformats.org/officeDocument/2006/relationships" xmlns:p="http://schemas.openxmlformats.org/presentationml/2006/main">
   <p:cSld>
     <p:bg>
       <p:bgPr>
         <a:solidFill>
           <a:srgbClr val="000914"/>
         </a:solidFill>
+        <a:effectLst/>
       </p:bgPr>
     </p:bg>
     <p:spTree>
@@ -5982,12 +6277,12 @@
       </p:grpSpPr>
       <p:sp>
         <p:nvSpPr>
-          <p:cNvPr name="Freeform 2" id="2"/>
+          <p:cNvPr id="2" name="Freeform 2"/>
           <p:cNvSpPr/>
           <p:nvPr/>
         </p:nvSpPr>
         <p:spPr>
-          <a:xfrm flipH="false" flipV="false" rot="0">
+          <a:xfrm>
             <a:off x="44528" y="3019224"/>
             <a:ext cx="18243472" cy="10033909"/>
           </a:xfrm>
@@ -5996,9 +6291,9 @@
             <a:gdLst/>
             <a:ahLst/>
             <a:cxnLst/>
-            <a:rect r="r" b="b" t="t" l="l"/>
+            <a:rect l="l" t="t" r="r" b="b"/>
             <a:pathLst>
-              <a:path h="10033909" w="18243472">
+              <a:path w="18243472" h="10033909">
                 <a:moveTo>
                   <a:pt x="0" y="0"/>
                 </a:moveTo>
@@ -6027,21 +6322,28 @@
               </a:extLst>
             </a:blip>
             <a:stretch>
-              <a:fillRect l="0" t="0" r="0" b="0"/>
+              <a:fillRect/>
             </a:stretch>
           </a:blipFill>
         </p:spPr>
+        <p:txBody>
+          <a:bodyPr/>
+          <a:lstStyle/>
+          <a:p>
+            <a:endParaRPr lang="en-US"/>
+          </a:p>
+        </p:txBody>
       </p:sp>
       <p:grpSp>
         <p:nvGrpSpPr>
-          <p:cNvPr name="Group 3" id="3"/>
+          <p:cNvPr id="3" name="Group 3"/>
           <p:cNvGrpSpPr>
-            <a:grpSpLocks noChangeAspect="true"/>
+            <a:grpSpLocks noChangeAspect="1"/>
           </p:cNvGrpSpPr>
           <p:nvPr/>
         </p:nvGrpSpPr>
         <p:grpSpPr>
-          <a:xfrm rot="0">
+          <a:xfrm>
             <a:off x="3424200" y="4402732"/>
             <a:ext cx="2845722" cy="2834606"/>
             <a:chOff x="0" y="0"/>
@@ -6050,12 +6352,12 @@
         </p:grpSpPr>
         <p:sp>
           <p:nvSpPr>
-            <p:cNvPr name="Freeform 4" id="4"/>
+            <p:cNvPr id="4" name="Freeform 4"/>
             <p:cNvSpPr/>
             <p:nvPr/>
           </p:nvSpPr>
           <p:spPr>
-            <a:xfrm flipH="false" flipV="false" rot="0">
+            <a:xfrm>
               <a:off x="-23042" y="119185"/>
               <a:ext cx="6542159" cy="6244242"/>
             </a:xfrm>
@@ -6064,9 +6366,9 @@
               <a:gdLst/>
               <a:ahLst/>
               <a:cxnLst/>
-              <a:rect r="r" b="b" t="t" l="l"/>
+              <a:rect l="l" t="t" r="r" b="b"/>
               <a:pathLst>
-                <a:path h="6244242" w="6542159">
+                <a:path w="6542159" h="6244242">
                   <a:moveTo>
                     <a:pt x="3271080" y="4996"/>
                   </a:moveTo>
@@ -6107,19 +6409,26 @@
             <a:blipFill>
               <a:blip r:embed="rId4"/>
               <a:stretch>
-                <a:fillRect l="223" t="0" r="223" b="-12521"/>
+                <a:fillRect l="223" r="223" b="-12521"/>
               </a:stretch>
             </a:blipFill>
           </p:spPr>
+          <p:txBody>
+            <a:bodyPr/>
+            <a:lstStyle/>
+            <a:p>
+              <a:endParaRPr lang="en-US"/>
+            </a:p>
+          </p:txBody>
         </p:sp>
         <p:sp>
           <p:nvSpPr>
-            <p:cNvPr name="Freeform 5" id="5"/>
+            <p:cNvPr id="5" name="Freeform 5"/>
             <p:cNvSpPr/>
             <p:nvPr/>
           </p:nvSpPr>
           <p:spPr>
-            <a:xfrm flipH="false" flipV="false" rot="0">
+            <a:xfrm>
               <a:off x="73038" y="66269"/>
               <a:ext cx="6350000" cy="6349987"/>
             </a:xfrm>
@@ -6128,9 +6437,9 @@
               <a:gdLst/>
               <a:ahLst/>
               <a:cxnLst/>
-              <a:rect r="r" b="b" t="t" l="l"/>
+              <a:rect l="l" t="t" r="r" b="b"/>
               <a:pathLst>
-                <a:path h="6349987" w="6350000">
+                <a:path w="6350000" h="6349987">
                   <a:moveTo>
                     <a:pt x="3175000" y="6349987"/>
                   </a:moveTo>
@@ -6186,18 +6495,25 @@
               <a:srgbClr val="00FFF2"/>
             </a:solidFill>
           </p:spPr>
+          <p:txBody>
+            <a:bodyPr/>
+            <a:lstStyle/>
+            <a:p>
+              <a:endParaRPr lang="en-US"/>
+            </a:p>
+          </p:txBody>
         </p:sp>
       </p:grpSp>
       <p:grpSp>
         <p:nvGrpSpPr>
-          <p:cNvPr name="Group 6" id="6"/>
+          <p:cNvPr id="6" name="Group 6"/>
           <p:cNvGrpSpPr>
-            <a:grpSpLocks noChangeAspect="true"/>
+            <a:grpSpLocks noChangeAspect="1"/>
           </p:cNvGrpSpPr>
           <p:nvPr/>
         </p:nvGrpSpPr>
         <p:grpSpPr>
-          <a:xfrm rot="0">
+          <a:xfrm>
             <a:off x="7509110" y="4402732"/>
             <a:ext cx="2845722" cy="2834606"/>
             <a:chOff x="0" y="0"/>
@@ -6206,12 +6522,12 @@
         </p:grpSpPr>
         <p:sp>
           <p:nvSpPr>
-            <p:cNvPr name="Freeform 7" id="7"/>
+            <p:cNvPr id="7" name="Freeform 7"/>
             <p:cNvSpPr/>
             <p:nvPr/>
           </p:nvSpPr>
           <p:spPr>
-            <a:xfrm flipH="false" flipV="false" rot="0">
+            <a:xfrm>
               <a:off x="-23042" y="119185"/>
               <a:ext cx="6542159" cy="6244242"/>
             </a:xfrm>
@@ -6220,9 +6536,9 @@
               <a:gdLst/>
               <a:ahLst/>
               <a:cxnLst/>
-              <a:rect r="r" b="b" t="t" l="l"/>
+              <a:rect l="l" t="t" r="r" b="b"/>
               <a:pathLst>
-                <a:path h="6244242" w="6542159">
+                <a:path w="6542159" h="6244242">
                   <a:moveTo>
                     <a:pt x="3271080" y="4996"/>
                   </a:moveTo>
@@ -6267,15 +6583,22 @@
               </a:stretch>
             </a:blipFill>
           </p:spPr>
+          <p:txBody>
+            <a:bodyPr/>
+            <a:lstStyle/>
+            <a:p>
+              <a:endParaRPr lang="en-US"/>
+            </a:p>
+          </p:txBody>
         </p:sp>
         <p:sp>
           <p:nvSpPr>
-            <p:cNvPr name="Freeform 8" id="8"/>
+            <p:cNvPr id="8" name="Freeform 8"/>
             <p:cNvSpPr/>
             <p:nvPr/>
           </p:nvSpPr>
           <p:spPr>
-            <a:xfrm flipH="false" flipV="false" rot="0">
+            <a:xfrm>
               <a:off x="73038" y="66269"/>
               <a:ext cx="6350000" cy="6349987"/>
             </a:xfrm>
@@ -6284,9 +6607,9 @@
               <a:gdLst/>
               <a:ahLst/>
               <a:cxnLst/>
-              <a:rect r="r" b="b" t="t" l="l"/>
+              <a:rect l="l" t="t" r="r" b="b"/>
               <a:pathLst>
-                <a:path h="6349987" w="6350000">
+                <a:path w="6350000" h="6349987">
                   <a:moveTo>
                     <a:pt x="3175000" y="6349987"/>
                   </a:moveTo>
@@ -6342,16 +6665,23 @@
               <a:srgbClr val="00FFF2"/>
             </a:solidFill>
           </p:spPr>
+          <p:txBody>
+            <a:bodyPr/>
+            <a:lstStyle/>
+            <a:p>
+              <a:endParaRPr lang="en-US"/>
+            </a:p>
+          </p:txBody>
         </p:sp>
       </p:grpSp>
       <p:grpSp>
         <p:nvGrpSpPr>
-          <p:cNvPr name="Group 9" id="9"/>
+          <p:cNvPr id="9" name="Group 9"/>
           <p:cNvGrpSpPr/>
           <p:nvPr/>
         </p:nvGrpSpPr>
         <p:grpSpPr>
-          <a:xfrm rot="0">
+          <a:xfrm>
             <a:off x="5708378" y="3049580"/>
             <a:ext cx="666545" cy="666545"/>
             <a:chOff x="0" y="0"/>
@@ -6360,12 +6690,12 @@
         </p:grpSpPr>
         <p:sp>
           <p:nvSpPr>
-            <p:cNvPr name="Freeform 10" id="10"/>
+            <p:cNvPr id="10" name="Freeform 10"/>
             <p:cNvSpPr/>
             <p:nvPr/>
           </p:nvSpPr>
           <p:spPr>
-            <a:xfrm flipH="false" flipV="false" rot="0">
+            <a:xfrm>
               <a:off x="1813" y="0"/>
               <a:ext cx="809173" cy="812800"/>
             </a:xfrm>
@@ -6374,9 +6704,9 @@
               <a:gdLst/>
               <a:ahLst/>
               <a:cxnLst/>
-              <a:rect r="r" b="b" t="t" l="l"/>
+              <a:rect l="l" t="t" r="r" b="b"/>
               <a:pathLst>
-                <a:path h="812800" w="809173">
+                <a:path w="809173" h="812800">
                   <a:moveTo>
                     <a:pt x="404587" y="0"/>
                   </a:moveTo>
@@ -6408,11 +6738,18 @@
               <a:srgbClr val="00FFF2"/>
             </a:solidFill>
           </p:spPr>
+          <p:txBody>
+            <a:bodyPr/>
+            <a:lstStyle/>
+            <a:p>
+              <a:endParaRPr lang="en-US"/>
+            </a:p>
+          </p:txBody>
         </p:sp>
         <p:sp>
           <p:nvSpPr>
-            <p:cNvPr name="TextBox 11" id="11"/>
-            <p:cNvSpPr txBox="true"/>
+            <p:cNvPr id="11" name="TextBox 11"/>
+            <p:cNvSpPr txBox="1"/>
             <p:nvPr/>
           </p:nvSpPr>
           <p:spPr>
@@ -6425,7 +6762,7 @@
             </a:prstGeom>
           </p:spPr>
           <p:txBody>
-            <a:bodyPr anchor="ctr" rtlCol="false" tIns="50800" lIns="50800" bIns="50800" rIns="50800"/>
+            <a:bodyPr lIns="50800" tIns="50800" rIns="50800" bIns="50800" rtlCol="0" anchor="ctr"/>
             <a:lstStyle/>
             <a:p>
               <a:pPr algn="ctr">
@@ -6433,18 +6770,19 @@
                   <a:spcPts val="2800"/>
                 </a:lnSpc>
               </a:pPr>
+              <a:endParaRPr/>
             </a:p>
           </p:txBody>
         </p:sp>
       </p:grpSp>
       <p:grpSp>
         <p:nvGrpSpPr>
-          <p:cNvPr name="Group 12" id="12"/>
+          <p:cNvPr id="12" name="Group 12"/>
           <p:cNvGrpSpPr/>
           <p:nvPr/>
         </p:nvGrpSpPr>
         <p:grpSpPr>
-          <a:xfrm rot="0">
+          <a:xfrm>
             <a:off x="11551127" y="3049580"/>
             <a:ext cx="666545" cy="666545"/>
             <a:chOff x="0" y="0"/>
@@ -6453,12 +6791,12 @@
         </p:grpSpPr>
         <p:sp>
           <p:nvSpPr>
-            <p:cNvPr name="Freeform 13" id="13"/>
+            <p:cNvPr id="13" name="Freeform 13"/>
             <p:cNvSpPr/>
             <p:nvPr/>
           </p:nvSpPr>
           <p:spPr>
-            <a:xfrm flipH="false" flipV="false" rot="0">
+            <a:xfrm>
               <a:off x="1813" y="0"/>
               <a:ext cx="809173" cy="812800"/>
             </a:xfrm>
@@ -6467,9 +6805,9 @@
               <a:gdLst/>
               <a:ahLst/>
               <a:cxnLst/>
-              <a:rect r="r" b="b" t="t" l="l"/>
+              <a:rect l="l" t="t" r="r" b="b"/>
               <a:pathLst>
-                <a:path h="812800" w="809173">
+                <a:path w="809173" h="812800">
                   <a:moveTo>
                     <a:pt x="404587" y="0"/>
                   </a:moveTo>
@@ -6501,11 +6839,18 @@
               <a:srgbClr val="00FFF2"/>
             </a:solidFill>
           </p:spPr>
+          <p:txBody>
+            <a:bodyPr/>
+            <a:lstStyle/>
+            <a:p>
+              <a:endParaRPr lang="en-US"/>
+            </a:p>
+          </p:txBody>
         </p:sp>
         <p:sp>
           <p:nvSpPr>
-            <p:cNvPr name="TextBox 14" id="14"/>
-            <p:cNvSpPr txBox="true"/>
+            <p:cNvPr id="14" name="TextBox 14"/>
+            <p:cNvSpPr txBox="1"/>
             <p:nvPr/>
           </p:nvSpPr>
           <p:spPr>
@@ -6518,7 +6863,7 @@
             </a:prstGeom>
           </p:spPr>
           <p:txBody>
-            <a:bodyPr anchor="ctr" rtlCol="false" tIns="50800" lIns="50800" bIns="50800" rIns="50800"/>
+            <a:bodyPr lIns="50800" tIns="50800" rIns="50800" bIns="50800" rtlCol="0" anchor="ctr"/>
             <a:lstStyle/>
             <a:p>
               <a:pPr algn="ctr">
@@ -6526,18 +6871,19 @@
                   <a:spcPts val="2800"/>
                 </a:lnSpc>
               </a:pPr>
+              <a:endParaRPr/>
             </a:p>
           </p:txBody>
         </p:sp>
       </p:grpSp>
       <p:sp>
         <p:nvSpPr>
-          <p:cNvPr name="TextBox 15" id="15"/>
-          <p:cNvSpPr txBox="true"/>
+          <p:cNvPr id="15" name="TextBox 15"/>
+          <p:cNvSpPr txBox="1"/>
           <p:nvPr/>
         </p:nvSpPr>
         <p:spPr>
-          <a:xfrm rot="0">
+          <a:xfrm>
             <a:off x="3175514" y="7472705"/>
             <a:ext cx="3343094" cy="580258"/>
           </a:xfrm>
@@ -6546,7 +6892,7 @@
           </a:prstGeom>
         </p:spPr>
         <p:txBody>
-          <a:bodyPr anchor="t" rtlCol="false" tIns="0" lIns="0" bIns="0" rIns="0">
+          <a:bodyPr lIns="0" tIns="0" rIns="0" bIns="0" rtlCol="0" anchor="t">
             <a:spAutoFit/>
           </a:bodyPr>
           <a:lstStyle/>
@@ -6573,12 +6919,12 @@
       </p:sp>
       <p:sp>
         <p:nvSpPr>
-          <p:cNvPr name="TextBox 16" id="16"/>
-          <p:cNvSpPr txBox="true"/>
+          <p:cNvPr id="16" name="TextBox 16"/>
+          <p:cNvSpPr txBox="1"/>
           <p:nvPr/>
         </p:nvSpPr>
         <p:spPr>
-          <a:xfrm rot="0">
+          <a:xfrm>
             <a:off x="7106631" y="7472705"/>
             <a:ext cx="3657944" cy="1180201"/>
           </a:xfrm>
@@ -6587,7 +6933,7 @@
           </a:prstGeom>
         </p:spPr>
         <p:txBody>
-          <a:bodyPr anchor="t" rtlCol="false" tIns="0" lIns="0" bIns="0" rIns="0">
+          <a:bodyPr lIns="0" tIns="0" rIns="0" bIns="0" rtlCol="0" anchor="t">
             <a:spAutoFit/>
           </a:bodyPr>
           <a:lstStyle/>
@@ -6614,12 +6960,12 @@
       </p:sp>
       <p:sp>
         <p:nvSpPr>
-          <p:cNvPr name="TextBox 17" id="17"/>
-          <p:cNvSpPr txBox="true"/>
+          <p:cNvPr id="17" name="TextBox 17"/>
+          <p:cNvSpPr txBox="1"/>
           <p:nvPr/>
         </p:nvSpPr>
         <p:spPr>
-          <a:xfrm rot="0">
+          <a:xfrm>
             <a:off x="3424200" y="8201519"/>
             <a:ext cx="2852986" cy="481330"/>
           </a:xfrm>
@@ -6628,7 +6974,7 @@
           </a:prstGeom>
         </p:spPr>
         <p:txBody>
-          <a:bodyPr anchor="t" rtlCol="false" tIns="0" lIns="0" bIns="0" rIns="0">
+          <a:bodyPr lIns="0" tIns="0" rIns="0" bIns="0" rtlCol="0" anchor="t">
             <a:spAutoFit/>
           </a:bodyPr>
           <a:lstStyle/>
@@ -6655,12 +7001,12 @@
       </p:sp>
       <p:sp>
         <p:nvSpPr>
-          <p:cNvPr name="TextBox 18" id="18"/>
-          <p:cNvSpPr txBox="true"/>
+          <p:cNvPr id="18" name="TextBox 18"/>
+          <p:cNvSpPr txBox="1"/>
           <p:nvPr/>
         </p:nvSpPr>
         <p:spPr>
-          <a:xfrm rot="0">
+          <a:xfrm>
             <a:off x="7509110" y="8900556"/>
             <a:ext cx="2852986" cy="481330"/>
           </a:xfrm>
@@ -6669,7 +7015,7 @@
           </a:prstGeom>
         </p:spPr>
         <p:txBody>
-          <a:bodyPr anchor="t" rtlCol="false" tIns="0" lIns="0" bIns="0" rIns="0">
+          <a:bodyPr lIns="0" tIns="0" rIns="0" bIns="0" rtlCol="0" anchor="t">
             <a:spAutoFit/>
           </a:bodyPr>
           <a:lstStyle/>
@@ -6696,14 +7042,14 @@
       </p:sp>
       <p:grpSp>
         <p:nvGrpSpPr>
-          <p:cNvPr name="Group 19" id="19"/>
+          <p:cNvPr id="19" name="Group 19"/>
           <p:cNvGrpSpPr>
-            <a:grpSpLocks noChangeAspect="true"/>
+            <a:grpSpLocks noChangeAspect="1"/>
           </p:cNvGrpSpPr>
           <p:nvPr/>
         </p:nvGrpSpPr>
         <p:grpSpPr>
-          <a:xfrm rot="0">
+          <a:xfrm>
             <a:off x="11594021" y="4402732"/>
             <a:ext cx="2845722" cy="2834606"/>
             <a:chOff x="0" y="0"/>
@@ -6712,12 +7058,12 @@
         </p:grpSpPr>
         <p:sp>
           <p:nvSpPr>
-            <p:cNvPr name="Freeform 20" id="20"/>
+            <p:cNvPr id="20" name="Freeform 20"/>
             <p:cNvSpPr/>
             <p:nvPr/>
           </p:nvSpPr>
           <p:spPr>
-            <a:xfrm flipH="false" flipV="false" rot="0">
+            <a:xfrm>
               <a:off x="-23042" y="119185"/>
               <a:ext cx="6542159" cy="6244242"/>
             </a:xfrm>
@@ -6726,9 +7072,9 @@
               <a:gdLst/>
               <a:ahLst/>
               <a:cxnLst/>
-              <a:rect r="r" b="b" t="t" l="l"/>
+              <a:rect l="l" t="t" r="r" b="b"/>
               <a:pathLst>
-                <a:path h="6244242" w="6542159">
+                <a:path w="6542159" h="6244242">
                   <a:moveTo>
                     <a:pt x="3271080" y="4996"/>
                   </a:moveTo>
@@ -6769,19 +7115,26 @@
             <a:blipFill>
               <a:blip r:embed="rId6"/>
               <a:stretch>
-                <a:fillRect l="223" t="0" r="223" b="0"/>
+                <a:fillRect l="223" r="223"/>
               </a:stretch>
             </a:blipFill>
           </p:spPr>
+          <p:txBody>
+            <a:bodyPr/>
+            <a:lstStyle/>
+            <a:p>
+              <a:endParaRPr lang="en-US"/>
+            </a:p>
+          </p:txBody>
         </p:sp>
         <p:sp>
           <p:nvSpPr>
-            <p:cNvPr name="Freeform 21" id="21"/>
+            <p:cNvPr id="21" name="Freeform 21"/>
             <p:cNvSpPr/>
             <p:nvPr/>
           </p:nvSpPr>
           <p:spPr>
-            <a:xfrm flipH="false" flipV="false" rot="0">
+            <a:xfrm>
               <a:off x="73038" y="66269"/>
               <a:ext cx="6350000" cy="6349987"/>
             </a:xfrm>
@@ -6790,9 +7143,9 @@
               <a:gdLst/>
               <a:ahLst/>
               <a:cxnLst/>
-              <a:rect r="r" b="b" t="t" l="l"/>
+              <a:rect l="l" t="t" r="r" b="b"/>
               <a:pathLst>
-                <a:path h="6349987" w="6350000">
+                <a:path w="6350000" h="6349987">
                   <a:moveTo>
                     <a:pt x="3175000" y="6349987"/>
                   </a:moveTo>
@@ -6848,16 +7201,23 @@
               <a:srgbClr val="00FFF2"/>
             </a:solidFill>
           </p:spPr>
+          <p:txBody>
+            <a:bodyPr/>
+            <a:lstStyle/>
+            <a:p>
+              <a:endParaRPr lang="en-US"/>
+            </a:p>
+          </p:txBody>
         </p:sp>
       </p:grpSp>
       <p:sp>
         <p:nvSpPr>
-          <p:cNvPr name="TextBox 22" id="22"/>
-          <p:cNvSpPr txBox="true"/>
+          <p:cNvPr id="22" name="TextBox 22"/>
+          <p:cNvSpPr txBox="1"/>
           <p:nvPr/>
         </p:nvSpPr>
         <p:spPr>
-          <a:xfrm rot="0">
+          <a:xfrm>
             <a:off x="10928542" y="7472705"/>
             <a:ext cx="4183944" cy="580258"/>
           </a:xfrm>
@@ -6866,7 +7226,7 @@
           </a:prstGeom>
         </p:spPr>
         <p:txBody>
-          <a:bodyPr anchor="t" rtlCol="false" tIns="0" lIns="0" bIns="0" rIns="0">
+          <a:bodyPr lIns="0" tIns="0" rIns="0" bIns="0" rtlCol="0" anchor="t">
             <a:spAutoFit/>
           </a:bodyPr>
           <a:lstStyle/>
@@ -6893,12 +7253,12 @@
       </p:sp>
       <p:sp>
         <p:nvSpPr>
-          <p:cNvPr name="TextBox 23" id="23"/>
-          <p:cNvSpPr txBox="true"/>
+          <p:cNvPr id="23" name="TextBox 23"/>
+          <p:cNvSpPr txBox="1"/>
           <p:nvPr/>
         </p:nvSpPr>
         <p:spPr>
-          <a:xfrm rot="0">
+          <a:xfrm>
             <a:off x="11594021" y="8201519"/>
             <a:ext cx="2852986" cy="976630"/>
           </a:xfrm>
@@ -6907,7 +7267,7 @@
           </a:prstGeom>
         </p:spPr>
         <p:txBody>
-          <a:bodyPr anchor="t" rtlCol="false" tIns="0" lIns="0" bIns="0" rIns="0">
+          <a:bodyPr lIns="0" tIns="0" rIns="0" bIns="0" rtlCol="0" anchor="t">
             <a:spAutoFit/>
           </a:bodyPr>
           <a:lstStyle/>
@@ -6934,12 +7294,12 @@
       </p:sp>
       <p:sp>
         <p:nvSpPr>
-          <p:cNvPr name="Freeform 24" id="24"/>
+          <p:cNvPr id="24" name="Freeform 24"/>
           <p:cNvSpPr/>
           <p:nvPr/>
         </p:nvSpPr>
         <p:spPr>
-          <a:xfrm flipH="false" flipV="false" rot="2163992">
+          <a:xfrm rot="2163992">
             <a:off x="-356949" y="-11277"/>
             <a:ext cx="2981137" cy="3795428"/>
           </a:xfrm>
@@ -6948,9 +7308,9 @@
             <a:gdLst/>
             <a:ahLst/>
             <a:cxnLst/>
-            <a:rect r="r" b="b" t="t" l="l"/>
+            <a:rect l="l" t="t" r="r" b="b"/>
             <a:pathLst>
-              <a:path h="3795428" w="2981137">
+              <a:path w="2981137" h="3795428">
                 <a:moveTo>
                   <a:pt x="0" y="0"/>
                 </a:moveTo>
@@ -6980,19 +7340,26 @@
               </a:extLst>
             </a:blip>
             <a:stretch>
-              <a:fillRect l="0" t="0" r="0" b="0"/>
+              <a:fillRect/>
             </a:stretch>
           </a:blipFill>
         </p:spPr>
-      </p:sp>
-      <p:sp>
-        <p:nvSpPr>
-          <p:cNvPr name="Freeform 25" id="25"/>
+        <p:txBody>
+          <a:bodyPr/>
+          <a:lstStyle/>
+          <a:p>
+            <a:endParaRPr lang="en-US"/>
+          </a:p>
+        </p:txBody>
+      </p:sp>
+      <p:sp>
+        <p:nvSpPr>
+          <p:cNvPr id="25" name="Freeform 25"/>
           <p:cNvSpPr/>
           <p:nvPr/>
         </p:nvSpPr>
         <p:spPr>
-          <a:xfrm flipH="false" flipV="false" rot="-2071946">
+          <a:xfrm rot="-2071946">
             <a:off x="15768732" y="-11277"/>
             <a:ext cx="2981137" cy="3795428"/>
           </a:xfrm>
@@ -7001,9 +7368,9 @@
             <a:gdLst/>
             <a:ahLst/>
             <a:cxnLst/>
-            <a:rect r="r" b="b" t="t" l="l"/>
+            <a:rect l="l" t="t" r="r" b="b"/>
             <a:pathLst>
-              <a:path h="3795428" w="2981137">
+              <a:path w="2981137" h="3795428">
                 <a:moveTo>
                   <a:pt x="0" y="0"/>
                 </a:moveTo>
@@ -7033,19 +7400,26 @@
               </a:extLst>
             </a:blip>
             <a:stretch>
-              <a:fillRect l="0" t="0" r="0" b="0"/>
+              <a:fillRect/>
             </a:stretch>
           </a:blipFill>
         </p:spPr>
-      </p:sp>
-      <p:sp>
-        <p:nvSpPr>
-          <p:cNvPr name="TextBox 26" id="26"/>
-          <p:cNvSpPr txBox="true"/>
+        <p:txBody>
+          <a:bodyPr/>
+          <a:lstStyle/>
+          <a:p>
+            <a:endParaRPr lang="en-US"/>
+          </a:p>
+        </p:txBody>
+      </p:sp>
+      <p:sp>
+        <p:nvSpPr>
+          <p:cNvPr id="26" name="TextBox 26"/>
+          <p:cNvSpPr txBox="1"/>
           <p:nvPr/>
         </p:nvSpPr>
         <p:spPr>
-          <a:xfrm rot="0">
+          <a:xfrm>
             <a:off x="6251166" y="2702767"/>
             <a:ext cx="5299961" cy="1226671"/>
           </a:xfrm>
@@ -7054,7 +7428,7 @@
           </a:prstGeom>
         </p:spPr>
         <p:txBody>
-          <a:bodyPr anchor="t" rtlCol="false" tIns="0" lIns="0" bIns="0" rIns="0">
+          <a:bodyPr lIns="0" tIns="0" rIns="0" bIns="0" rtlCol="0" anchor="t">
             <a:spAutoFit/>
           </a:bodyPr>
           <a:lstStyle/>
@@ -7081,14 +7455,14 @@
       </p:sp>
       <p:grpSp>
         <p:nvGrpSpPr>
-          <p:cNvPr name="Group 27" id="27"/>
+          <p:cNvPr id="27" name="Group 27"/>
           <p:cNvGrpSpPr>
-            <a:grpSpLocks noChangeAspect="true"/>
+            <a:grpSpLocks noChangeAspect="1"/>
           </p:cNvGrpSpPr>
           <p:nvPr/>
         </p:nvGrpSpPr>
         <p:grpSpPr>
-          <a:xfrm rot="0">
+          <a:xfrm>
             <a:off x="7364079" y="154721"/>
             <a:ext cx="2864515" cy="2864503"/>
             <a:chOff x="0" y="0"/>
@@ -7097,12 +7471,12 @@
         </p:grpSpPr>
         <p:sp>
           <p:nvSpPr>
-            <p:cNvPr name="Freeform 28" id="28"/>
+            <p:cNvPr id="28" name="Freeform 28"/>
             <p:cNvSpPr/>
             <p:nvPr/>
           </p:nvSpPr>
           <p:spPr>
-            <a:xfrm flipH="false" flipV="false" rot="0">
+            <a:xfrm>
               <a:off x="0" y="0"/>
               <a:ext cx="6350000" cy="6349974"/>
             </a:xfrm>
@@ -7111,9 +7485,9 @@
               <a:gdLst/>
               <a:ahLst/>
               <a:cxnLst/>
-              <a:rect r="r" b="b" t="t" l="l"/>
+              <a:rect l="l" t="t" r="r" b="b"/>
               <a:pathLst>
-                <a:path h="6349974" w="6350000">
+                <a:path w="6350000" h="6349974">
                   <a:moveTo>
                     <a:pt x="6350000" y="3175025"/>
                   </a:moveTo>
@@ -7144,10 +7518,17 @@
             <a:blipFill>
               <a:blip r:embed="rId9"/>
               <a:stretch>
-                <a:fillRect l="-12075" t="0" r="-12075" b="0"/>
+                <a:fillRect l="-12075" r="-12075"/>
               </a:stretch>
             </a:blipFill>
           </p:spPr>
+          <p:txBody>
+            <a:bodyPr/>
+            <a:lstStyle/>
+            <a:p>
+              <a:endParaRPr lang="en-US"/>
+            </a:p>
+          </p:txBody>
         </p:sp>
       </p:grpSp>
     </p:spTree>
@@ -7159,13 +7540,14 @@
 </file>
 
 <file path=ppt/slides/slide14.xml><?xml version="1.0" encoding="utf-8"?>
-<p:sld xmlns:p="http://schemas.openxmlformats.org/presentationml/2006/main" xmlns:a="http://schemas.openxmlformats.org/drawingml/2006/main" xmlns:r="http://schemas.openxmlformats.org/officeDocument/2006/relationships">
+<p:sld xmlns:a="http://schemas.openxmlformats.org/drawingml/2006/main" xmlns:r="http://schemas.openxmlformats.org/officeDocument/2006/relationships" xmlns:p="http://schemas.openxmlformats.org/presentationml/2006/main">
   <p:cSld>
     <p:bg>
       <p:bgPr>
         <a:solidFill>
           <a:srgbClr val="000914"/>
         </a:solidFill>
+        <a:effectLst/>
       </p:bgPr>
     </p:bg>
     <p:spTree>
@@ -7184,12 +7566,12 @@
       </p:grpSpPr>
       <p:sp>
         <p:nvSpPr>
-          <p:cNvPr name="Freeform 2" id="2"/>
+          <p:cNvPr id="2" name="Freeform 2"/>
           <p:cNvSpPr/>
           <p:nvPr/>
         </p:nvSpPr>
         <p:spPr>
-          <a:xfrm flipH="false" flipV="false" rot="0">
+          <a:xfrm>
             <a:off x="44528" y="3019224"/>
             <a:ext cx="18243472" cy="10033909"/>
           </a:xfrm>
@@ -7198,9 +7580,9 @@
             <a:gdLst/>
             <a:ahLst/>
             <a:cxnLst/>
-            <a:rect r="r" b="b" t="t" l="l"/>
+            <a:rect l="l" t="t" r="r" b="b"/>
             <a:pathLst>
-              <a:path h="10033909" w="18243472">
+              <a:path w="18243472" h="10033909">
                 <a:moveTo>
                   <a:pt x="0" y="0"/>
                 </a:moveTo>
@@ -7229,19 +7611,26 @@
               </a:extLst>
             </a:blip>
             <a:stretch>
-              <a:fillRect l="0" t="0" r="0" b="0"/>
+              <a:fillRect/>
             </a:stretch>
           </a:blipFill>
         </p:spPr>
-      </p:sp>
-      <p:sp>
-        <p:nvSpPr>
-          <p:cNvPr name="Freeform 3" id="3"/>
+        <p:txBody>
+          <a:bodyPr/>
+          <a:lstStyle/>
+          <a:p>
+            <a:endParaRPr lang="en-US"/>
+          </a:p>
+        </p:txBody>
+      </p:sp>
+      <p:sp>
+        <p:nvSpPr>
+          <p:cNvPr id="3" name="Freeform 3"/>
           <p:cNvSpPr/>
           <p:nvPr/>
         </p:nvSpPr>
         <p:spPr>
-          <a:xfrm flipH="false" flipV="false" rot="5400000">
+          <a:xfrm rot="5400000">
             <a:off x="-837477" y="4425325"/>
             <a:ext cx="7909400" cy="7909400"/>
           </a:xfrm>
@@ -7250,9 +7639,9 @@
             <a:gdLst/>
             <a:ahLst/>
             <a:cxnLst/>
-            <a:rect r="r" b="b" t="t" l="l"/>
+            <a:rect l="l" t="t" r="r" b="b"/>
             <a:pathLst>
-              <a:path h="7909400" w="7909400">
+              <a:path w="7909400" h="7909400">
                 <a:moveTo>
                   <a:pt x="0" y="0"/>
                 </a:moveTo>
@@ -7281,19 +7670,26 @@
               </a:extLst>
             </a:blip>
             <a:stretch>
-              <a:fillRect l="0" t="0" r="0" b="0"/>
+              <a:fillRect/>
             </a:stretch>
           </a:blipFill>
         </p:spPr>
-      </p:sp>
-      <p:sp>
-        <p:nvSpPr>
-          <p:cNvPr name="Freeform 4" id="4"/>
+        <p:txBody>
+          <a:bodyPr/>
+          <a:lstStyle/>
+          <a:p>
+            <a:endParaRPr lang="en-US"/>
+          </a:p>
+        </p:txBody>
+      </p:sp>
+      <p:sp>
+        <p:nvSpPr>
+          <p:cNvPr id="4" name="Freeform 4"/>
           <p:cNvSpPr/>
           <p:nvPr/>
         </p:nvSpPr>
         <p:spPr>
-          <a:xfrm flipH="false" flipV="true" rot="0">
+          <a:xfrm flipV="1">
             <a:off x="-1227777" y="1833515"/>
             <a:ext cx="2649366" cy="2649366"/>
           </a:xfrm>
@@ -7302,9 +7698,9 @@
             <a:gdLst/>
             <a:ahLst/>
             <a:cxnLst/>
-            <a:rect r="r" b="b" t="t" l="l"/>
+            <a:rect l="l" t="t" r="r" b="b"/>
             <a:pathLst>
-              <a:path h="2649366" w="2649366">
+              <a:path w="2649366" h="2649366">
                 <a:moveTo>
                   <a:pt x="0" y="2649366"/>
                 </a:moveTo>
@@ -7334,19 +7730,26 @@
               </a:extLst>
             </a:blip>
             <a:stretch>
-              <a:fillRect l="0" t="0" r="0" b="0"/>
+              <a:fillRect/>
             </a:stretch>
           </a:blipFill>
         </p:spPr>
-      </p:sp>
-      <p:sp>
-        <p:nvSpPr>
-          <p:cNvPr name="Freeform 5" id="5"/>
+        <p:txBody>
+          <a:bodyPr/>
+          <a:lstStyle/>
+          <a:p>
+            <a:endParaRPr lang="en-US"/>
+          </a:p>
+        </p:txBody>
+      </p:sp>
+      <p:sp>
+        <p:nvSpPr>
+          <p:cNvPr id="5" name="Freeform 5"/>
           <p:cNvSpPr/>
           <p:nvPr/>
         </p:nvSpPr>
         <p:spPr>
-          <a:xfrm flipH="true" flipV="true" rot="0">
+          <a:xfrm flipH="1" flipV="1">
             <a:off x="1893148" y="421891"/>
             <a:ext cx="1626418" cy="1626418"/>
           </a:xfrm>
@@ -7355,9 +7758,9 @@
             <a:gdLst/>
             <a:ahLst/>
             <a:cxnLst/>
-            <a:rect r="r" b="b" t="t" l="l"/>
+            <a:rect l="l" t="t" r="r" b="b"/>
             <a:pathLst>
-              <a:path h="1626418" w="1626418">
+              <a:path w="1626418" h="1626418">
                 <a:moveTo>
                   <a:pt x="1626418" y="1626418"/>
                 </a:moveTo>
@@ -7387,19 +7790,26 @@
               </a:extLst>
             </a:blip>
             <a:stretch>
-              <a:fillRect l="0" t="0" r="0" b="0"/>
+              <a:fillRect/>
             </a:stretch>
           </a:blipFill>
         </p:spPr>
-      </p:sp>
-      <p:sp>
-        <p:nvSpPr>
-          <p:cNvPr name="TextBox 6" id="6"/>
-          <p:cNvSpPr txBox="true"/>
+        <p:txBody>
+          <a:bodyPr/>
+          <a:lstStyle/>
+          <a:p>
+            <a:endParaRPr lang="en-US"/>
+          </a:p>
+        </p:txBody>
+      </p:sp>
+      <p:sp>
+        <p:nvSpPr>
+          <p:cNvPr id="6" name="TextBox 6"/>
+          <p:cNvSpPr txBox="1"/>
           <p:nvPr/>
         </p:nvSpPr>
         <p:spPr>
-          <a:xfrm rot="0">
+          <a:xfrm>
             <a:off x="7880049" y="3352264"/>
             <a:ext cx="9624305" cy="3391972"/>
           </a:xfrm>
@@ -7408,7 +7818,7 @@
           </a:prstGeom>
         </p:spPr>
         <p:txBody>
-          <a:bodyPr anchor="t" rtlCol="false" tIns="0" lIns="0" bIns="0" rIns="0">
+          <a:bodyPr lIns="0" tIns="0" rIns="0" bIns="0" rtlCol="0" anchor="t">
             <a:spAutoFit/>
           </a:bodyPr>
           <a:lstStyle/>
@@ -7435,14 +7845,14 @@
       </p:sp>
       <p:grpSp>
         <p:nvGrpSpPr>
-          <p:cNvPr name="Group 7" id="7"/>
+          <p:cNvPr id="7" name="Group 7"/>
           <p:cNvGrpSpPr>
-            <a:grpSpLocks noChangeAspect="true"/>
+            <a:grpSpLocks noChangeAspect="1"/>
           </p:cNvGrpSpPr>
           <p:nvPr/>
         </p:nvGrpSpPr>
         <p:grpSpPr>
-          <a:xfrm rot="0">
+          <a:xfrm>
             <a:off x="1684966" y="6947774"/>
             <a:ext cx="2864515" cy="2864503"/>
             <a:chOff x="0" y="0"/>
@@ -7451,12 +7861,12 @@
         </p:grpSpPr>
         <p:sp>
           <p:nvSpPr>
-            <p:cNvPr name="Freeform 8" id="8"/>
+            <p:cNvPr id="8" name="Freeform 8"/>
             <p:cNvSpPr/>
             <p:nvPr/>
           </p:nvSpPr>
           <p:spPr>
-            <a:xfrm flipH="false" flipV="false" rot="0">
+            <a:xfrm>
               <a:off x="0" y="0"/>
               <a:ext cx="6350000" cy="6349974"/>
             </a:xfrm>
@@ -7465,9 +7875,9 @@
               <a:gdLst/>
               <a:ahLst/>
               <a:cxnLst/>
-              <a:rect r="r" b="b" t="t" l="l"/>
+              <a:rect l="l" t="t" r="r" b="b"/>
               <a:pathLst>
-                <a:path h="6349974" w="6350000">
+                <a:path w="6350000" h="6349974">
                   <a:moveTo>
                     <a:pt x="6350000" y="3175025"/>
                   </a:moveTo>
@@ -7498,10 +7908,17 @@
             <a:blipFill>
               <a:blip r:embed="rId6"/>
               <a:stretch>
-                <a:fillRect l="-12075" t="0" r="-12075" b="0"/>
+                <a:fillRect l="-12075" r="-12075"/>
               </a:stretch>
             </a:blipFill>
           </p:spPr>
+          <p:txBody>
+            <a:bodyPr/>
+            <a:lstStyle/>
+            <a:p>
+              <a:endParaRPr lang="en-US"/>
+            </a:p>
+          </p:txBody>
         </p:sp>
       </p:grpSp>
     </p:spTree>
@@ -7513,13 +7930,14 @@
 </file>
 
 <file path=ppt/slides/slide2.xml><?xml version="1.0" encoding="utf-8"?>
-<p:sld xmlns:p="http://schemas.openxmlformats.org/presentationml/2006/main" xmlns:a="http://schemas.openxmlformats.org/drawingml/2006/main" xmlns:r="http://schemas.openxmlformats.org/officeDocument/2006/relationships">
+<p:sld xmlns:a="http://schemas.openxmlformats.org/drawingml/2006/main" xmlns:r="http://schemas.openxmlformats.org/officeDocument/2006/relationships" xmlns:p="http://schemas.openxmlformats.org/presentationml/2006/main">
   <p:cSld>
     <p:bg>
       <p:bgPr>
         <a:solidFill>
           <a:srgbClr val="000914"/>
         </a:solidFill>
+        <a:effectLst/>
       </p:bgPr>
     </p:bg>
     <p:spTree>
@@ -7538,12 +7956,12 @@
       </p:grpSpPr>
       <p:sp>
         <p:nvSpPr>
-          <p:cNvPr name="Freeform 2" id="2"/>
+          <p:cNvPr id="2" name="Freeform 2"/>
           <p:cNvSpPr/>
           <p:nvPr/>
         </p:nvSpPr>
         <p:spPr>
-          <a:xfrm flipH="false" flipV="false" rot="0">
+          <a:xfrm>
             <a:off x="44528" y="3019224"/>
             <a:ext cx="18243472" cy="10033909"/>
           </a:xfrm>
@@ -7552,9 +7970,9 @@
             <a:gdLst/>
             <a:ahLst/>
             <a:cxnLst/>
-            <a:rect r="r" b="b" t="t" l="l"/>
+            <a:rect l="l" t="t" r="r" b="b"/>
             <a:pathLst>
-              <a:path h="10033909" w="18243472">
+              <a:path w="18243472" h="10033909">
                 <a:moveTo>
                   <a:pt x="0" y="0"/>
                 </a:moveTo>
@@ -7583,19 +8001,26 @@
               </a:extLst>
             </a:blip>
             <a:stretch>
-              <a:fillRect l="0" t="0" r="0" b="0"/>
+              <a:fillRect/>
             </a:stretch>
           </a:blipFill>
         </p:spPr>
-      </p:sp>
-      <p:sp>
-        <p:nvSpPr>
-          <p:cNvPr name="TextBox 3" id="3"/>
-          <p:cNvSpPr txBox="true"/>
+        <p:txBody>
+          <a:bodyPr/>
+          <a:lstStyle/>
+          <a:p>
+            <a:endParaRPr lang="en-US"/>
+          </a:p>
+        </p:txBody>
+      </p:sp>
+      <p:sp>
+        <p:nvSpPr>
+          <p:cNvPr id="3" name="TextBox 3"/>
+          <p:cNvSpPr txBox="1"/>
           <p:nvPr/>
         </p:nvSpPr>
         <p:spPr>
-          <a:xfrm rot="0">
+          <a:xfrm>
             <a:off x="6135301" y="1658355"/>
             <a:ext cx="6017399" cy="1226820"/>
           </a:xfrm>
@@ -7604,7 +8029,7 @@
           </a:prstGeom>
         </p:spPr>
         <p:txBody>
-          <a:bodyPr anchor="t" rtlCol="false" tIns="0" lIns="0" bIns="0" rIns="0">
+          <a:bodyPr lIns="0" tIns="0" rIns="0" bIns="0" rtlCol="0" anchor="t">
             <a:spAutoFit/>
           </a:bodyPr>
           <a:lstStyle/>
@@ -7631,12 +8056,12 @@
       </p:sp>
       <p:sp>
         <p:nvSpPr>
-          <p:cNvPr name="TextBox 4" id="4"/>
-          <p:cNvSpPr txBox="true"/>
+          <p:cNvPr id="4" name="TextBox 4"/>
+          <p:cNvSpPr txBox="1"/>
           <p:nvPr/>
         </p:nvSpPr>
         <p:spPr>
-          <a:xfrm rot="0">
+          <a:xfrm>
             <a:off x="3504299" y="3344498"/>
             <a:ext cx="11279402" cy="1662800"/>
           </a:xfrm>
@@ -7645,12 +8070,12 @@
           </a:prstGeom>
         </p:spPr>
         <p:txBody>
-          <a:bodyPr anchor="t" rtlCol="false" tIns="0" lIns="0" bIns="0" rIns="0">
+          <a:bodyPr lIns="0" tIns="0" rIns="0" bIns="0" rtlCol="0" anchor="t">
             <a:spAutoFit/>
           </a:bodyPr>
           <a:lstStyle/>
           <a:p>
-            <a:pPr marL="518160" indent="-259080" lvl="1">
+            <a:pPr marL="518160" lvl="1" indent="-259080">
               <a:lnSpc>
                 <a:spcPts val="3359"/>
               </a:lnSpc>
@@ -7668,7 +8093,7 @@
             </a:r>
           </a:p>
           <a:p>
-            <a:pPr marL="518160" indent="-259080" lvl="1">
+            <a:pPr marL="518160" lvl="1" indent="-259080">
               <a:lnSpc>
                 <a:spcPts val="3359"/>
               </a:lnSpc>
@@ -7682,20 +8107,11 @@
                 </a:solidFill>
                 <a:latin typeface="DM Sans"/>
               </a:rPr>
-              <a:t>Eventually: mis</a:t>
-            </a:r>
-            <a:r>
-              <a:rPr lang="en-US" sz="2400">
-                <a:solidFill>
-                  <a:srgbClr val="FFFFFF"/>
-                </a:solidFill>
-                <a:latin typeface="DM Sans"/>
-              </a:rPr>
-              <a:t>sed deadlines, decreased productivity, and increased stress.</a:t>
-            </a:r>
-          </a:p>
-          <a:p>
-            <a:pPr marL="518160" indent="-259080" lvl="1">
+              <a:t>Eventually: missed deadlines, decreased productivity, and increased stress.</a:t>
+            </a:r>
+          </a:p>
+          <a:p>
+            <a:pPr marL="518160" lvl="1" indent="-259080">
               <a:lnSpc>
                 <a:spcPts val="3359"/>
               </a:lnSpc>
@@ -7713,7 +8129,7 @@
             </a:r>
           </a:p>
           <a:p>
-            <a:pPr marL="518160" indent="-259080" lvl="1">
+            <a:pPr marL="518160" lvl="1" indent="-259080">
               <a:lnSpc>
                 <a:spcPts val="3359"/>
               </a:lnSpc>
@@ -7737,12 +8153,12 @@
       </p:sp>
       <p:grpSp>
         <p:nvGrpSpPr>
-          <p:cNvPr name="Group 5" id="5"/>
+          <p:cNvPr id="5" name="Group 5"/>
           <p:cNvGrpSpPr/>
           <p:nvPr/>
         </p:nvGrpSpPr>
         <p:grpSpPr>
-          <a:xfrm rot="0">
+          <a:xfrm>
             <a:off x="2949575" y="5514246"/>
             <a:ext cx="12388850" cy="2981049"/>
             <a:chOff x="0" y="0"/>
@@ -7751,12 +8167,12 @@
         </p:grpSpPr>
         <p:sp>
           <p:nvSpPr>
-            <p:cNvPr name="Freeform 6" id="6"/>
+            <p:cNvPr id="6" name="Freeform 6"/>
             <p:cNvSpPr/>
             <p:nvPr/>
           </p:nvSpPr>
           <p:spPr>
-            <a:xfrm flipH="false" flipV="false" rot="0">
+            <a:xfrm>
               <a:off x="0" y="0"/>
               <a:ext cx="16511840" cy="3061492"/>
             </a:xfrm>
@@ -7765,9 +8181,9 @@
               <a:gdLst/>
               <a:ahLst/>
               <a:cxnLst/>
-              <a:rect r="r" b="b" t="t" l="l"/>
+              <a:rect l="l" t="t" r="r" b="b"/>
               <a:pathLst>
-                <a:path h="3061492" w="16511840">
+                <a:path w="16511840" h="3061492">
                   <a:moveTo>
                     <a:pt x="0" y="0"/>
                   </a:moveTo>
@@ -7790,19 +8206,26 @@
             <a:blipFill>
               <a:blip r:embed="rId4"/>
               <a:stretch>
-                <a:fillRect l="0" t="0" r="0" b="-352897"/>
+                <a:fillRect b="-352897"/>
               </a:stretch>
             </a:blipFill>
           </p:spPr>
+          <p:txBody>
+            <a:bodyPr/>
+            <a:lstStyle/>
+            <a:p>
+              <a:endParaRPr lang="en-US"/>
+            </a:p>
+          </p:txBody>
         </p:sp>
         <p:sp>
           <p:nvSpPr>
-            <p:cNvPr name="Freeform 7" id="7"/>
+            <p:cNvPr id="7" name="Freeform 7"/>
             <p:cNvSpPr/>
             <p:nvPr/>
           </p:nvSpPr>
           <p:spPr>
-            <a:xfrm flipH="false" flipV="false" rot="0">
+            <a:xfrm>
               <a:off x="6626" y="2695608"/>
               <a:ext cx="16511840" cy="1279124"/>
             </a:xfrm>
@@ -7811,9 +8234,9 @@
               <a:gdLst/>
               <a:ahLst/>
               <a:cxnLst/>
-              <a:rect r="r" b="b" t="t" l="l"/>
+              <a:rect l="l" t="t" r="r" b="b"/>
               <a:pathLst>
-                <a:path h="1279124" w="16511840">
+                <a:path w="16511840" h="1279124">
                   <a:moveTo>
                     <a:pt x="0" y="0"/>
                   </a:moveTo>
@@ -7836,10 +8259,17 @@
             <a:blipFill>
               <a:blip r:embed="rId4"/>
               <a:stretch>
-                <a:fillRect l="0" t="-291071" r="0" b="-692905"/>
+                <a:fillRect t="-291071" b="-692905"/>
               </a:stretch>
             </a:blipFill>
           </p:spPr>
+          <p:txBody>
+            <a:bodyPr/>
+            <a:lstStyle/>
+            <a:p>
+              <a:endParaRPr lang="en-US"/>
+            </a:p>
+          </p:txBody>
         </p:sp>
       </p:grpSp>
     </p:spTree>
@@ -7851,13 +8281,14 @@
 </file>
 
 <file path=ppt/slides/slide3.xml><?xml version="1.0" encoding="utf-8"?>
-<p:sld xmlns:p="http://schemas.openxmlformats.org/presentationml/2006/main" xmlns:a="http://schemas.openxmlformats.org/drawingml/2006/main" xmlns:r="http://schemas.openxmlformats.org/officeDocument/2006/relationships">
+<p:sld xmlns:a="http://schemas.openxmlformats.org/drawingml/2006/main" xmlns:r="http://schemas.openxmlformats.org/officeDocument/2006/relationships" xmlns:p="http://schemas.openxmlformats.org/presentationml/2006/main">
   <p:cSld>
     <p:bg>
       <p:bgPr>
         <a:solidFill>
           <a:srgbClr val="000914"/>
         </a:solidFill>
+        <a:effectLst/>
       </p:bgPr>
     </p:bg>
     <p:spTree>
@@ -7876,12 +8307,12 @@
       </p:grpSpPr>
       <p:sp>
         <p:nvSpPr>
-          <p:cNvPr name="Freeform 2" id="2"/>
+          <p:cNvPr id="2" name="Freeform 2"/>
           <p:cNvSpPr/>
           <p:nvPr/>
         </p:nvSpPr>
         <p:spPr>
-          <a:xfrm flipH="false" flipV="false" rot="1676954">
+          <a:xfrm rot="1676954">
             <a:off x="14878477" y="-606828"/>
             <a:ext cx="3411534" cy="3455514"/>
           </a:xfrm>
@@ -7890,9 +8321,9 @@
             <a:gdLst/>
             <a:ahLst/>
             <a:cxnLst/>
-            <a:rect r="r" b="b" t="t" l="l"/>
+            <a:rect l="l" t="t" r="r" b="b"/>
             <a:pathLst>
-              <a:path h="3455514" w="3411534">
+              <a:path w="3411534" h="3455514">
                 <a:moveTo>
                   <a:pt x="0" y="0"/>
                 </a:moveTo>
@@ -7922,19 +8353,26 @@
               </a:extLst>
             </a:blip>
             <a:stretch>
-              <a:fillRect l="0" t="0" r="0" b="0"/>
+              <a:fillRect/>
             </a:stretch>
           </a:blipFill>
         </p:spPr>
-      </p:sp>
-      <p:sp>
-        <p:nvSpPr>
-          <p:cNvPr name="Freeform 3" id="3"/>
+        <p:txBody>
+          <a:bodyPr/>
+          <a:lstStyle/>
+          <a:p>
+            <a:endParaRPr lang="en-US"/>
+          </a:p>
+        </p:txBody>
+      </p:sp>
+      <p:sp>
+        <p:nvSpPr>
+          <p:cNvPr id="3" name="Freeform 3"/>
           <p:cNvSpPr/>
           <p:nvPr/>
         </p:nvSpPr>
         <p:spPr>
-          <a:xfrm flipH="true" flipV="false" rot="1676954">
+          <a:xfrm rot="1676954" flipH="1">
             <a:off x="-201135" y="-606828"/>
             <a:ext cx="3411534" cy="3455514"/>
           </a:xfrm>
@@ -7943,9 +8381,9 @@
             <a:gdLst/>
             <a:ahLst/>
             <a:cxnLst/>
-            <a:rect r="r" b="b" t="t" l="l"/>
+            <a:rect l="l" t="t" r="r" b="b"/>
             <a:pathLst>
-              <a:path h="3455514" w="3411534">
+              <a:path w="3411534" h="3455514">
                 <a:moveTo>
                   <a:pt x="3411534" y="0"/>
                 </a:moveTo>
@@ -7975,21 +8413,28 @@
               </a:extLst>
             </a:blip>
             <a:stretch>
-              <a:fillRect l="0" t="0" r="0" b="0"/>
+              <a:fillRect/>
             </a:stretch>
           </a:blipFill>
         </p:spPr>
+        <p:txBody>
+          <a:bodyPr/>
+          <a:lstStyle/>
+          <a:p>
+            <a:endParaRPr lang="en-US"/>
+          </a:p>
+        </p:txBody>
       </p:sp>
       <p:grpSp>
         <p:nvGrpSpPr>
-          <p:cNvPr name="Group 4" id="4"/>
+          <p:cNvPr id="4" name="Group 4"/>
           <p:cNvGrpSpPr>
-            <a:grpSpLocks noChangeAspect="true"/>
+            <a:grpSpLocks noChangeAspect="1"/>
           </p:cNvGrpSpPr>
           <p:nvPr/>
         </p:nvGrpSpPr>
         <p:grpSpPr>
-          <a:xfrm rot="0">
+          <a:xfrm>
             <a:off x="7444846" y="1888655"/>
             <a:ext cx="3115984" cy="3115971"/>
             <a:chOff x="0" y="0"/>
@@ -7998,12 +8443,12 @@
         </p:grpSpPr>
         <p:sp>
           <p:nvSpPr>
-            <p:cNvPr name="Freeform 5" id="5"/>
+            <p:cNvPr id="5" name="Freeform 5"/>
             <p:cNvSpPr/>
             <p:nvPr/>
           </p:nvSpPr>
           <p:spPr>
-            <a:xfrm flipH="false" flipV="false" rot="0">
+            <a:xfrm>
               <a:off x="0" y="0"/>
               <a:ext cx="6350000" cy="6349974"/>
             </a:xfrm>
@@ -8012,9 +8457,9 @@
               <a:gdLst/>
               <a:ahLst/>
               <a:cxnLst/>
-              <a:rect r="r" b="b" t="t" l="l"/>
+              <a:rect l="l" t="t" r="r" b="b"/>
               <a:pathLst>
-                <a:path h="6349974" w="6350000">
+                <a:path w="6350000" h="6349974">
                   <a:moveTo>
                     <a:pt x="6350000" y="3175025"/>
                   </a:moveTo>
@@ -8049,16 +8494,23 @@
               </a:stretch>
             </a:blipFill>
           </p:spPr>
+          <p:txBody>
+            <a:bodyPr/>
+            <a:lstStyle/>
+            <a:p>
+              <a:endParaRPr lang="en-US"/>
+            </a:p>
+          </p:txBody>
         </p:sp>
       </p:grpSp>
       <p:sp>
         <p:nvSpPr>
-          <p:cNvPr name="Freeform 6" id="6"/>
+          <p:cNvPr id="6" name="Freeform 6"/>
           <p:cNvSpPr/>
           <p:nvPr/>
         </p:nvSpPr>
         <p:spPr>
-          <a:xfrm flipH="false" flipV="false" rot="0">
+          <a:xfrm>
             <a:off x="44528" y="3019224"/>
             <a:ext cx="18243472" cy="10033909"/>
           </a:xfrm>
@@ -8067,9 +8519,9 @@
             <a:gdLst/>
             <a:ahLst/>
             <a:cxnLst/>
-            <a:rect r="r" b="b" t="t" l="l"/>
+            <a:rect l="l" t="t" r="r" b="b"/>
             <a:pathLst>
-              <a:path h="10033909" w="18243472">
+              <a:path w="18243472" h="10033909">
                 <a:moveTo>
                   <a:pt x="0" y="0"/>
                 </a:moveTo>
@@ -8098,19 +8550,26 @@
               </a:extLst>
             </a:blip>
             <a:stretch>
-              <a:fillRect l="0" t="0" r="0" b="0"/>
+              <a:fillRect/>
             </a:stretch>
           </a:blipFill>
         </p:spPr>
+        <p:txBody>
+          <a:bodyPr/>
+          <a:lstStyle/>
+          <a:p>
+            <a:endParaRPr lang="en-US"/>
+          </a:p>
+        </p:txBody>
       </p:sp>
       <p:grpSp>
         <p:nvGrpSpPr>
-          <p:cNvPr name="Group 7" id="7"/>
+          <p:cNvPr id="7" name="Group 7"/>
           <p:cNvGrpSpPr/>
           <p:nvPr/>
         </p:nvGrpSpPr>
         <p:grpSpPr>
-          <a:xfrm rot="0">
+          <a:xfrm>
             <a:off x="2899326" y="5143500"/>
             <a:ext cx="966780" cy="966780"/>
             <a:chOff x="0" y="0"/>
@@ -8119,12 +8578,12 @@
         </p:grpSpPr>
         <p:sp>
           <p:nvSpPr>
-            <p:cNvPr name="Freeform 8" id="8"/>
+            <p:cNvPr id="8" name="Freeform 8"/>
             <p:cNvSpPr/>
             <p:nvPr/>
           </p:nvSpPr>
           <p:spPr>
-            <a:xfrm flipH="false" flipV="false" rot="0">
+            <a:xfrm>
               <a:off x="1813" y="0"/>
               <a:ext cx="809173" cy="812800"/>
             </a:xfrm>
@@ -8133,9 +8592,9 @@
               <a:gdLst/>
               <a:ahLst/>
               <a:cxnLst/>
-              <a:rect r="r" b="b" t="t" l="l"/>
+              <a:rect l="l" t="t" r="r" b="b"/>
               <a:pathLst>
-                <a:path h="812800" w="809173">
+                <a:path w="809173" h="812800">
                   <a:moveTo>
                     <a:pt x="404587" y="0"/>
                   </a:moveTo>
@@ -8167,11 +8626,18 @@
               <a:srgbClr val="FFFFFF"/>
             </a:solidFill>
           </p:spPr>
+          <p:txBody>
+            <a:bodyPr/>
+            <a:lstStyle/>
+            <a:p>
+              <a:endParaRPr lang="en-US"/>
+            </a:p>
+          </p:txBody>
         </p:sp>
         <p:sp>
           <p:nvSpPr>
-            <p:cNvPr name="TextBox 9" id="9"/>
-            <p:cNvSpPr txBox="true"/>
+            <p:cNvPr id="9" name="TextBox 9"/>
+            <p:cNvSpPr txBox="1"/>
             <p:nvPr/>
           </p:nvSpPr>
           <p:spPr>
@@ -8184,7 +8650,7 @@
             </a:prstGeom>
           </p:spPr>
           <p:txBody>
-            <a:bodyPr anchor="ctr" rtlCol="false" tIns="50800" lIns="50800" bIns="50800" rIns="50800"/>
+            <a:bodyPr lIns="50800" tIns="50800" rIns="50800" bIns="50800" rtlCol="0" anchor="ctr"/>
             <a:lstStyle/>
             <a:p>
               <a:pPr algn="ctr">
@@ -8192,18 +8658,19 @@
                   <a:spcPts val="2800"/>
                 </a:lnSpc>
               </a:pPr>
+              <a:endParaRPr/>
             </a:p>
           </p:txBody>
         </p:sp>
       </p:grpSp>
       <p:grpSp>
         <p:nvGrpSpPr>
-          <p:cNvPr name="Group 10" id="10"/>
+          <p:cNvPr id="10" name="Group 10"/>
           <p:cNvGrpSpPr/>
           <p:nvPr/>
         </p:nvGrpSpPr>
         <p:grpSpPr>
-          <a:xfrm rot="0">
+          <a:xfrm>
             <a:off x="8519449" y="5143500"/>
             <a:ext cx="966780" cy="966780"/>
             <a:chOff x="0" y="0"/>
@@ -8212,12 +8679,12 @@
         </p:grpSpPr>
         <p:sp>
           <p:nvSpPr>
-            <p:cNvPr name="Freeform 11" id="11"/>
+            <p:cNvPr id="11" name="Freeform 11"/>
             <p:cNvSpPr/>
             <p:nvPr/>
           </p:nvSpPr>
           <p:spPr>
-            <a:xfrm flipH="false" flipV="false" rot="0">
+            <a:xfrm>
               <a:off x="1813" y="0"/>
               <a:ext cx="809173" cy="812800"/>
             </a:xfrm>
@@ -8226,9 +8693,9 @@
               <a:gdLst/>
               <a:ahLst/>
               <a:cxnLst/>
-              <a:rect r="r" b="b" t="t" l="l"/>
+              <a:rect l="l" t="t" r="r" b="b"/>
               <a:pathLst>
-                <a:path h="812800" w="809173">
+                <a:path w="809173" h="812800">
                   <a:moveTo>
                     <a:pt x="404587" y="0"/>
                   </a:moveTo>
@@ -8260,11 +8727,18 @@
               <a:srgbClr val="FFFFFF"/>
             </a:solidFill>
           </p:spPr>
+          <p:txBody>
+            <a:bodyPr/>
+            <a:lstStyle/>
+            <a:p>
+              <a:endParaRPr lang="en-US"/>
+            </a:p>
+          </p:txBody>
         </p:sp>
         <p:sp>
           <p:nvSpPr>
-            <p:cNvPr name="TextBox 12" id="12"/>
-            <p:cNvSpPr txBox="true"/>
+            <p:cNvPr id="12" name="TextBox 12"/>
+            <p:cNvSpPr txBox="1"/>
             <p:nvPr/>
           </p:nvSpPr>
           <p:spPr>
@@ -8277,7 +8751,7 @@
             </a:prstGeom>
           </p:spPr>
           <p:txBody>
-            <a:bodyPr anchor="ctr" rtlCol="false" tIns="50800" lIns="50800" bIns="50800" rIns="50800"/>
+            <a:bodyPr lIns="50800" tIns="50800" rIns="50800" bIns="50800" rtlCol="0" anchor="ctr"/>
             <a:lstStyle/>
             <a:p>
               <a:pPr algn="ctr">
@@ -8285,18 +8759,19 @@
                   <a:spcPts val="2800"/>
                 </a:lnSpc>
               </a:pPr>
+              <a:endParaRPr/>
             </a:p>
           </p:txBody>
         </p:sp>
       </p:grpSp>
       <p:sp>
         <p:nvSpPr>
-          <p:cNvPr name="TextBox 13" id="13"/>
-          <p:cNvSpPr txBox="true"/>
+          <p:cNvPr id="13" name="TextBox 13"/>
+          <p:cNvSpPr txBox="1"/>
           <p:nvPr/>
         </p:nvSpPr>
         <p:spPr>
-          <a:xfrm rot="0">
+          <a:xfrm>
             <a:off x="3052932" y="5331642"/>
             <a:ext cx="659566" cy="523821"/>
           </a:xfrm>
@@ -8305,7 +8780,7 @@
           </a:prstGeom>
         </p:spPr>
         <p:txBody>
-          <a:bodyPr anchor="t" rtlCol="false" tIns="0" lIns="0" bIns="0" rIns="0">
+          <a:bodyPr lIns="0" tIns="0" rIns="0" bIns="0" rtlCol="0" anchor="t">
             <a:spAutoFit/>
           </a:bodyPr>
           <a:lstStyle/>
@@ -8332,12 +8807,12 @@
       </p:sp>
       <p:sp>
         <p:nvSpPr>
-          <p:cNvPr name="TextBox 14" id="14"/>
-          <p:cNvSpPr txBox="true"/>
+          <p:cNvPr id="14" name="TextBox 14"/>
+          <p:cNvSpPr txBox="1"/>
           <p:nvPr/>
         </p:nvSpPr>
         <p:spPr>
-          <a:xfrm rot="0">
+          <a:xfrm>
             <a:off x="8673055" y="5331642"/>
             <a:ext cx="659566" cy="523821"/>
           </a:xfrm>
@@ -8346,7 +8821,7 @@
           </a:prstGeom>
         </p:spPr>
         <p:txBody>
-          <a:bodyPr anchor="t" rtlCol="false" tIns="0" lIns="0" bIns="0" rIns="0">
+          <a:bodyPr lIns="0" tIns="0" rIns="0" bIns="0" rtlCol="0" anchor="t">
             <a:spAutoFit/>
           </a:bodyPr>
           <a:lstStyle/>
@@ -8373,12 +8848,12 @@
       </p:sp>
       <p:sp>
         <p:nvSpPr>
-          <p:cNvPr name="TextBox 15" id="15"/>
-          <p:cNvSpPr txBox="true"/>
+          <p:cNvPr id="15" name="TextBox 15"/>
+          <p:cNvSpPr txBox="1"/>
           <p:nvPr/>
         </p:nvSpPr>
         <p:spPr>
-          <a:xfrm rot="0">
+          <a:xfrm>
             <a:off x="1530158" y="6679876"/>
             <a:ext cx="4038491" cy="2082165"/>
           </a:xfrm>
@@ -8387,7 +8862,7 @@
           </a:prstGeom>
         </p:spPr>
         <p:txBody>
-          <a:bodyPr anchor="t" rtlCol="false" tIns="0" lIns="0" bIns="0" rIns="0">
+          <a:bodyPr lIns="0" tIns="0" rIns="0" bIns="0" rtlCol="0" anchor="t">
             <a:spAutoFit/>
           </a:bodyPr>
           <a:lstStyle/>
@@ -8428,17 +8903,23 @@
                 <a:spcPct val="0"/>
               </a:spcBef>
             </a:pPr>
-          </a:p>
-        </p:txBody>
-      </p:sp>
-      <p:sp>
-        <p:nvSpPr>
-          <p:cNvPr name="TextBox 16" id="16"/>
-          <p:cNvSpPr txBox="true"/>
+            <a:endParaRPr lang="en-US" sz="2400">
+              <a:solidFill>
+                <a:srgbClr val="FFFFFF"/>
+              </a:solidFill>
+              <a:latin typeface="DM Sans"/>
+            </a:endParaRPr>
+          </a:p>
+        </p:txBody>
+      </p:sp>
+      <p:sp>
+        <p:nvSpPr>
+          <p:cNvPr id="16" name="TextBox 16"/>
+          <p:cNvSpPr txBox="1"/>
           <p:nvPr/>
         </p:nvSpPr>
         <p:spPr>
-          <a:xfrm rot="0">
+          <a:xfrm>
             <a:off x="7137976" y="6748455"/>
             <a:ext cx="4038491" cy="2501265"/>
           </a:xfrm>
@@ -8447,7 +8928,7 @@
           </a:prstGeom>
         </p:spPr>
         <p:txBody>
-          <a:bodyPr anchor="t" rtlCol="false" tIns="0" lIns="0" bIns="0" rIns="0">
+          <a:bodyPr lIns="0" tIns="0" rIns="0" bIns="0" rtlCol="0" anchor="t">
             <a:spAutoFit/>
           </a:bodyPr>
           <a:lstStyle/>
@@ -8499,12 +8980,12 @@
       </p:sp>
       <p:grpSp>
         <p:nvGrpSpPr>
-          <p:cNvPr name="Group 17" id="17"/>
+          <p:cNvPr id="17" name="Group 17"/>
           <p:cNvGrpSpPr/>
           <p:nvPr/>
         </p:nvGrpSpPr>
         <p:grpSpPr>
-          <a:xfrm rot="0">
+          <a:xfrm>
             <a:off x="14138742" y="5143500"/>
             <a:ext cx="966780" cy="966780"/>
             <a:chOff x="0" y="0"/>
@@ -8513,12 +8994,12 @@
         </p:grpSpPr>
         <p:sp>
           <p:nvSpPr>
-            <p:cNvPr name="Freeform 18" id="18"/>
+            <p:cNvPr id="18" name="Freeform 18"/>
             <p:cNvSpPr/>
             <p:nvPr/>
           </p:nvSpPr>
           <p:spPr>
-            <a:xfrm flipH="false" flipV="false" rot="0">
+            <a:xfrm>
               <a:off x="1813" y="0"/>
               <a:ext cx="809173" cy="812800"/>
             </a:xfrm>
@@ -8527,9 +9008,9 @@
               <a:gdLst/>
               <a:ahLst/>
               <a:cxnLst/>
-              <a:rect r="r" b="b" t="t" l="l"/>
+              <a:rect l="l" t="t" r="r" b="b"/>
               <a:pathLst>
-                <a:path h="812800" w="809173">
+                <a:path w="809173" h="812800">
                   <a:moveTo>
                     <a:pt x="404587" y="0"/>
                   </a:moveTo>
@@ -8561,11 +9042,18 @@
               <a:srgbClr val="FFFFFF"/>
             </a:solidFill>
           </p:spPr>
+          <p:txBody>
+            <a:bodyPr/>
+            <a:lstStyle/>
+            <a:p>
+              <a:endParaRPr lang="en-US"/>
+            </a:p>
+          </p:txBody>
         </p:sp>
         <p:sp>
           <p:nvSpPr>
-            <p:cNvPr name="TextBox 19" id="19"/>
-            <p:cNvSpPr txBox="true"/>
+            <p:cNvPr id="19" name="TextBox 19"/>
+            <p:cNvSpPr txBox="1"/>
             <p:nvPr/>
           </p:nvSpPr>
           <p:spPr>
@@ -8578,7 +9066,7 @@
             </a:prstGeom>
           </p:spPr>
           <p:txBody>
-            <a:bodyPr anchor="ctr" rtlCol="false" tIns="50800" lIns="50800" bIns="50800" rIns="50800"/>
+            <a:bodyPr lIns="50800" tIns="50800" rIns="50800" bIns="50800" rtlCol="0" anchor="ctr"/>
             <a:lstStyle/>
             <a:p>
               <a:pPr algn="ctr">
@@ -8586,18 +9074,19 @@
                   <a:spcPts val="2800"/>
                 </a:lnSpc>
               </a:pPr>
+              <a:endParaRPr/>
             </a:p>
           </p:txBody>
         </p:sp>
       </p:grpSp>
       <p:sp>
         <p:nvSpPr>
-          <p:cNvPr name="TextBox 20" id="20"/>
-          <p:cNvSpPr txBox="true"/>
+          <p:cNvPr id="20" name="TextBox 20"/>
+          <p:cNvSpPr txBox="1"/>
           <p:nvPr/>
         </p:nvSpPr>
         <p:spPr>
-          <a:xfrm rot="0">
+          <a:xfrm>
             <a:off x="14293178" y="5331642"/>
             <a:ext cx="659566" cy="523821"/>
           </a:xfrm>
@@ -8606,7 +9095,7 @@
           </a:prstGeom>
         </p:spPr>
         <p:txBody>
-          <a:bodyPr anchor="t" rtlCol="false" tIns="0" lIns="0" bIns="0" rIns="0">
+          <a:bodyPr lIns="0" tIns="0" rIns="0" bIns="0" rtlCol="0" anchor="t">
             <a:spAutoFit/>
           </a:bodyPr>
           <a:lstStyle/>
@@ -8633,12 +9122,12 @@
       </p:sp>
       <p:sp>
         <p:nvSpPr>
-          <p:cNvPr name="TextBox 21" id="21"/>
-          <p:cNvSpPr txBox="true"/>
+          <p:cNvPr id="21" name="TextBox 21"/>
+          <p:cNvSpPr txBox="1"/>
           <p:nvPr/>
         </p:nvSpPr>
         <p:spPr>
-          <a:xfrm rot="0">
+          <a:xfrm>
             <a:off x="12767142" y="6889426"/>
             <a:ext cx="4038491" cy="1663065"/>
           </a:xfrm>
@@ -8647,7 +9136,7 @@
           </a:prstGeom>
         </p:spPr>
         <p:txBody>
-          <a:bodyPr anchor="t" rtlCol="false" tIns="0" lIns="0" bIns="0" rIns="0">
+          <a:bodyPr lIns="0" tIns="0" rIns="0" bIns="0" rtlCol="0" anchor="t">
             <a:spAutoFit/>
           </a:bodyPr>
           <a:lstStyle/>
@@ -8692,7 +9181,7 @@
       </p:sp>
       <p:sp>
         <p:nvSpPr>
-          <p:cNvPr name="AutoShape 22" id="22"/>
+          <p:cNvPr id="22" name="AutoShape 22"/>
           <p:cNvSpPr/>
           <p:nvPr/>
         </p:nvSpPr>
@@ -8704,19 +9193,26 @@
           <a:prstGeom prst="line">
             <a:avLst/>
           </a:prstGeom>
-          <a:ln cap="flat" w="28575">
+          <a:ln w="28575" cap="flat">
             <a:solidFill>
               <a:srgbClr val="FFFFFF"/>
             </a:solidFill>
             <a:prstDash val="solid"/>
-            <a:headEnd type="none" len="sm" w="sm"/>
-            <a:tailEnd type="none" len="sm" w="sm"/>
+            <a:headEnd type="none" w="sm" len="sm"/>
+            <a:tailEnd type="none" w="sm" len="sm"/>
           </a:ln>
         </p:spPr>
-      </p:sp>
-      <p:sp>
-        <p:nvSpPr>
-          <p:cNvPr name="AutoShape 23" id="23"/>
+        <p:txBody>
+          <a:bodyPr/>
+          <a:lstStyle/>
+          <a:p>
+            <a:endParaRPr lang="en-US"/>
+          </a:p>
+        </p:txBody>
+      </p:sp>
+      <p:sp>
+        <p:nvSpPr>
+          <p:cNvPr id="23" name="AutoShape 23"/>
           <p:cNvSpPr/>
           <p:nvPr/>
         </p:nvSpPr>
@@ -8728,24 +9224,31 @@
           <a:prstGeom prst="line">
             <a:avLst/>
           </a:prstGeom>
-          <a:ln cap="flat" w="28575">
+          <a:ln w="28575" cap="flat">
             <a:solidFill>
               <a:srgbClr val="FFFFFF"/>
             </a:solidFill>
             <a:prstDash val="solid"/>
-            <a:headEnd type="none" len="sm" w="sm"/>
-            <a:tailEnd type="none" len="sm" w="sm"/>
+            <a:headEnd type="none" w="sm" len="sm"/>
+            <a:tailEnd type="none" w="sm" len="sm"/>
           </a:ln>
         </p:spPr>
-      </p:sp>
-      <p:sp>
-        <p:nvSpPr>
-          <p:cNvPr name="TextBox 24" id="24"/>
-          <p:cNvSpPr txBox="true"/>
+        <p:txBody>
+          <a:bodyPr/>
+          <a:lstStyle/>
+          <a:p>
+            <a:endParaRPr lang="en-US"/>
+          </a:p>
+        </p:txBody>
+      </p:sp>
+      <p:sp>
+        <p:nvSpPr>
+          <p:cNvPr id="24" name="TextBox 24"/>
+          <p:cNvSpPr txBox="1"/>
           <p:nvPr/>
         </p:nvSpPr>
         <p:spPr>
-          <a:xfrm rot="0">
+          <a:xfrm>
             <a:off x="6804599" y="895350"/>
             <a:ext cx="4371867" cy="1226820"/>
           </a:xfrm>
@@ -8754,7 +9257,7 @@
           </a:prstGeom>
         </p:spPr>
         <p:txBody>
-          <a:bodyPr anchor="t" rtlCol="false" tIns="0" lIns="0" bIns="0" rIns="0">
+          <a:bodyPr lIns="0" tIns="0" rIns="0" bIns="0" rtlCol="0" anchor="t">
             <a:spAutoFit/>
           </a:bodyPr>
           <a:lstStyle/>
@@ -8788,13 +9291,14 @@
 </file>
 
 <file path=ppt/slides/slide4.xml><?xml version="1.0" encoding="utf-8"?>
-<p:sld xmlns:p="http://schemas.openxmlformats.org/presentationml/2006/main" xmlns:a="http://schemas.openxmlformats.org/drawingml/2006/main" xmlns:r="http://schemas.openxmlformats.org/officeDocument/2006/relationships">
+<p:sld xmlns:a="http://schemas.openxmlformats.org/drawingml/2006/main" xmlns:r="http://schemas.openxmlformats.org/officeDocument/2006/relationships" xmlns:p="http://schemas.openxmlformats.org/presentationml/2006/main">
   <p:cSld>
     <p:bg>
       <p:bgPr>
         <a:solidFill>
           <a:srgbClr val="000914"/>
         </a:solidFill>
+        <a:effectLst/>
       </p:bgPr>
     </p:bg>
     <p:spTree>
@@ -8813,12 +9317,12 @@
       </p:grpSpPr>
       <p:sp>
         <p:nvSpPr>
-          <p:cNvPr name="Freeform 2" id="2"/>
+          <p:cNvPr id="2" name="Freeform 2"/>
           <p:cNvSpPr/>
           <p:nvPr/>
         </p:nvSpPr>
         <p:spPr>
-          <a:xfrm flipH="false" flipV="false" rot="0">
+          <a:xfrm>
             <a:off x="44528" y="3019224"/>
             <a:ext cx="18243472" cy="10033909"/>
           </a:xfrm>
@@ -8827,9 +9331,9 @@
             <a:gdLst/>
             <a:ahLst/>
             <a:cxnLst/>
-            <a:rect r="r" b="b" t="t" l="l"/>
+            <a:rect l="l" t="t" r="r" b="b"/>
             <a:pathLst>
-              <a:path h="10033909" w="18243472">
+              <a:path w="18243472" h="10033909">
                 <a:moveTo>
                   <a:pt x="0" y="0"/>
                 </a:moveTo>
@@ -8858,19 +9362,26 @@
               </a:extLst>
             </a:blip>
             <a:stretch>
-              <a:fillRect l="0" t="0" r="0" b="0"/>
+              <a:fillRect/>
             </a:stretch>
           </a:blipFill>
         </p:spPr>
+        <p:txBody>
+          <a:bodyPr/>
+          <a:lstStyle/>
+          <a:p>
+            <a:endParaRPr lang="en-US"/>
+          </a:p>
+        </p:txBody>
       </p:sp>
       <p:grpSp>
         <p:nvGrpSpPr>
-          <p:cNvPr name="Group 3" id="3"/>
+          <p:cNvPr id="3" name="Group 3"/>
           <p:cNvGrpSpPr/>
           <p:nvPr/>
         </p:nvGrpSpPr>
         <p:grpSpPr>
-          <a:xfrm rot="0">
+          <a:xfrm>
             <a:off x="2873799" y="3025618"/>
             <a:ext cx="966780" cy="966780"/>
             <a:chOff x="0" y="0"/>
@@ -8879,12 +9390,12 @@
         </p:grpSpPr>
         <p:sp>
           <p:nvSpPr>
-            <p:cNvPr name="Freeform 4" id="4"/>
+            <p:cNvPr id="4" name="Freeform 4"/>
             <p:cNvSpPr/>
             <p:nvPr/>
           </p:nvSpPr>
           <p:spPr>
-            <a:xfrm flipH="false" flipV="false" rot="0">
+            <a:xfrm>
               <a:off x="1813" y="0"/>
               <a:ext cx="809173" cy="812800"/>
             </a:xfrm>
@@ -8893,9 +9404,9 @@
               <a:gdLst/>
               <a:ahLst/>
               <a:cxnLst/>
-              <a:rect r="r" b="b" t="t" l="l"/>
+              <a:rect l="l" t="t" r="r" b="b"/>
               <a:pathLst>
-                <a:path h="812800" w="809173">
+                <a:path w="809173" h="812800">
                   <a:moveTo>
                     <a:pt x="404587" y="0"/>
                   </a:moveTo>
@@ -8927,11 +9438,18 @@
               <a:srgbClr val="FFFFFF"/>
             </a:solidFill>
           </p:spPr>
+          <p:txBody>
+            <a:bodyPr/>
+            <a:lstStyle/>
+            <a:p>
+              <a:endParaRPr lang="en-US"/>
+            </a:p>
+          </p:txBody>
         </p:sp>
         <p:sp>
           <p:nvSpPr>
-            <p:cNvPr name="TextBox 5" id="5"/>
-            <p:cNvSpPr txBox="true"/>
+            <p:cNvPr id="5" name="TextBox 5"/>
+            <p:cNvSpPr txBox="1"/>
             <p:nvPr/>
           </p:nvSpPr>
           <p:spPr>
@@ -8944,7 +9462,7 @@
             </a:prstGeom>
           </p:spPr>
           <p:txBody>
-            <a:bodyPr anchor="ctr" rtlCol="false" tIns="50800" lIns="50800" bIns="50800" rIns="50800"/>
+            <a:bodyPr lIns="50800" tIns="50800" rIns="50800" bIns="50800" rtlCol="0" anchor="ctr"/>
             <a:lstStyle/>
             <a:p>
               <a:pPr algn="ctr">
@@ -8952,18 +9470,19 @@
                   <a:spcPts val="2800"/>
                 </a:lnSpc>
               </a:pPr>
+              <a:endParaRPr/>
             </a:p>
           </p:txBody>
         </p:sp>
       </p:grpSp>
       <p:grpSp>
         <p:nvGrpSpPr>
-          <p:cNvPr name="Group 6" id="6"/>
+          <p:cNvPr id="6" name="Group 6"/>
           <p:cNvGrpSpPr/>
           <p:nvPr/>
         </p:nvGrpSpPr>
         <p:grpSpPr>
-          <a:xfrm rot="0">
+          <a:xfrm>
             <a:off x="8493922" y="3025618"/>
             <a:ext cx="966780" cy="966780"/>
             <a:chOff x="0" y="0"/>
@@ -8972,12 +9491,12 @@
         </p:grpSpPr>
         <p:sp>
           <p:nvSpPr>
-            <p:cNvPr name="Freeform 7" id="7"/>
+            <p:cNvPr id="7" name="Freeform 7"/>
             <p:cNvSpPr/>
             <p:nvPr/>
           </p:nvSpPr>
           <p:spPr>
-            <a:xfrm flipH="false" flipV="false" rot="0">
+            <a:xfrm>
               <a:off x="1813" y="0"/>
               <a:ext cx="809173" cy="812800"/>
             </a:xfrm>
@@ -8986,9 +9505,9 @@
               <a:gdLst/>
               <a:ahLst/>
               <a:cxnLst/>
-              <a:rect r="r" b="b" t="t" l="l"/>
+              <a:rect l="l" t="t" r="r" b="b"/>
               <a:pathLst>
-                <a:path h="812800" w="809173">
+                <a:path w="809173" h="812800">
                   <a:moveTo>
                     <a:pt x="404587" y="0"/>
                   </a:moveTo>
@@ -9020,11 +9539,18 @@
               <a:srgbClr val="FFFFFF"/>
             </a:solidFill>
           </p:spPr>
+          <p:txBody>
+            <a:bodyPr/>
+            <a:lstStyle/>
+            <a:p>
+              <a:endParaRPr lang="en-US"/>
+            </a:p>
+          </p:txBody>
         </p:sp>
         <p:sp>
           <p:nvSpPr>
-            <p:cNvPr name="TextBox 8" id="8"/>
-            <p:cNvSpPr txBox="true"/>
+            <p:cNvPr id="8" name="TextBox 8"/>
+            <p:cNvSpPr txBox="1"/>
             <p:nvPr/>
           </p:nvSpPr>
           <p:spPr>
@@ -9037,7 +9563,7 @@
             </a:prstGeom>
           </p:spPr>
           <p:txBody>
-            <a:bodyPr anchor="ctr" rtlCol="false" tIns="50800" lIns="50800" bIns="50800" rIns="50800"/>
+            <a:bodyPr lIns="50800" tIns="50800" rIns="50800" bIns="50800" rtlCol="0" anchor="ctr"/>
             <a:lstStyle/>
             <a:p>
               <a:pPr algn="ctr">
@@ -9045,18 +9571,19 @@
                   <a:spcPts val="2800"/>
                 </a:lnSpc>
               </a:pPr>
+              <a:endParaRPr/>
             </a:p>
           </p:txBody>
         </p:sp>
       </p:grpSp>
       <p:grpSp>
         <p:nvGrpSpPr>
-          <p:cNvPr name="Group 9" id="9"/>
+          <p:cNvPr id="9" name="Group 9"/>
           <p:cNvGrpSpPr/>
           <p:nvPr/>
         </p:nvGrpSpPr>
         <p:grpSpPr>
-          <a:xfrm rot="0">
+          <a:xfrm>
             <a:off x="14114045" y="3025618"/>
             <a:ext cx="966780" cy="966780"/>
             <a:chOff x="0" y="0"/>
@@ -9065,12 +9592,12 @@
         </p:grpSpPr>
         <p:sp>
           <p:nvSpPr>
-            <p:cNvPr name="Freeform 10" id="10"/>
+            <p:cNvPr id="10" name="Freeform 10"/>
             <p:cNvSpPr/>
             <p:nvPr/>
           </p:nvSpPr>
           <p:spPr>
-            <a:xfrm flipH="false" flipV="false" rot="0">
+            <a:xfrm>
               <a:off x="1813" y="0"/>
               <a:ext cx="809173" cy="812800"/>
             </a:xfrm>
@@ -9079,9 +9606,9 @@
               <a:gdLst/>
               <a:ahLst/>
               <a:cxnLst/>
-              <a:rect r="r" b="b" t="t" l="l"/>
+              <a:rect l="l" t="t" r="r" b="b"/>
               <a:pathLst>
-                <a:path h="812800" w="809173">
+                <a:path w="809173" h="812800">
                   <a:moveTo>
                     <a:pt x="404587" y="0"/>
                   </a:moveTo>
@@ -9113,11 +9640,18 @@
               <a:srgbClr val="FFFFFF"/>
             </a:solidFill>
           </p:spPr>
+          <p:txBody>
+            <a:bodyPr/>
+            <a:lstStyle/>
+            <a:p>
+              <a:endParaRPr lang="en-US"/>
+            </a:p>
+          </p:txBody>
         </p:sp>
         <p:sp>
           <p:nvSpPr>
-            <p:cNvPr name="TextBox 11" id="11"/>
-            <p:cNvSpPr txBox="true"/>
+            <p:cNvPr id="11" name="TextBox 11"/>
+            <p:cNvSpPr txBox="1"/>
             <p:nvPr/>
           </p:nvSpPr>
           <p:spPr>
@@ -9130,7 +9664,7 @@
             </a:prstGeom>
           </p:spPr>
           <p:txBody>
-            <a:bodyPr anchor="ctr" rtlCol="false" tIns="50800" lIns="50800" bIns="50800" rIns="50800"/>
+            <a:bodyPr lIns="50800" tIns="50800" rIns="50800" bIns="50800" rtlCol="0" anchor="ctr"/>
             <a:lstStyle/>
             <a:p>
               <a:pPr algn="ctr">
@@ -9138,13 +9672,14 @@
                   <a:spcPts val="2800"/>
                 </a:lnSpc>
               </a:pPr>
+              <a:endParaRPr/>
             </a:p>
           </p:txBody>
         </p:sp>
       </p:grpSp>
       <p:sp>
         <p:nvSpPr>
-          <p:cNvPr name="AutoShape 12" id="12"/>
+          <p:cNvPr id="12" name="AutoShape 12"/>
           <p:cNvSpPr/>
           <p:nvPr/>
         </p:nvSpPr>
@@ -9156,19 +9691,26 @@
           <a:prstGeom prst="line">
             <a:avLst/>
           </a:prstGeom>
-          <a:ln cap="flat" w="28575">
+          <a:ln w="28575" cap="flat">
             <a:solidFill>
               <a:srgbClr val="FFFFFF"/>
             </a:solidFill>
             <a:prstDash val="solid"/>
-            <a:headEnd type="none" len="sm" w="sm"/>
-            <a:tailEnd type="none" len="sm" w="sm"/>
+            <a:headEnd type="none" w="sm" len="sm"/>
+            <a:tailEnd type="none" w="sm" len="sm"/>
           </a:ln>
         </p:spPr>
-      </p:sp>
-      <p:sp>
-        <p:nvSpPr>
-          <p:cNvPr name="AutoShape 13" id="13"/>
+        <p:txBody>
+          <a:bodyPr/>
+          <a:lstStyle/>
+          <a:p>
+            <a:endParaRPr lang="en-US"/>
+          </a:p>
+        </p:txBody>
+      </p:sp>
+      <p:sp>
+        <p:nvSpPr>
+          <p:cNvPr id="13" name="AutoShape 13"/>
           <p:cNvSpPr/>
           <p:nvPr/>
         </p:nvSpPr>
@@ -9180,26 +9722,33 @@
           <a:prstGeom prst="line">
             <a:avLst/>
           </a:prstGeom>
-          <a:ln cap="flat" w="28575">
+          <a:ln w="28575" cap="flat">
             <a:solidFill>
               <a:srgbClr val="FFFFFF"/>
             </a:solidFill>
             <a:prstDash val="solid"/>
-            <a:headEnd type="none" len="sm" w="sm"/>
-            <a:tailEnd type="none" len="sm" w="sm"/>
+            <a:headEnd type="none" w="sm" len="sm"/>
+            <a:tailEnd type="none" w="sm" len="sm"/>
           </a:ln>
         </p:spPr>
+        <p:txBody>
+          <a:bodyPr/>
+          <a:lstStyle/>
+          <a:p>
+            <a:endParaRPr lang="en-US"/>
+          </a:p>
+        </p:txBody>
       </p:sp>
       <p:grpSp>
         <p:nvGrpSpPr>
-          <p:cNvPr name="Group 14" id="14"/>
+          <p:cNvPr id="14" name="Group 14"/>
           <p:cNvGrpSpPr>
-            <a:grpSpLocks noChangeAspect="true"/>
+            <a:grpSpLocks noChangeAspect="1"/>
           </p:cNvGrpSpPr>
           <p:nvPr/>
         </p:nvGrpSpPr>
         <p:grpSpPr>
-          <a:xfrm rot="0">
+          <a:xfrm>
             <a:off x="16513120" y="0"/>
             <a:ext cx="1774880" cy="1774873"/>
             <a:chOff x="0" y="0"/>
@@ -9208,12 +9757,12 @@
         </p:grpSpPr>
         <p:sp>
           <p:nvSpPr>
-            <p:cNvPr name="Freeform 15" id="15"/>
+            <p:cNvPr id="15" name="Freeform 15"/>
             <p:cNvSpPr/>
             <p:nvPr/>
           </p:nvSpPr>
           <p:spPr>
-            <a:xfrm flipH="false" flipV="false" rot="0">
+            <a:xfrm>
               <a:off x="0" y="0"/>
               <a:ext cx="6350000" cy="6349974"/>
             </a:xfrm>
@@ -9222,9 +9771,9 @@
               <a:gdLst/>
               <a:ahLst/>
               <a:cxnLst/>
-              <a:rect r="r" b="b" t="t" l="l"/>
+              <a:rect l="l" t="t" r="r" b="b"/>
               <a:pathLst>
-                <a:path h="6349974" w="6350000">
+                <a:path w="6350000" h="6349974">
                   <a:moveTo>
                     <a:pt x="6350000" y="3175025"/>
                   </a:moveTo>
@@ -9259,16 +9808,23 @@
               </a:stretch>
             </a:blipFill>
           </p:spPr>
+          <p:txBody>
+            <a:bodyPr/>
+            <a:lstStyle/>
+            <a:p>
+              <a:endParaRPr lang="en-US"/>
+            </a:p>
+          </p:txBody>
         </p:sp>
       </p:grpSp>
       <p:sp>
         <p:nvSpPr>
-          <p:cNvPr name="TextBox 16" id="16"/>
-          <p:cNvSpPr txBox="true"/>
+          <p:cNvPr id="16" name="TextBox 16"/>
+          <p:cNvSpPr txBox="1"/>
           <p:nvPr/>
         </p:nvSpPr>
         <p:spPr>
-          <a:xfrm rot="0">
+          <a:xfrm>
             <a:off x="3027406" y="3213760"/>
             <a:ext cx="659566" cy="523875"/>
           </a:xfrm>
@@ -9277,7 +9833,7 @@
           </a:prstGeom>
         </p:spPr>
         <p:txBody>
-          <a:bodyPr anchor="t" rtlCol="false" tIns="0" lIns="0" bIns="0" rIns="0">
+          <a:bodyPr lIns="0" tIns="0" rIns="0" bIns="0" rtlCol="0" anchor="t">
             <a:spAutoFit/>
           </a:bodyPr>
           <a:lstStyle/>
@@ -9304,12 +9860,12 @@
       </p:sp>
       <p:sp>
         <p:nvSpPr>
-          <p:cNvPr name="TextBox 17" id="17"/>
-          <p:cNvSpPr txBox="true"/>
+          <p:cNvPr id="17" name="TextBox 17"/>
+          <p:cNvSpPr txBox="1"/>
           <p:nvPr/>
         </p:nvSpPr>
         <p:spPr>
-          <a:xfrm rot="0">
+          <a:xfrm>
             <a:off x="8647529" y="3213760"/>
             <a:ext cx="659566" cy="523875"/>
           </a:xfrm>
@@ -9318,7 +9874,7 @@
           </a:prstGeom>
         </p:spPr>
         <p:txBody>
-          <a:bodyPr anchor="t" rtlCol="false" tIns="0" lIns="0" bIns="0" rIns="0">
+          <a:bodyPr lIns="0" tIns="0" rIns="0" bIns="0" rtlCol="0" anchor="t">
             <a:spAutoFit/>
           </a:bodyPr>
           <a:lstStyle/>
@@ -9345,12 +9901,12 @@
       </p:sp>
       <p:sp>
         <p:nvSpPr>
-          <p:cNvPr name="TextBox 18" id="18"/>
-          <p:cNvSpPr txBox="true"/>
+          <p:cNvPr id="18" name="TextBox 18"/>
+          <p:cNvSpPr txBox="1"/>
           <p:nvPr/>
         </p:nvSpPr>
         <p:spPr>
-          <a:xfrm rot="0">
+          <a:xfrm>
             <a:off x="1502203" y="4771545"/>
             <a:ext cx="4038491" cy="1663065"/>
           </a:xfrm>
@@ -9359,7 +9915,7 @@
           </a:prstGeom>
         </p:spPr>
         <p:txBody>
-          <a:bodyPr anchor="t" rtlCol="false" tIns="0" lIns="0" bIns="0" rIns="0">
+          <a:bodyPr lIns="0" tIns="0" rIns="0" bIns="0" rtlCol="0" anchor="t">
             <a:spAutoFit/>
           </a:bodyPr>
           <a:lstStyle/>
@@ -9404,12 +9960,12 @@
       </p:sp>
       <p:sp>
         <p:nvSpPr>
-          <p:cNvPr name="TextBox 19" id="19"/>
-          <p:cNvSpPr txBox="true"/>
+          <p:cNvPr id="19" name="TextBox 19"/>
+          <p:cNvSpPr txBox="1"/>
           <p:nvPr/>
         </p:nvSpPr>
         <p:spPr>
-          <a:xfrm rot="0">
+          <a:xfrm>
             <a:off x="7112449" y="4771545"/>
             <a:ext cx="4038491" cy="1663065"/>
           </a:xfrm>
@@ -9418,7 +9974,7 @@
           </a:prstGeom>
         </p:spPr>
         <p:txBody>
-          <a:bodyPr anchor="t" rtlCol="false" tIns="0" lIns="0" bIns="0" rIns="0">
+          <a:bodyPr lIns="0" tIns="0" rIns="0" bIns="0" rtlCol="0" anchor="t">
             <a:spAutoFit/>
           </a:bodyPr>
           <a:lstStyle/>
@@ -9454,12 +10010,12 @@
       </p:sp>
       <p:sp>
         <p:nvSpPr>
-          <p:cNvPr name="TextBox 20" id="20"/>
-          <p:cNvSpPr txBox="true"/>
+          <p:cNvPr id="20" name="TextBox 20"/>
+          <p:cNvSpPr txBox="1"/>
           <p:nvPr/>
         </p:nvSpPr>
         <p:spPr>
-          <a:xfrm rot="0">
+          <a:xfrm>
             <a:off x="14267652" y="3213760"/>
             <a:ext cx="659566" cy="523875"/>
           </a:xfrm>
@@ -9468,7 +10024,7 @@
           </a:prstGeom>
         </p:spPr>
         <p:txBody>
-          <a:bodyPr anchor="t" rtlCol="false" tIns="0" lIns="0" bIns="0" rIns="0">
+          <a:bodyPr lIns="0" tIns="0" rIns="0" bIns="0" rtlCol="0" anchor="t">
             <a:spAutoFit/>
           </a:bodyPr>
           <a:lstStyle/>
@@ -9495,12 +10051,12 @@
       </p:sp>
       <p:sp>
         <p:nvSpPr>
-          <p:cNvPr name="TextBox 21" id="21"/>
-          <p:cNvSpPr txBox="true"/>
+          <p:cNvPr id="21" name="TextBox 21"/>
+          <p:cNvSpPr txBox="1"/>
           <p:nvPr/>
         </p:nvSpPr>
         <p:spPr>
-          <a:xfrm rot="0">
+          <a:xfrm>
             <a:off x="12741615" y="4561995"/>
             <a:ext cx="4038491" cy="2082165"/>
           </a:xfrm>
@@ -9509,7 +10065,7 @@
           </a:prstGeom>
         </p:spPr>
         <p:txBody>
-          <a:bodyPr anchor="t" rtlCol="false" tIns="0" lIns="0" bIns="0" rIns="0">
+          <a:bodyPr lIns="0" tIns="0" rIns="0" bIns="0" rtlCol="0" anchor="t">
             <a:spAutoFit/>
           </a:bodyPr>
           <a:lstStyle/>
@@ -9561,13 +10117,14 @@
 </file>
 
 <file path=ppt/slides/slide5.xml><?xml version="1.0" encoding="utf-8"?>
-<p:sld xmlns:p="http://schemas.openxmlformats.org/presentationml/2006/main" xmlns:a="http://schemas.openxmlformats.org/drawingml/2006/main" xmlns:r="http://schemas.openxmlformats.org/officeDocument/2006/relationships">
+<p:sld xmlns:a="http://schemas.openxmlformats.org/drawingml/2006/main" xmlns:r="http://schemas.openxmlformats.org/officeDocument/2006/relationships" xmlns:p="http://schemas.openxmlformats.org/presentationml/2006/main">
   <p:cSld>
     <p:bg>
       <p:bgPr>
         <a:solidFill>
           <a:srgbClr val="000914"/>
         </a:solidFill>
+        <a:effectLst/>
       </p:bgPr>
     </p:bg>
     <p:spTree>
@@ -9586,12 +10143,12 @@
       </p:grpSpPr>
       <p:sp>
         <p:nvSpPr>
-          <p:cNvPr name="Freeform 2" id="2"/>
+          <p:cNvPr id="2" name="Freeform 2"/>
           <p:cNvSpPr/>
           <p:nvPr/>
         </p:nvSpPr>
         <p:spPr>
-          <a:xfrm flipH="false" flipV="false" rot="0">
+          <a:xfrm>
             <a:off x="4095147" y="1555564"/>
             <a:ext cx="3252426" cy="7165662"/>
           </a:xfrm>
@@ -9600,9 +10157,9 @@
             <a:gdLst/>
             <a:ahLst/>
             <a:cxnLst/>
-            <a:rect r="r" b="b" t="t" l="l"/>
+            <a:rect l="l" t="t" r="r" b="b"/>
             <a:pathLst>
-              <a:path h="7165662" w="3252426">
+              <a:path w="3252426" h="7165662">
                 <a:moveTo>
                   <a:pt x="0" y="0"/>
                 </a:moveTo>
@@ -9625,19 +10182,26 @@
           <a:blipFill>
             <a:blip r:embed="rId2"/>
             <a:stretch>
-              <a:fillRect l="0" t="0" r="0" b="0"/>
+              <a:fillRect/>
             </a:stretch>
           </a:blipFill>
         </p:spPr>
-      </p:sp>
-      <p:sp>
-        <p:nvSpPr>
-          <p:cNvPr name="Freeform 3" id="3"/>
+        <p:txBody>
+          <a:bodyPr/>
+          <a:lstStyle/>
+          <a:p>
+            <a:endParaRPr lang="en-US"/>
+          </a:p>
+        </p:txBody>
+      </p:sp>
+      <p:sp>
+        <p:nvSpPr>
+          <p:cNvPr id="3" name="Freeform 3"/>
           <p:cNvSpPr/>
           <p:nvPr/>
         </p:nvSpPr>
         <p:spPr>
-          <a:xfrm flipH="false" flipV="false" rot="0">
+          <a:xfrm>
             <a:off x="664597" y="1555564"/>
             <a:ext cx="3269693" cy="7175872"/>
           </a:xfrm>
@@ -9646,9 +10210,9 @@
             <a:gdLst/>
             <a:ahLst/>
             <a:cxnLst/>
-            <a:rect r="r" b="b" t="t" l="l"/>
+            <a:rect l="l" t="t" r="r" b="b"/>
             <a:pathLst>
-              <a:path h="7175872" w="3269693">
+              <a:path w="3269693" h="7175872">
                 <a:moveTo>
                   <a:pt x="0" y="0"/>
                 </a:moveTo>
@@ -9671,19 +10235,26 @@
           <a:blipFill>
             <a:blip r:embed="rId3"/>
             <a:stretch>
-              <a:fillRect l="0" t="0" r="0" b="0"/>
+              <a:fillRect/>
             </a:stretch>
           </a:blipFill>
         </p:spPr>
-      </p:sp>
-      <p:sp>
-        <p:nvSpPr>
-          <p:cNvPr name="Freeform 4" id="4"/>
+        <p:txBody>
+          <a:bodyPr/>
+          <a:lstStyle/>
+          <a:p>
+            <a:endParaRPr lang="en-US"/>
+          </a:p>
+        </p:txBody>
+      </p:sp>
+      <p:sp>
+        <p:nvSpPr>
+          <p:cNvPr id="4" name="Freeform 4"/>
           <p:cNvSpPr/>
           <p:nvPr/>
         </p:nvSpPr>
         <p:spPr>
-          <a:xfrm flipH="false" flipV="false" rot="0">
+          <a:xfrm>
             <a:off x="7508430" y="1555564"/>
             <a:ext cx="3214030" cy="7169759"/>
           </a:xfrm>
@@ -9692,9 +10263,9 @@
             <a:gdLst/>
             <a:ahLst/>
             <a:cxnLst/>
-            <a:rect r="r" b="b" t="t" l="l"/>
+            <a:rect l="l" t="t" r="r" b="b"/>
             <a:pathLst>
-              <a:path h="7169759" w="3214030">
+              <a:path w="3214030" h="7169759">
                 <a:moveTo>
                   <a:pt x="0" y="0"/>
                 </a:moveTo>
@@ -9717,19 +10288,26 @@
           <a:blipFill>
             <a:blip r:embed="rId4"/>
             <a:stretch>
-              <a:fillRect l="0" t="0" r="0" b="0"/>
+              <a:fillRect/>
             </a:stretch>
           </a:blipFill>
         </p:spPr>
-      </p:sp>
-      <p:sp>
-        <p:nvSpPr>
-          <p:cNvPr name="Freeform 5" id="5"/>
+        <p:txBody>
+          <a:bodyPr/>
+          <a:lstStyle/>
+          <a:p>
+            <a:endParaRPr lang="en-US"/>
+          </a:p>
+        </p:txBody>
+      </p:sp>
+      <p:sp>
+        <p:nvSpPr>
+          <p:cNvPr id="5" name="Freeform 5"/>
           <p:cNvSpPr/>
           <p:nvPr/>
         </p:nvSpPr>
         <p:spPr>
-          <a:xfrm flipH="false" flipV="false" rot="0">
+          <a:xfrm>
             <a:off x="10884385" y="1574020"/>
             <a:ext cx="3366060" cy="7157416"/>
           </a:xfrm>
@@ -9738,9 +10316,9 @@
             <a:gdLst/>
             <a:ahLst/>
             <a:cxnLst/>
-            <a:rect r="r" b="b" t="t" l="l"/>
+            <a:rect l="l" t="t" r="r" b="b"/>
             <a:pathLst>
-              <a:path h="7157416" w="3366060">
+              <a:path w="3366060" h="7157416">
                 <a:moveTo>
                   <a:pt x="0" y="0"/>
                 </a:moveTo>
@@ -9763,19 +10341,26 @@
           <a:blipFill>
             <a:blip r:embed="rId5"/>
             <a:stretch>
-              <a:fillRect l="0" t="0" r="0" b="0"/>
+              <a:fillRect/>
             </a:stretch>
           </a:blipFill>
         </p:spPr>
-      </p:sp>
-      <p:sp>
-        <p:nvSpPr>
-          <p:cNvPr name="Freeform 6" id="6"/>
+        <p:txBody>
+          <a:bodyPr/>
+          <a:lstStyle/>
+          <a:p>
+            <a:endParaRPr lang="en-US"/>
+          </a:p>
+        </p:txBody>
+      </p:sp>
+      <p:sp>
+        <p:nvSpPr>
+          <p:cNvPr id="6" name="Freeform 6"/>
           <p:cNvSpPr/>
           <p:nvPr/>
         </p:nvSpPr>
         <p:spPr>
-          <a:xfrm flipH="false" flipV="false" rot="0">
+          <a:xfrm>
             <a:off x="14412371" y="1555564"/>
             <a:ext cx="3325771" cy="7151187"/>
           </a:xfrm>
@@ -9784,9 +10369,9 @@
             <a:gdLst/>
             <a:ahLst/>
             <a:cxnLst/>
-            <a:rect r="r" b="b" t="t" l="l"/>
+            <a:rect l="l" t="t" r="r" b="b"/>
             <a:pathLst>
-              <a:path h="7151187" w="3325771">
+              <a:path w="3325771" h="7151187">
                 <a:moveTo>
                   <a:pt x="0" y="0"/>
                 </a:moveTo>
@@ -9809,10 +10394,17 @@
           <a:blipFill>
             <a:blip r:embed="rId6"/>
             <a:stretch>
-              <a:fillRect l="0" t="0" r="0" b="0"/>
+              <a:fillRect/>
             </a:stretch>
           </a:blipFill>
         </p:spPr>
+        <p:txBody>
+          <a:bodyPr/>
+          <a:lstStyle/>
+          <a:p>
+            <a:endParaRPr lang="en-US"/>
+          </a:p>
+        </p:txBody>
       </p:sp>
     </p:spTree>
   </p:cSld>
@@ -9823,13 +10415,14 @@
 </file>
 
 <file path=ppt/slides/slide6.xml><?xml version="1.0" encoding="utf-8"?>
-<p:sld xmlns:p="http://schemas.openxmlformats.org/presentationml/2006/main" xmlns:a="http://schemas.openxmlformats.org/drawingml/2006/main" xmlns:r="http://schemas.openxmlformats.org/officeDocument/2006/relationships">
+<p:sld xmlns:a="http://schemas.openxmlformats.org/drawingml/2006/main" xmlns:r="http://schemas.openxmlformats.org/officeDocument/2006/relationships" xmlns:p="http://schemas.openxmlformats.org/presentationml/2006/main">
   <p:cSld>
     <p:bg>
       <p:bgPr>
         <a:solidFill>
           <a:srgbClr val="E9ECEA"/>
         </a:solidFill>
+        <a:effectLst/>
       </p:bgPr>
     </p:bg>
     <p:spTree>
@@ -9848,12 +10441,12 @@
       </p:grpSpPr>
       <p:grpSp>
         <p:nvGrpSpPr>
-          <p:cNvPr name="Group 2" id="2"/>
+          <p:cNvPr id="2" name="Group 2"/>
           <p:cNvGrpSpPr/>
           <p:nvPr/>
         </p:nvGrpSpPr>
         <p:grpSpPr>
-          <a:xfrm rot="0">
+          <a:xfrm>
             <a:off x="16379931" y="-1368006"/>
             <a:ext cx="3086100" cy="3086100"/>
             <a:chOff x="0" y="0"/>
@@ -9862,12 +10455,12 @@
         </p:grpSpPr>
         <p:sp>
           <p:nvSpPr>
-            <p:cNvPr name="Freeform 3" id="3"/>
+            <p:cNvPr id="3" name="Freeform 3"/>
             <p:cNvSpPr/>
             <p:nvPr/>
           </p:nvSpPr>
           <p:spPr>
-            <a:xfrm flipH="false" flipV="false" rot="0">
+            <a:xfrm>
               <a:off x="1813" y="0"/>
               <a:ext cx="809173" cy="812800"/>
             </a:xfrm>
@@ -9876,9 +10469,9 @@
               <a:gdLst/>
               <a:ahLst/>
               <a:cxnLst/>
-              <a:rect r="r" b="b" t="t" l="l"/>
+              <a:rect l="l" t="t" r="r" b="b"/>
               <a:pathLst>
-                <a:path h="812800" w="809173">
+                <a:path w="809173" h="812800">
                   <a:moveTo>
                     <a:pt x="404587" y="0"/>
                   </a:moveTo>
@@ -9910,11 +10503,18 @@
               <a:srgbClr val="000914"/>
             </a:solidFill>
           </p:spPr>
+          <p:txBody>
+            <a:bodyPr/>
+            <a:lstStyle/>
+            <a:p>
+              <a:endParaRPr lang="en-US"/>
+            </a:p>
+          </p:txBody>
         </p:sp>
         <p:sp>
           <p:nvSpPr>
-            <p:cNvPr name="TextBox 4" id="4"/>
-            <p:cNvSpPr txBox="true"/>
+            <p:cNvPr id="4" name="TextBox 4"/>
+            <p:cNvSpPr txBox="1"/>
             <p:nvPr/>
           </p:nvSpPr>
           <p:spPr>
@@ -9927,7 +10527,7 @@
             </a:prstGeom>
           </p:spPr>
           <p:txBody>
-            <a:bodyPr anchor="ctr" rtlCol="false" tIns="50800" lIns="50800" bIns="50800" rIns="50800"/>
+            <a:bodyPr lIns="50800" tIns="50800" rIns="50800" bIns="50800" rtlCol="0" anchor="ctr"/>
             <a:lstStyle/>
             <a:p>
               <a:pPr algn="ctr">
@@ -9935,20 +10535,21 @@
                   <a:spcPts val="2800"/>
                 </a:lnSpc>
               </a:pPr>
+              <a:endParaRPr/>
             </a:p>
           </p:txBody>
         </p:sp>
       </p:grpSp>
       <p:grpSp>
         <p:nvGrpSpPr>
-          <p:cNvPr name="Group 5" id="5"/>
+          <p:cNvPr id="5" name="Group 5"/>
           <p:cNvGrpSpPr>
-            <a:grpSpLocks noChangeAspect="true"/>
+            <a:grpSpLocks noChangeAspect="1"/>
           </p:cNvGrpSpPr>
           <p:nvPr/>
         </p:nvGrpSpPr>
         <p:grpSpPr>
-          <a:xfrm rot="0">
+          <a:xfrm>
             <a:off x="16773112" y="-114300"/>
             <a:ext cx="1591088" cy="1591082"/>
             <a:chOff x="0" y="0"/>
@@ -9957,12 +10558,12 @@
         </p:grpSpPr>
         <p:sp>
           <p:nvSpPr>
-            <p:cNvPr name="Freeform 6" id="6"/>
+            <p:cNvPr id="6" name="Freeform 6"/>
             <p:cNvSpPr/>
             <p:nvPr/>
           </p:nvSpPr>
           <p:spPr>
-            <a:xfrm flipH="false" flipV="false" rot="0">
+            <a:xfrm>
               <a:off x="0" y="0"/>
               <a:ext cx="6350000" cy="6349974"/>
             </a:xfrm>
@@ -9971,9 +10572,9 @@
               <a:gdLst/>
               <a:ahLst/>
               <a:cxnLst/>
-              <a:rect r="r" b="b" t="t" l="l"/>
+              <a:rect l="l" t="t" r="r" b="b"/>
               <a:pathLst>
-                <a:path h="6349974" w="6350000">
+                <a:path w="6350000" h="6349974">
                   <a:moveTo>
                     <a:pt x="6350000" y="3175025"/>
                   </a:moveTo>
@@ -10008,16 +10609,23 @@
               </a:stretch>
             </a:blipFill>
           </p:spPr>
+          <p:txBody>
+            <a:bodyPr/>
+            <a:lstStyle/>
+            <a:p>
+              <a:endParaRPr lang="en-US"/>
+            </a:p>
+          </p:txBody>
         </p:sp>
       </p:grpSp>
       <p:sp>
         <p:nvSpPr>
-          <p:cNvPr name="Freeform 7" id="7"/>
+          <p:cNvPr id="7" name="Freeform 7"/>
           <p:cNvSpPr/>
           <p:nvPr/>
         </p:nvSpPr>
         <p:spPr>
-          <a:xfrm flipH="false" flipV="false" rot="0">
+          <a:xfrm>
             <a:off x="117233" y="924092"/>
             <a:ext cx="18053534" cy="8438817"/>
           </a:xfrm>
@@ -10026,9 +10634,9 @@
             <a:gdLst/>
             <a:ahLst/>
             <a:cxnLst/>
-            <a:rect r="r" b="b" t="t" l="l"/>
+            <a:rect l="l" t="t" r="r" b="b"/>
             <a:pathLst>
-              <a:path h="8438817" w="18053534">
+              <a:path w="18053534" h="8438817">
                 <a:moveTo>
                   <a:pt x="0" y="0"/>
                 </a:moveTo>
@@ -10051,10 +10659,17 @@
           <a:blipFill>
             <a:blip r:embed="rId3"/>
             <a:stretch>
-              <a:fillRect l="0" t="0" r="0" b="0"/>
+              <a:fillRect/>
             </a:stretch>
           </a:blipFill>
         </p:spPr>
+        <p:txBody>
+          <a:bodyPr/>
+          <a:lstStyle/>
+          <a:p>
+            <a:endParaRPr lang="en-US"/>
+          </a:p>
+        </p:txBody>
       </p:sp>
     </p:spTree>
   </p:cSld>
@@ -10065,13 +10680,14 @@
 </file>
 
 <file path=ppt/slides/slide7.xml><?xml version="1.0" encoding="utf-8"?>
-<p:sld xmlns:p="http://schemas.openxmlformats.org/presentationml/2006/main" xmlns:a="http://schemas.openxmlformats.org/drawingml/2006/main" xmlns:r="http://schemas.openxmlformats.org/officeDocument/2006/relationships">
+<p:sld xmlns:a="http://schemas.openxmlformats.org/drawingml/2006/main" xmlns:r="http://schemas.openxmlformats.org/officeDocument/2006/relationships" xmlns:p="http://schemas.openxmlformats.org/presentationml/2006/main">
   <p:cSld>
     <p:bg>
       <p:bgPr>
         <a:solidFill>
           <a:srgbClr val="E9ECEA"/>
         </a:solidFill>
+        <a:effectLst/>
       </p:bgPr>
     </p:bg>
     <p:spTree>
@@ -10090,12 +10706,12 @@
       </p:grpSpPr>
       <p:sp>
         <p:nvSpPr>
-          <p:cNvPr name="TextBox 2" id="2"/>
-          <p:cNvSpPr txBox="true"/>
+          <p:cNvPr id="2" name="TextBox 2"/>
+          <p:cNvSpPr txBox="1"/>
           <p:nvPr/>
         </p:nvSpPr>
         <p:spPr>
-          <a:xfrm rot="0">
+          <a:xfrm>
             <a:off x="1028700" y="1896451"/>
             <a:ext cx="9007071" cy="1226820"/>
           </a:xfrm>
@@ -10104,7 +10720,7 @@
           </a:prstGeom>
         </p:spPr>
         <p:txBody>
-          <a:bodyPr anchor="t" rtlCol="false" tIns="0" lIns="0" bIns="0" rIns="0">
+          <a:bodyPr lIns="0" tIns="0" rIns="0" bIns="0" rtlCol="0" anchor="t">
             <a:spAutoFit/>
           </a:bodyPr>
           <a:lstStyle/>
@@ -10131,12 +10747,12 @@
       </p:sp>
       <p:sp>
         <p:nvSpPr>
-          <p:cNvPr name="TextBox 3" id="3"/>
-          <p:cNvSpPr txBox="true"/>
+          <p:cNvPr id="3" name="TextBox 3"/>
+          <p:cNvSpPr txBox="1"/>
           <p:nvPr/>
         </p:nvSpPr>
         <p:spPr>
-          <a:xfrm rot="0">
+          <a:xfrm>
             <a:off x="1028700" y="3372082"/>
             <a:ext cx="16230600" cy="824733"/>
           </a:xfrm>
@@ -10145,12 +10761,12 @@
           </a:prstGeom>
         </p:spPr>
         <p:txBody>
-          <a:bodyPr anchor="t" rtlCol="false" tIns="0" lIns="0" bIns="0" rIns="0">
+          <a:bodyPr lIns="0" tIns="0" rIns="0" bIns="0" rtlCol="0" anchor="t">
             <a:spAutoFit/>
           </a:bodyPr>
           <a:lstStyle/>
           <a:p>
-            <a:pPr marL="518160" indent="-259080" lvl="1">
+            <a:pPr marL="518160" lvl="1" indent="-259080">
               <a:lnSpc>
                 <a:spcPts val="3359"/>
               </a:lnSpc>
@@ -10168,7 +10784,7 @@
             </a:r>
           </a:p>
           <a:p>
-            <a:pPr marL="518160" indent="-259080" lvl="1">
+            <a:pPr marL="518160" lvl="1" indent="-259080">
               <a:lnSpc>
                 <a:spcPts val="3359"/>
               </a:lnSpc>
@@ -10192,12 +10808,12 @@
       </p:sp>
       <p:grpSp>
         <p:nvGrpSpPr>
-          <p:cNvPr name="Group 4" id="4"/>
+          <p:cNvPr id="4" name="Group 4"/>
           <p:cNvGrpSpPr/>
           <p:nvPr/>
         </p:nvGrpSpPr>
         <p:grpSpPr>
-          <a:xfrm rot="0">
+          <a:xfrm>
             <a:off x="16379931" y="-1368006"/>
             <a:ext cx="3086100" cy="3086100"/>
             <a:chOff x="0" y="0"/>
@@ -10206,12 +10822,12 @@
         </p:grpSpPr>
         <p:sp>
           <p:nvSpPr>
-            <p:cNvPr name="Freeform 5" id="5"/>
+            <p:cNvPr id="5" name="Freeform 5"/>
             <p:cNvSpPr/>
             <p:nvPr/>
           </p:nvSpPr>
           <p:spPr>
-            <a:xfrm flipH="false" flipV="false" rot="0">
+            <a:xfrm>
               <a:off x="1813" y="0"/>
               <a:ext cx="809173" cy="812800"/>
             </a:xfrm>
@@ -10220,9 +10836,9 @@
               <a:gdLst/>
               <a:ahLst/>
               <a:cxnLst/>
-              <a:rect r="r" b="b" t="t" l="l"/>
+              <a:rect l="l" t="t" r="r" b="b"/>
               <a:pathLst>
-                <a:path h="812800" w="809173">
+                <a:path w="809173" h="812800">
                   <a:moveTo>
                     <a:pt x="404587" y="0"/>
                   </a:moveTo>
@@ -10254,11 +10870,18 @@
               <a:srgbClr val="000914"/>
             </a:solidFill>
           </p:spPr>
+          <p:txBody>
+            <a:bodyPr/>
+            <a:lstStyle/>
+            <a:p>
+              <a:endParaRPr lang="en-US"/>
+            </a:p>
+          </p:txBody>
         </p:sp>
         <p:sp>
           <p:nvSpPr>
-            <p:cNvPr name="TextBox 6" id="6"/>
-            <p:cNvSpPr txBox="true"/>
+            <p:cNvPr id="6" name="TextBox 6"/>
+            <p:cNvSpPr txBox="1"/>
             <p:nvPr/>
           </p:nvSpPr>
           <p:spPr>
@@ -10271,7 +10894,7 @@
             </a:prstGeom>
           </p:spPr>
           <p:txBody>
-            <a:bodyPr anchor="ctr" rtlCol="false" tIns="50800" lIns="50800" bIns="50800" rIns="50800"/>
+            <a:bodyPr lIns="50800" tIns="50800" rIns="50800" bIns="50800" rtlCol="0" anchor="ctr"/>
             <a:lstStyle/>
             <a:p>
               <a:pPr algn="ctr">
@@ -10279,20 +10902,21 @@
                   <a:spcPts val="2800"/>
                 </a:lnSpc>
               </a:pPr>
+              <a:endParaRPr/>
             </a:p>
           </p:txBody>
         </p:sp>
       </p:grpSp>
       <p:grpSp>
         <p:nvGrpSpPr>
-          <p:cNvPr name="Group 7" id="7"/>
+          <p:cNvPr id="7" name="Group 7"/>
           <p:cNvGrpSpPr>
-            <a:grpSpLocks noChangeAspect="true"/>
+            <a:grpSpLocks noChangeAspect="1"/>
           </p:cNvGrpSpPr>
           <p:nvPr/>
         </p:nvGrpSpPr>
         <p:grpSpPr>
-          <a:xfrm rot="0">
+          <a:xfrm>
             <a:off x="16773112" y="-114300"/>
             <a:ext cx="1591088" cy="1591082"/>
             <a:chOff x="0" y="0"/>
@@ -10301,12 +10925,12 @@
         </p:grpSpPr>
         <p:sp>
           <p:nvSpPr>
-            <p:cNvPr name="Freeform 8" id="8"/>
+            <p:cNvPr id="8" name="Freeform 8"/>
             <p:cNvSpPr/>
             <p:nvPr/>
           </p:nvSpPr>
           <p:spPr>
-            <a:xfrm flipH="false" flipV="false" rot="0">
+            <a:xfrm>
               <a:off x="0" y="0"/>
               <a:ext cx="6350000" cy="6349974"/>
             </a:xfrm>
@@ -10315,9 +10939,9 @@
               <a:gdLst/>
               <a:ahLst/>
               <a:cxnLst/>
-              <a:rect r="r" b="b" t="t" l="l"/>
+              <a:rect l="l" t="t" r="r" b="b"/>
               <a:pathLst>
-                <a:path h="6349974" w="6350000">
+                <a:path w="6350000" h="6349974">
                   <a:moveTo>
                     <a:pt x="6350000" y="3175025"/>
                   </a:moveTo>
@@ -10352,16 +10976,23 @@
               </a:stretch>
             </a:blipFill>
           </p:spPr>
+          <p:txBody>
+            <a:bodyPr/>
+            <a:lstStyle/>
+            <a:p>
+              <a:endParaRPr lang="en-US"/>
+            </a:p>
+          </p:txBody>
         </p:sp>
       </p:grpSp>
       <p:sp>
         <p:nvSpPr>
-          <p:cNvPr name="Freeform 9" id="9"/>
+          <p:cNvPr id="9" name="Freeform 9"/>
           <p:cNvSpPr/>
           <p:nvPr/>
         </p:nvSpPr>
         <p:spPr>
-          <a:xfrm flipH="false" flipV="false" rot="0">
+          <a:xfrm>
             <a:off x="-1343740" y="7839901"/>
             <a:ext cx="3790839" cy="3790839"/>
           </a:xfrm>
@@ -10370,9 +11001,9 @@
             <a:gdLst/>
             <a:ahLst/>
             <a:cxnLst/>
-            <a:rect r="r" b="b" t="t" l="l"/>
+            <a:rect l="l" t="t" r="r" b="b"/>
             <a:pathLst>
-              <a:path h="3790839" w="3790839">
+              <a:path w="3790839" h="3790839">
                 <a:moveTo>
                   <a:pt x="0" y="0"/>
                 </a:moveTo>
@@ -10402,19 +11033,26 @@
               </a:extLst>
             </a:blip>
             <a:stretch>
-              <a:fillRect l="0" t="0" r="0" b="0"/>
+              <a:fillRect/>
             </a:stretch>
           </a:blipFill>
         </p:spPr>
-      </p:sp>
-      <p:sp>
-        <p:nvSpPr>
-          <p:cNvPr name="TextBox 10" id="10"/>
-          <p:cNvSpPr txBox="true"/>
+        <p:txBody>
+          <a:bodyPr/>
+          <a:lstStyle/>
+          <a:p>
+            <a:endParaRPr lang="en-US"/>
+          </a:p>
+        </p:txBody>
+      </p:sp>
+      <p:sp>
+        <p:nvSpPr>
+          <p:cNvPr id="10" name="TextBox 10"/>
+          <p:cNvSpPr txBox="1"/>
           <p:nvPr/>
         </p:nvSpPr>
         <p:spPr>
-          <a:xfrm rot="0">
+          <a:xfrm>
             <a:off x="1028700" y="4501614"/>
             <a:ext cx="9007071" cy="1226820"/>
           </a:xfrm>
@@ -10423,7 +11061,7 @@
           </a:prstGeom>
         </p:spPr>
         <p:txBody>
-          <a:bodyPr anchor="t" rtlCol="false" tIns="0" lIns="0" bIns="0" rIns="0">
+          <a:bodyPr lIns="0" tIns="0" rIns="0" bIns="0" rtlCol="0" anchor="t">
             <a:spAutoFit/>
           </a:bodyPr>
           <a:lstStyle/>
@@ -10450,12 +11088,12 @@
       </p:sp>
       <p:sp>
         <p:nvSpPr>
-          <p:cNvPr name="TextBox 11" id="11"/>
-          <p:cNvSpPr txBox="true"/>
+          <p:cNvPr id="11" name="TextBox 11"/>
+          <p:cNvSpPr txBox="1"/>
           <p:nvPr/>
         </p:nvSpPr>
         <p:spPr>
-          <a:xfrm rot="0">
+          <a:xfrm>
             <a:off x="1028700" y="5977245"/>
             <a:ext cx="16230600" cy="1662800"/>
           </a:xfrm>
@@ -10464,12 +11102,12 @@
           </a:prstGeom>
         </p:spPr>
         <p:txBody>
-          <a:bodyPr anchor="t" rtlCol="false" tIns="0" lIns="0" bIns="0" rIns="0">
+          <a:bodyPr lIns="0" tIns="0" rIns="0" bIns="0" rtlCol="0" anchor="t">
             <a:spAutoFit/>
           </a:bodyPr>
           <a:lstStyle/>
           <a:p>
-            <a:pPr marL="518160" indent="-259080" lvl="1">
+            <a:pPr marL="518160" lvl="1" indent="-259080">
               <a:lnSpc>
                 <a:spcPts val="3359"/>
               </a:lnSpc>
@@ -10487,7 +11125,7 @@
             </a:r>
           </a:p>
           <a:p>
-            <a:pPr marL="518160" indent="-259080" lvl="1">
+            <a:pPr marL="518160" lvl="1" indent="-259080">
               <a:lnSpc>
                 <a:spcPts val="3359"/>
               </a:lnSpc>
@@ -10505,7 +11143,7 @@
             </a:r>
           </a:p>
           <a:p>
-            <a:pPr marL="518160" indent="-259080" lvl="1">
+            <a:pPr marL="518160" lvl="1" indent="-259080">
               <a:lnSpc>
                 <a:spcPts val="3359"/>
               </a:lnSpc>
@@ -10536,13 +11174,14 @@
 </file>
 
 <file path=ppt/slides/slide8.xml><?xml version="1.0" encoding="utf-8"?>
-<p:sld xmlns:p="http://schemas.openxmlformats.org/presentationml/2006/main" xmlns:a="http://schemas.openxmlformats.org/drawingml/2006/main" xmlns:r="http://schemas.openxmlformats.org/officeDocument/2006/relationships">
+<p:sld xmlns:a="http://schemas.openxmlformats.org/drawingml/2006/main" xmlns:r="http://schemas.openxmlformats.org/officeDocument/2006/relationships" xmlns:p="http://schemas.openxmlformats.org/presentationml/2006/main">
   <p:cSld>
     <p:bg>
       <p:bgPr>
         <a:solidFill>
           <a:srgbClr val="E9ECEA"/>
         </a:solidFill>
+        <a:effectLst/>
       </p:bgPr>
     </p:bg>
     <p:spTree>
@@ -10561,12 +11200,12 @@
       </p:grpSpPr>
       <p:sp>
         <p:nvSpPr>
-          <p:cNvPr name="TextBox 2" id="2"/>
-          <p:cNvSpPr txBox="true"/>
+          <p:cNvPr id="2" name="TextBox 2"/>
+          <p:cNvSpPr txBox="1"/>
           <p:nvPr/>
         </p:nvSpPr>
         <p:spPr>
-          <a:xfrm rot="0">
+          <a:xfrm>
             <a:off x="918239" y="1560195"/>
             <a:ext cx="9007071" cy="1226820"/>
           </a:xfrm>
@@ -10575,7 +11214,7 @@
           </a:prstGeom>
         </p:spPr>
         <p:txBody>
-          <a:bodyPr anchor="t" rtlCol="false" tIns="0" lIns="0" bIns="0" rIns="0">
+          <a:bodyPr lIns="0" tIns="0" rIns="0" bIns="0" rtlCol="0" anchor="t">
             <a:spAutoFit/>
           </a:bodyPr>
           <a:lstStyle/>
@@ -10602,12 +11241,12 @@
       </p:sp>
       <p:sp>
         <p:nvSpPr>
-          <p:cNvPr name="TextBox 3" id="3"/>
-          <p:cNvSpPr txBox="true"/>
+          <p:cNvPr id="3" name="TextBox 3"/>
+          <p:cNvSpPr txBox="1"/>
           <p:nvPr/>
         </p:nvSpPr>
         <p:spPr>
-          <a:xfrm rot="0">
+          <a:xfrm>
             <a:off x="918239" y="2739390"/>
             <a:ext cx="16451522" cy="5854065"/>
           </a:xfrm>
@@ -10616,12 +11255,12 @@
           </a:prstGeom>
         </p:spPr>
         <p:txBody>
-          <a:bodyPr anchor="t" rtlCol="false" tIns="0" lIns="0" bIns="0" rIns="0">
+          <a:bodyPr lIns="0" tIns="0" rIns="0" bIns="0" rtlCol="0" anchor="t">
             <a:spAutoFit/>
           </a:bodyPr>
           <a:lstStyle/>
           <a:p>
-            <a:pPr marL="518160" indent="-259080" lvl="1">
+            <a:pPr marL="518160" lvl="1" indent="-259080">
               <a:lnSpc>
                 <a:spcPts val="3359"/>
               </a:lnSpc>
@@ -10639,7 +11278,7 @@
             </a:r>
           </a:p>
           <a:p>
-            <a:pPr marL="1036320" indent="-345440" lvl="2">
+            <a:pPr marL="1036320" lvl="2" indent="-345440">
               <a:lnSpc>
                 <a:spcPts val="3359"/>
               </a:lnSpc>
@@ -10657,7 +11296,7 @@
             </a:r>
           </a:p>
           <a:p>
-            <a:pPr marL="1036320" indent="-345440" lvl="2">
+            <a:pPr marL="1036320" lvl="2" indent="-345440">
               <a:lnSpc>
                 <a:spcPts val="3359"/>
               </a:lnSpc>
@@ -10675,7 +11314,7 @@
             </a:r>
           </a:p>
           <a:p>
-            <a:pPr marL="518160" indent="-259080" lvl="1">
+            <a:pPr marL="518160" lvl="1" indent="-259080">
               <a:lnSpc>
                 <a:spcPts val="3359"/>
               </a:lnSpc>
@@ -10693,7 +11332,7 @@
             </a:r>
           </a:p>
           <a:p>
-            <a:pPr marL="1036320" indent="-345440" lvl="2">
+            <a:pPr marL="1036320" lvl="2" indent="-345440">
               <a:lnSpc>
                 <a:spcPts val="3359"/>
               </a:lnSpc>
@@ -10711,7 +11350,7 @@
             </a:r>
           </a:p>
           <a:p>
-            <a:pPr marL="1554480" indent="-388620" lvl="3">
+            <a:pPr marL="1554480" lvl="3" indent="-388620">
               <a:lnSpc>
                 <a:spcPts val="3359"/>
               </a:lnSpc>
@@ -10729,7 +11368,7 @@
             </a:r>
           </a:p>
           <a:p>
-            <a:pPr marL="1554480" indent="-388620" lvl="3">
+            <a:pPr marL="1554480" lvl="3" indent="-388620">
               <a:lnSpc>
                 <a:spcPts val="3359"/>
               </a:lnSpc>
@@ -10747,7 +11386,7 @@
             </a:r>
           </a:p>
           <a:p>
-            <a:pPr marL="1554480" indent="-388620" lvl="3">
+            <a:pPr marL="1554480" lvl="3" indent="-388620">
               <a:lnSpc>
                 <a:spcPts val="3359"/>
               </a:lnSpc>
@@ -10765,7 +11404,7 @@
             </a:r>
           </a:p>
           <a:p>
-            <a:pPr marL="1554480" indent="-388620" lvl="3">
+            <a:pPr marL="1554480" lvl="3" indent="-388620">
               <a:lnSpc>
                 <a:spcPts val="3359"/>
               </a:lnSpc>
@@ -10783,7 +11422,7 @@
             </a:r>
           </a:p>
           <a:p>
-            <a:pPr marL="1036320" indent="-345440" lvl="2">
+            <a:pPr marL="1036320" lvl="2" indent="-345440">
               <a:lnSpc>
                 <a:spcPts val="3359"/>
               </a:lnSpc>
@@ -10801,7 +11440,7 @@
             </a:r>
           </a:p>
           <a:p>
-            <a:pPr marL="1554480" indent="-388620" lvl="3">
+            <a:pPr marL="1554480" lvl="3" indent="-388620">
               <a:lnSpc>
                 <a:spcPts val="3359"/>
               </a:lnSpc>
@@ -10819,7 +11458,7 @@
             </a:r>
           </a:p>
           <a:p>
-            <a:pPr marL="1554480" indent="-388620" lvl="3">
+            <a:pPr marL="1554480" lvl="3" indent="-388620">
               <a:lnSpc>
                 <a:spcPts val="3359"/>
               </a:lnSpc>
@@ -10837,7 +11476,7 @@
             </a:r>
           </a:p>
           <a:p>
-            <a:pPr marL="1554480" indent="-388620" lvl="3">
+            <a:pPr marL="1554480" lvl="3" indent="-388620">
               <a:lnSpc>
                 <a:spcPts val="3359"/>
               </a:lnSpc>
@@ -10855,7 +11494,7 @@
             </a:r>
           </a:p>
           <a:p>
-            <a:pPr marL="1554480" indent="-388620" lvl="3">
+            <a:pPr marL="1554480" lvl="3" indent="-388620">
               <a:lnSpc>
                 <a:spcPts val="3359"/>
               </a:lnSpc>
@@ -10879,12 +11518,12 @@
       </p:sp>
       <p:grpSp>
         <p:nvGrpSpPr>
-          <p:cNvPr name="Group 4" id="4"/>
+          <p:cNvPr id="4" name="Group 4"/>
           <p:cNvGrpSpPr/>
           <p:nvPr/>
         </p:nvGrpSpPr>
         <p:grpSpPr>
-          <a:xfrm rot="0">
+          <a:xfrm>
             <a:off x="16379931" y="-1368006"/>
             <a:ext cx="3086100" cy="3086100"/>
             <a:chOff x="0" y="0"/>
@@ -10893,12 +11532,12 @@
         </p:grpSpPr>
         <p:sp>
           <p:nvSpPr>
-            <p:cNvPr name="Freeform 5" id="5"/>
+            <p:cNvPr id="5" name="Freeform 5"/>
             <p:cNvSpPr/>
             <p:nvPr/>
           </p:nvSpPr>
           <p:spPr>
-            <a:xfrm flipH="false" flipV="false" rot="0">
+            <a:xfrm>
               <a:off x="1813" y="0"/>
               <a:ext cx="809173" cy="812800"/>
             </a:xfrm>
@@ -10907,9 +11546,9 @@
               <a:gdLst/>
               <a:ahLst/>
               <a:cxnLst/>
-              <a:rect r="r" b="b" t="t" l="l"/>
+              <a:rect l="l" t="t" r="r" b="b"/>
               <a:pathLst>
-                <a:path h="812800" w="809173">
+                <a:path w="809173" h="812800">
                   <a:moveTo>
                     <a:pt x="404587" y="0"/>
                   </a:moveTo>
@@ -10941,11 +11580,18 @@
               <a:srgbClr val="000914"/>
             </a:solidFill>
           </p:spPr>
+          <p:txBody>
+            <a:bodyPr/>
+            <a:lstStyle/>
+            <a:p>
+              <a:endParaRPr lang="en-US"/>
+            </a:p>
+          </p:txBody>
         </p:sp>
         <p:sp>
           <p:nvSpPr>
-            <p:cNvPr name="TextBox 6" id="6"/>
-            <p:cNvSpPr txBox="true"/>
+            <p:cNvPr id="6" name="TextBox 6"/>
+            <p:cNvSpPr txBox="1"/>
             <p:nvPr/>
           </p:nvSpPr>
           <p:spPr>
@@ -10958,7 +11604,7 @@
             </a:prstGeom>
           </p:spPr>
           <p:txBody>
-            <a:bodyPr anchor="ctr" rtlCol="false" tIns="50800" lIns="50800" bIns="50800" rIns="50800"/>
+            <a:bodyPr lIns="50800" tIns="50800" rIns="50800" bIns="50800" rtlCol="0" anchor="ctr"/>
             <a:lstStyle/>
             <a:p>
               <a:pPr algn="ctr">
@@ -10966,20 +11612,21 @@
                   <a:spcPts val="2800"/>
                 </a:lnSpc>
               </a:pPr>
+              <a:endParaRPr/>
             </a:p>
           </p:txBody>
         </p:sp>
       </p:grpSp>
       <p:grpSp>
         <p:nvGrpSpPr>
-          <p:cNvPr name="Group 7" id="7"/>
+          <p:cNvPr id="7" name="Group 7"/>
           <p:cNvGrpSpPr>
-            <a:grpSpLocks noChangeAspect="true"/>
+            <a:grpSpLocks noChangeAspect="1"/>
           </p:cNvGrpSpPr>
           <p:nvPr/>
         </p:nvGrpSpPr>
         <p:grpSpPr>
-          <a:xfrm rot="0">
+          <a:xfrm>
             <a:off x="16773112" y="-114300"/>
             <a:ext cx="1591088" cy="1591082"/>
             <a:chOff x="0" y="0"/>
@@ -10988,12 +11635,12 @@
         </p:grpSpPr>
         <p:sp>
           <p:nvSpPr>
-            <p:cNvPr name="Freeform 8" id="8"/>
+            <p:cNvPr id="8" name="Freeform 8"/>
             <p:cNvSpPr/>
             <p:nvPr/>
           </p:nvSpPr>
           <p:spPr>
-            <a:xfrm flipH="false" flipV="false" rot="0">
+            <a:xfrm>
               <a:off x="0" y="0"/>
               <a:ext cx="6350000" cy="6349974"/>
             </a:xfrm>
@@ -11002,9 +11649,9 @@
               <a:gdLst/>
               <a:ahLst/>
               <a:cxnLst/>
-              <a:rect r="r" b="b" t="t" l="l"/>
+              <a:rect l="l" t="t" r="r" b="b"/>
               <a:pathLst>
-                <a:path h="6349974" w="6350000">
+                <a:path w="6350000" h="6349974">
                   <a:moveTo>
                     <a:pt x="6350000" y="3175025"/>
                   </a:moveTo>
@@ -11039,6 +11686,13 @@
               </a:stretch>
             </a:blipFill>
           </p:spPr>
+          <p:txBody>
+            <a:bodyPr/>
+            <a:lstStyle/>
+            <a:p>
+              <a:endParaRPr lang="en-US"/>
+            </a:p>
+          </p:txBody>
         </p:sp>
       </p:grpSp>
     </p:spTree>
@@ -11050,13 +11704,14 @@
 </file>
 
 <file path=ppt/slides/slide9.xml><?xml version="1.0" encoding="utf-8"?>
-<p:sld xmlns:p="http://schemas.openxmlformats.org/presentationml/2006/main" xmlns:a="http://schemas.openxmlformats.org/drawingml/2006/main" xmlns:r="http://schemas.openxmlformats.org/officeDocument/2006/relationships">
+<p:sld xmlns:a="http://schemas.openxmlformats.org/drawingml/2006/main" xmlns:r="http://schemas.openxmlformats.org/officeDocument/2006/relationships" xmlns:p="http://schemas.openxmlformats.org/presentationml/2006/main">
   <p:cSld>
     <p:bg>
       <p:bgPr>
         <a:solidFill>
           <a:srgbClr val="E9ECEA"/>
         </a:solidFill>
+        <a:effectLst/>
       </p:bgPr>
     </p:bg>
     <p:spTree>
@@ -11075,12 +11730,12 @@
       </p:grpSpPr>
       <p:sp>
         <p:nvSpPr>
-          <p:cNvPr name="TextBox 2" id="2"/>
-          <p:cNvSpPr txBox="true"/>
+          <p:cNvPr id="2" name="TextBox 2"/>
+          <p:cNvSpPr txBox="1"/>
           <p:nvPr/>
         </p:nvSpPr>
         <p:spPr>
-          <a:xfrm rot="0">
+          <a:xfrm>
             <a:off x="918239" y="1560195"/>
             <a:ext cx="9007071" cy="1226820"/>
           </a:xfrm>
@@ -11089,7 +11744,7 @@
           </a:prstGeom>
         </p:spPr>
         <p:txBody>
-          <a:bodyPr anchor="t" rtlCol="false" tIns="0" lIns="0" bIns="0" rIns="0">
+          <a:bodyPr lIns="0" tIns="0" rIns="0" bIns="0" rtlCol="0" anchor="t">
             <a:spAutoFit/>
           </a:bodyPr>
           <a:lstStyle/>
@@ -11116,12 +11771,12 @@
       </p:sp>
       <p:sp>
         <p:nvSpPr>
-          <p:cNvPr name="TextBox 3" id="3"/>
-          <p:cNvSpPr txBox="true"/>
+          <p:cNvPr id="3" name="TextBox 3"/>
+          <p:cNvSpPr txBox="1"/>
           <p:nvPr/>
         </p:nvSpPr>
         <p:spPr>
-          <a:xfrm rot="0">
+          <a:xfrm>
             <a:off x="918239" y="2739390"/>
             <a:ext cx="16451522" cy="3339465"/>
           </a:xfrm>
@@ -11130,12 +11785,12 @@
           </a:prstGeom>
         </p:spPr>
         <p:txBody>
-          <a:bodyPr anchor="t" rtlCol="false" tIns="0" lIns="0" bIns="0" rIns="0">
+          <a:bodyPr lIns="0" tIns="0" rIns="0" bIns="0" rtlCol="0" anchor="t">
             <a:spAutoFit/>
           </a:bodyPr>
           <a:lstStyle/>
           <a:p>
-            <a:pPr marL="518160" indent="-259080" lvl="1">
+            <a:pPr marL="518160" lvl="1" indent="-259080">
               <a:lnSpc>
                 <a:spcPts val="3359"/>
               </a:lnSpc>
@@ -11153,7 +11808,7 @@
             </a:r>
           </a:p>
           <a:p>
-            <a:pPr marL="518160" indent="-259080" lvl="1">
+            <a:pPr marL="518160" lvl="1" indent="-259080">
               <a:lnSpc>
                 <a:spcPts val="3359"/>
               </a:lnSpc>
@@ -11171,7 +11826,7 @@
             </a:r>
           </a:p>
           <a:p>
-            <a:pPr marL="518160" indent="-259080" lvl="1">
+            <a:pPr marL="518160" lvl="1" indent="-259080">
               <a:lnSpc>
                 <a:spcPts val="3359"/>
               </a:lnSpc>
@@ -11189,7 +11844,7 @@
             </a:r>
           </a:p>
           <a:p>
-            <a:pPr marL="518160" indent="-259080" lvl="1">
+            <a:pPr marL="518160" lvl="1" indent="-259080">
               <a:lnSpc>
                 <a:spcPts val="3359"/>
               </a:lnSpc>
@@ -11207,7 +11862,7 @@
             </a:r>
           </a:p>
           <a:p>
-            <a:pPr marL="518160" indent="-259080" lvl="1">
+            <a:pPr marL="518160" lvl="1" indent="-259080">
               <a:lnSpc>
                 <a:spcPts val="3359"/>
               </a:lnSpc>
@@ -11225,7 +11880,7 @@
             </a:r>
           </a:p>
           <a:p>
-            <a:pPr marL="518160" indent="-259080" lvl="1">
+            <a:pPr marL="518160" lvl="1" indent="-259080">
               <a:lnSpc>
                 <a:spcPts val="3359"/>
               </a:lnSpc>
@@ -11243,7 +11898,7 @@
             </a:r>
           </a:p>
           <a:p>
-            <a:pPr marL="518160" indent="-259080" lvl="1">
+            <a:pPr marL="518160" lvl="1" indent="-259080">
               <a:lnSpc>
                 <a:spcPts val="3359"/>
               </a:lnSpc>
@@ -11261,7 +11916,7 @@
             </a:r>
           </a:p>
           <a:p>
-            <a:pPr marL="518160" indent="-259080" lvl="1">
+            <a:pPr marL="518160" lvl="1" indent="-259080">
               <a:lnSpc>
                 <a:spcPts val="3359"/>
               </a:lnSpc>
@@ -11285,12 +11940,12 @@
       </p:sp>
       <p:grpSp>
         <p:nvGrpSpPr>
-          <p:cNvPr name="Group 4" id="4"/>
+          <p:cNvPr id="4" name="Group 4"/>
           <p:cNvGrpSpPr/>
           <p:nvPr/>
         </p:nvGrpSpPr>
         <p:grpSpPr>
-          <a:xfrm rot="0">
+          <a:xfrm>
             <a:off x="16379931" y="-1368006"/>
             <a:ext cx="3086100" cy="3086100"/>
             <a:chOff x="0" y="0"/>
@@ -11299,12 +11954,12 @@
         </p:grpSpPr>
         <p:sp>
           <p:nvSpPr>
-            <p:cNvPr name="Freeform 5" id="5"/>
+            <p:cNvPr id="5" name="Freeform 5"/>
             <p:cNvSpPr/>
             <p:nvPr/>
           </p:nvSpPr>
           <p:spPr>
-            <a:xfrm flipH="false" flipV="false" rot="0">
+            <a:xfrm>
               <a:off x="1813" y="0"/>
               <a:ext cx="809173" cy="812800"/>
             </a:xfrm>
@@ -11313,9 +11968,9 @@
               <a:gdLst/>
               <a:ahLst/>
               <a:cxnLst/>
-              <a:rect r="r" b="b" t="t" l="l"/>
+              <a:rect l="l" t="t" r="r" b="b"/>
               <a:pathLst>
-                <a:path h="812800" w="809173">
+                <a:path w="809173" h="812800">
                   <a:moveTo>
                     <a:pt x="404587" y="0"/>
                   </a:moveTo>
@@ -11347,11 +12002,18 @@
               <a:srgbClr val="000914"/>
             </a:solidFill>
           </p:spPr>
+          <p:txBody>
+            <a:bodyPr/>
+            <a:lstStyle/>
+            <a:p>
+              <a:endParaRPr lang="en-US"/>
+            </a:p>
+          </p:txBody>
         </p:sp>
         <p:sp>
           <p:nvSpPr>
-            <p:cNvPr name="TextBox 6" id="6"/>
-            <p:cNvSpPr txBox="true"/>
+            <p:cNvPr id="6" name="TextBox 6"/>
+            <p:cNvSpPr txBox="1"/>
             <p:nvPr/>
           </p:nvSpPr>
           <p:spPr>
@@ -11364,7 +12026,7 @@
             </a:prstGeom>
           </p:spPr>
           <p:txBody>
-            <a:bodyPr anchor="ctr" rtlCol="false" tIns="50800" lIns="50800" bIns="50800" rIns="50800"/>
+            <a:bodyPr lIns="50800" tIns="50800" rIns="50800" bIns="50800" rtlCol="0" anchor="ctr"/>
             <a:lstStyle/>
             <a:p>
               <a:pPr algn="ctr">
@@ -11372,20 +12034,21 @@
                   <a:spcPts val="2800"/>
                 </a:lnSpc>
               </a:pPr>
+              <a:endParaRPr/>
             </a:p>
           </p:txBody>
         </p:sp>
       </p:grpSp>
       <p:grpSp>
         <p:nvGrpSpPr>
-          <p:cNvPr name="Group 7" id="7"/>
+          <p:cNvPr id="7" name="Group 7"/>
           <p:cNvGrpSpPr>
-            <a:grpSpLocks noChangeAspect="true"/>
+            <a:grpSpLocks noChangeAspect="1"/>
           </p:cNvGrpSpPr>
           <p:nvPr/>
         </p:nvGrpSpPr>
         <p:grpSpPr>
-          <a:xfrm rot="0">
+          <a:xfrm>
             <a:off x="16773112" y="-114300"/>
             <a:ext cx="1591088" cy="1591082"/>
             <a:chOff x="0" y="0"/>
@@ -11394,12 +12057,12 @@
         </p:grpSpPr>
         <p:sp>
           <p:nvSpPr>
-            <p:cNvPr name="Freeform 8" id="8"/>
+            <p:cNvPr id="8" name="Freeform 8"/>
             <p:cNvSpPr/>
             <p:nvPr/>
           </p:nvSpPr>
           <p:spPr>
-            <a:xfrm flipH="false" flipV="false" rot="0">
+            <a:xfrm>
               <a:off x="0" y="0"/>
               <a:ext cx="6350000" cy="6349974"/>
             </a:xfrm>
@@ -11408,9 +12071,9 @@
               <a:gdLst/>
               <a:ahLst/>
               <a:cxnLst/>
-              <a:rect r="r" b="b" t="t" l="l"/>
+              <a:rect l="l" t="t" r="r" b="b"/>
               <a:pathLst>
-                <a:path h="6349974" w="6350000">
+                <a:path w="6350000" h="6349974">
                   <a:moveTo>
                     <a:pt x="6350000" y="3175025"/>
                   </a:moveTo>
@@ -11445,6 +12108,13 @@
               </a:stretch>
             </a:blipFill>
           </p:spPr>
+          <p:txBody>
+            <a:bodyPr/>
+            <a:lstStyle/>
+            <a:p>
+              <a:endParaRPr lang="en-US"/>
+            </a:p>
+          </p:txBody>
         </p:sp>
       </p:grpSp>
     </p:spTree>
